--- a/dbcAmplicons/dbcAmplicons_Amplicons.pptx
+++ b/dbcAmplicons/dbcAmplicons_Amplicons.pptx
@@ -220,7 +220,7 @@
           <a:p>
             <a:fld id="{C3AE8A84-499B-7545-AFED-1AAA9A450579}" type="datetimeFigureOut">
               <a:rPr lang="en-US" smtClean="0"/>
-              <a:t>4/20/19</a:t>
+              <a:t>9/3/19</a:t>
             </a:fld>
             <a:endParaRPr lang="en-US"/>
           </a:p>
@@ -828,7 +828,7 @@
           <a:p>
             <a:fld id="{58936CDA-A23D-F74A-8C50-3518C15E295A}" type="datetimeFigureOut">
               <a:rPr lang="en-US" smtClean="0"/>
-              <a:t>4/20/19</a:t>
+              <a:t>9/3/19</a:t>
             </a:fld>
             <a:endParaRPr lang="en-US"/>
           </a:p>
@@ -877,7 +877,6 @@
         </p:txBody>
       </p:sp>
     </p:spTree>
-    <p:extLst/>
   </p:cSld>
   <p:clrMapOvr>
     <a:masterClrMapping/>
@@ -992,7 +991,7 @@
           <a:p>
             <a:fld id="{58936CDA-A23D-F74A-8C50-3518C15E295A}" type="datetimeFigureOut">
               <a:rPr lang="en-US" smtClean="0"/>
-              <a:t>4/20/19</a:t>
+              <a:t>9/3/19</a:t>
             </a:fld>
             <a:endParaRPr lang="en-US"/>
           </a:p>
@@ -1041,7 +1040,6 @@
         </p:txBody>
       </p:sp>
     </p:spTree>
-    <p:extLst/>
   </p:cSld>
   <p:clrMapOvr>
     <a:masterClrMapping/>
@@ -1166,7 +1164,7 @@
           <a:p>
             <a:fld id="{58936CDA-A23D-F74A-8C50-3518C15E295A}" type="datetimeFigureOut">
               <a:rPr lang="en-US" smtClean="0"/>
-              <a:t>4/20/19</a:t>
+              <a:t>9/3/19</a:t>
             </a:fld>
             <a:endParaRPr lang="en-US"/>
           </a:p>
@@ -1215,7 +1213,6 @@
         </p:txBody>
       </p:sp>
     </p:spTree>
-    <p:extLst/>
   </p:cSld>
   <p:clrMapOvr>
     <a:masterClrMapping/>
@@ -1594,7 +1591,7 @@
           <a:p>
             <a:fld id="{58936CDA-A23D-F74A-8C50-3518C15E295A}" type="datetimeFigureOut">
               <a:rPr lang="en-US" smtClean="0"/>
-              <a:t>4/20/19</a:t>
+              <a:t>9/3/19</a:t>
             </a:fld>
             <a:endParaRPr lang="en-US"/>
           </a:p>
@@ -1643,7 +1640,6 @@
         </p:txBody>
       </p:sp>
     </p:spTree>
-    <p:extLst/>
   </p:cSld>
   <p:clrMapOvr>
     <a:masterClrMapping/>
@@ -1835,7 +1831,7 @@
           <a:p>
             <a:fld id="{58936CDA-A23D-F74A-8C50-3518C15E295A}" type="datetimeFigureOut">
               <a:rPr lang="en-US" smtClean="0"/>
-              <a:t>4/20/19</a:t>
+              <a:t>9/3/19</a:t>
             </a:fld>
             <a:endParaRPr lang="en-US"/>
           </a:p>
@@ -1884,7 +1880,6 @@
         </p:txBody>
       </p:sp>
     </p:spTree>
-    <p:extLst/>
   </p:cSld>
   <p:clrMapOvr>
     <a:masterClrMapping/>
@@ -2060,7 +2055,7 @@
           <a:p>
             <a:fld id="{58936CDA-A23D-F74A-8C50-3518C15E295A}" type="datetimeFigureOut">
               <a:rPr lang="en-US" smtClean="0"/>
-              <a:t>4/20/19</a:t>
+              <a:t>9/3/19</a:t>
             </a:fld>
             <a:endParaRPr lang="en-US"/>
           </a:p>
@@ -2109,7 +2104,6 @@
         </p:txBody>
       </p:sp>
     </p:spTree>
-    <p:extLst/>
   </p:cSld>
   <p:clrMapOvr>
     <a:masterClrMapping/>
@@ -2420,7 +2414,7 @@
           <a:p>
             <a:fld id="{58936CDA-A23D-F74A-8C50-3518C15E295A}" type="datetimeFigureOut">
               <a:rPr lang="en-US" smtClean="0"/>
-              <a:t>4/20/19</a:t>
+              <a:t>9/3/19</a:t>
             </a:fld>
             <a:endParaRPr lang="en-US"/>
           </a:p>
@@ -2469,7 +2463,6 @@
         </p:txBody>
       </p:sp>
     </p:spTree>
-    <p:extLst/>
   </p:cSld>
   <p:clrMapOvr>
     <a:masterClrMapping/>
@@ -2533,7 +2526,7 @@
           <a:p>
             <a:fld id="{58936CDA-A23D-F74A-8C50-3518C15E295A}" type="datetimeFigureOut">
               <a:rPr lang="en-US" smtClean="0"/>
-              <a:t>4/20/19</a:t>
+              <a:t>9/3/19</a:t>
             </a:fld>
             <a:endParaRPr lang="en-US"/>
           </a:p>
@@ -2582,7 +2575,6 @@
         </p:txBody>
       </p:sp>
     </p:spTree>
-    <p:extLst/>
   </p:cSld>
   <p:clrMapOvr>
     <a:masterClrMapping/>
@@ -2624,7 +2616,7 @@
           <a:p>
             <a:fld id="{58936CDA-A23D-F74A-8C50-3518C15E295A}" type="datetimeFigureOut">
               <a:rPr lang="en-US" smtClean="0"/>
-              <a:t>4/20/19</a:t>
+              <a:t>9/3/19</a:t>
             </a:fld>
             <a:endParaRPr lang="en-US"/>
           </a:p>
@@ -2673,7 +2665,6 @@
         </p:txBody>
       </p:sp>
     </p:spTree>
-    <p:extLst/>
   </p:cSld>
   <p:clrMapOvr>
     <a:masterClrMapping/>
@@ -2895,7 +2886,7 @@
           <a:p>
             <a:fld id="{58936CDA-A23D-F74A-8C50-3518C15E295A}" type="datetimeFigureOut">
               <a:rPr lang="en-US" smtClean="0"/>
-              <a:t>4/20/19</a:t>
+              <a:t>9/3/19</a:t>
             </a:fld>
             <a:endParaRPr lang="en-US"/>
           </a:p>
@@ -2944,7 +2935,6 @@
         </p:txBody>
       </p:sp>
     </p:spTree>
-    <p:extLst/>
   </p:cSld>
   <p:clrMapOvr>
     <a:masterClrMapping/>
@@ -3146,7 +3136,7 @@
           <a:p>
             <a:fld id="{58936CDA-A23D-F74A-8C50-3518C15E295A}" type="datetimeFigureOut">
               <a:rPr lang="en-US" smtClean="0"/>
-              <a:t>4/20/19</a:t>
+              <a:t>9/3/19</a:t>
             </a:fld>
             <a:endParaRPr lang="en-US"/>
           </a:p>
@@ -3195,7 +3185,6 @@
         </p:txBody>
       </p:sp>
     </p:spTree>
-    <p:extLst/>
   </p:cSld>
   <p:clrMapOvr>
     <a:masterClrMapping/>
@@ -3354,7 +3343,7 @@
           <a:p>
             <a:fld id="{58936CDA-A23D-F74A-8C50-3518C15E295A}" type="datetimeFigureOut">
               <a:rPr lang="en-US" smtClean="0"/>
-              <a:t>4/20/19</a:t>
+              <a:t>9/3/19</a:t>
             </a:fld>
             <a:endParaRPr lang="en-US"/>
           </a:p>
@@ -4090,7 +4079,7 @@
           <a:p>
             <a:r>
               <a:rPr lang="en-US" dirty="0"/>
-              <a:t>CS1, or CS2 sequence (</a:t>
+              <a:t>Illumina primer sequence (Illumina/</a:t>
             </a:r>
             <a:r>
               <a:rPr lang="en-US" dirty="0" err="1"/>
@@ -4243,13 +4232,13 @@
           <p:nvPr>
             <p:extLst>
               <p:ext uri="{D42A27DB-BD31-4B8C-83A1-F6EECF244321}">
-                <p14:modId xmlns:p14="http://schemas.microsoft.com/office/powerpoint/2010/main" val="90917948"/>
+                <p14:modId xmlns:p14="http://schemas.microsoft.com/office/powerpoint/2010/main" val="3807297887"/>
               </p:ext>
             </p:extLst>
           </p:nvPr>
         </p:nvGraphicFramePr>
         <p:xfrm>
-          <a:off x="1893608" y="1398909"/>
+          <a:off x="2015528" y="1398909"/>
           <a:ext cx="8229600" cy="2338976"/>
         </p:xfrm>
         <a:graphic>
@@ -4281,7 +4270,11 @@
                     <a:lstStyle/>
                     <a:p>
                       <a:r>
-                        <a:rPr lang="en-US" dirty="0"/>
+                        <a:rPr lang="en-US" dirty="0">
+                          <a:solidFill>
+                            <a:schemeClr val="tx1"/>
+                          </a:solidFill>
+                        </a:rPr>
                         <a:t>ID</a:t>
                       </a:r>
                     </a:p>
@@ -4297,9 +4290,13 @@
                     <a:bodyPr/>
                     <a:lstStyle/>
                     <a:p>
-                      <a:pPr algn="r"/>
+                      <a:pPr algn="l"/>
                       <a:r>
-                        <a:rPr lang="en-US" dirty="0"/>
+                        <a:rPr lang="en-US" dirty="0">
+                          <a:solidFill>
+                            <a:schemeClr val="tx1"/>
+                          </a:solidFill>
+                        </a:rPr>
                         <a:t>Primer</a:t>
                       </a:r>
                     </a:p>
@@ -4324,7 +4321,7 @@
                     <a:p>
                       <a:r>
                         <a:rPr lang="en-US" dirty="0"/>
-                        <a:t>CS1-27F</a:t>
+                        <a:t>TS1-27F</a:t>
                       </a:r>
                     </a:p>
                   </a:txBody>
@@ -4395,7 +4392,7 @@
                     <a:p>
                       <a:r>
                         <a:rPr lang="en-US" dirty="0"/>
-                        <a:t>CS1-27F_2</a:t>
+                        <a:t>TS1-27F_2</a:t>
                       </a:r>
                     </a:p>
                   </a:txBody>
@@ -4510,7 +4507,7 @@
                       </a:pPr>
                       <a:r>
                         <a:rPr lang="en-US" dirty="0"/>
-                        <a:t>CS1-27F_3</a:t>
+                        <a:t>TS1-27F_3</a:t>
                       </a:r>
                     </a:p>
                   </a:txBody>
@@ -4625,7 +4622,7 @@
                       </a:pPr>
                       <a:r>
                         <a:rPr lang="en-US" dirty="0"/>
-                        <a:t>CS1-27F_4</a:t>
+                        <a:t>TS1-27F_4</a:t>
                       </a:r>
                     </a:p>
                   </a:txBody>
@@ -4728,13 +4725,13 @@
           <p:nvPr>
             <p:extLst>
               <p:ext uri="{D42A27DB-BD31-4B8C-83A1-F6EECF244321}">
-                <p14:modId xmlns:p14="http://schemas.microsoft.com/office/powerpoint/2010/main" val="3508919307"/>
+                <p14:modId xmlns:p14="http://schemas.microsoft.com/office/powerpoint/2010/main" val="1348994428"/>
               </p:ext>
             </p:extLst>
           </p:nvPr>
         </p:nvGraphicFramePr>
         <p:xfrm>
-          <a:off x="1859280" y="3919616"/>
+          <a:off x="2015528" y="3919616"/>
           <a:ext cx="8229600" cy="2338976"/>
         </p:xfrm>
         <a:graphic>
@@ -4766,7 +4763,11 @@
                     <a:lstStyle/>
                     <a:p>
                       <a:r>
-                        <a:rPr lang="en-US" dirty="0"/>
+                        <a:rPr lang="en-US" dirty="0">
+                          <a:solidFill>
+                            <a:schemeClr val="tx1"/>
+                          </a:solidFill>
+                        </a:rPr>
                         <a:t>ID</a:t>
                       </a:r>
                     </a:p>
@@ -4782,9 +4783,13 @@
                     <a:bodyPr/>
                     <a:lstStyle/>
                     <a:p>
-                      <a:pPr algn="r"/>
+                      <a:pPr algn="l"/>
                       <a:r>
-                        <a:rPr lang="en-US" dirty="0"/>
+                        <a:rPr lang="en-US" dirty="0">
+                          <a:solidFill>
+                            <a:schemeClr val="tx1"/>
+                          </a:solidFill>
+                        </a:rPr>
                         <a:t>Primer</a:t>
                       </a:r>
                     </a:p>
@@ -4826,7 +4831,7 @@
                       </a:pPr>
                       <a:r>
                         <a:rPr lang="en-US" dirty="0"/>
-                        <a:t>CS2-534R</a:t>
+                        <a:t>TS2-534R</a:t>
                       </a:r>
                     </a:p>
                   </a:txBody>
@@ -4930,7 +4935,7 @@
                       </a:pPr>
                       <a:r>
                         <a:rPr lang="en-US" dirty="0"/>
-                        <a:t>CS2-534R_2</a:t>
+                        <a:t>TS2-534R_2</a:t>
                       </a:r>
                     </a:p>
                   </a:txBody>
@@ -5042,7 +5047,7 @@
                       </a:pPr>
                       <a:r>
                         <a:rPr lang="en-US" dirty="0"/>
-                        <a:t>CS2-534R_3</a:t>
+                        <a:t>TS2-534R_3</a:t>
                       </a:r>
                     </a:p>
                   </a:txBody>
@@ -5154,7 +5159,7 @@
                       </a:pPr>
                       <a:r>
                         <a:rPr lang="en-US" dirty="0"/>
-                        <a:t>CS2-534R_4</a:t>
+                        <a:t>TS2-534R_4</a:t>
                       </a:r>
                     </a:p>
                   </a:txBody>
@@ -5253,7 +5258,7 @@
         </p:nvSpPr>
         <p:spPr>
           <a:xfrm>
-            <a:off x="1859280" y="6258592"/>
+            <a:off x="1981200" y="6258592"/>
             <a:ext cx="8229600" cy="369332"/>
           </a:xfrm>
           <a:prstGeom prst="rect">
@@ -5678,7 +5683,7 @@
           <p:nvPr>
             <p:extLst>
               <p:ext uri="{D42A27DB-BD31-4B8C-83A1-F6EECF244321}">
-                <p14:modId xmlns:p14="http://schemas.microsoft.com/office/powerpoint/2010/main" val="1688894052"/>
+                <p14:modId xmlns:p14="http://schemas.microsoft.com/office/powerpoint/2010/main" val="547266352"/>
               </p:ext>
             </p:extLst>
           </p:nvPr>
@@ -5694,14 +5699,14 @@
                 <a:tableStyleId>{69C7853C-536D-4A76-A0AE-DD22124D55A5}</a:tableStyleId>
               </a:tblPr>
               <a:tblGrid>
-                <a:gridCol w="2151693">
+                <a:gridCol w="1817918">
                   <a:extLst>
                     <a:ext uri="{9D8B030D-6E8A-4147-A177-3AD203B41FA5}">
                       <a16:colId xmlns:a16="http://schemas.microsoft.com/office/drawing/2014/main" val="20000"/>
                     </a:ext>
                   </a:extLst>
                 </a:gridCol>
-                <a:gridCol w="6077907">
+                <a:gridCol w="6411682">
                   <a:extLst>
                     <a:ext uri="{9D8B030D-6E8A-4147-A177-3AD203B41FA5}">
                       <a16:colId xmlns:a16="http://schemas.microsoft.com/office/drawing/2014/main" val="20001"/>
@@ -5716,7 +5721,11 @@
                     <a:lstStyle/>
                     <a:p>
                       <a:r>
-                        <a:rPr lang="en-US" dirty="0"/>
+                        <a:rPr lang="en-US" dirty="0">
+                          <a:solidFill>
+                            <a:schemeClr val="tx1"/>
+                          </a:solidFill>
+                        </a:rPr>
                         <a:t>ID</a:t>
                       </a:r>
                     </a:p>
@@ -5732,9 +5741,13 @@
                     <a:bodyPr/>
                     <a:lstStyle/>
                     <a:p>
-                      <a:pPr algn="r"/>
+                      <a:pPr algn="l"/>
                       <a:r>
-                        <a:rPr lang="en-US" dirty="0"/>
+                        <a:rPr lang="en-US" dirty="0">
+                          <a:solidFill>
+                            <a:schemeClr val="tx1"/>
+                          </a:solidFill>
+                        </a:rPr>
                         <a:t>Primer</a:t>
                       </a:r>
                     </a:p>
@@ -5759,11 +5772,11 @@
                     <a:p>
                       <a:r>
                         <a:rPr lang="en-US" dirty="0"/>
-                        <a:t>P5-Index1-CS1</a:t>
+                        <a:t>P5-Index1-TS1</a:t>
                       </a:r>
                     </a:p>
                   </a:txBody>
-                  <a:tcPr>
+                  <a:tcPr anchor="ctr">
                     <a:solidFill>
                       <a:schemeClr val="bg1"/>
                     </a:solidFill>
@@ -5776,7 +5789,7 @@
                     <a:p>
                       <a:pPr algn="l" fontAlgn="b"/>
                       <a:r>
-                        <a:rPr lang="en-US" sz="1200" b="0" i="0" u="none" strike="noStrike" dirty="0">
+                        <a:rPr lang="en-US" sz="1400" b="0" i="0" u="none" strike="noStrike" dirty="0">
                           <a:solidFill>
                             <a:srgbClr val="00B0F0"/>
                           </a:solidFill>
@@ -5788,7 +5801,7 @@
                         <a:t>AATGATACGGCGACCACCGAGATCTACAC</a:t>
                       </a:r>
                       <a:r>
-                        <a:rPr lang="en-US" sz="1200" b="0" i="0" u="none" strike="noStrike" dirty="0">
+                        <a:rPr lang="en-US" sz="1400" b="0" i="0" u="none" strike="noStrike" dirty="0">
                           <a:solidFill>
                             <a:srgbClr val="FF0000"/>
                           </a:solidFill>
@@ -5800,7 +5813,7 @@
                         <a:t>TAGATCGC</a:t>
                       </a:r>
                       <a:r>
-                        <a:rPr lang="en-US" sz="1200" dirty="0">
+                        <a:rPr lang="en-US" sz="1400" dirty="0">
                           <a:solidFill>
                             <a:schemeClr val="tx1"/>
                           </a:solidFill>
@@ -5810,7 +5823,7 @@
                         </a:rPr>
                         <a:t>TCGTCGGCAGCGTC</a:t>
                       </a:r>
-                      <a:endParaRPr lang="en-US" sz="1200" b="0" i="0" u="none" strike="noStrike" dirty="0">
+                      <a:endParaRPr lang="en-US" sz="1400" b="0" i="0" u="none" strike="noStrike" dirty="0">
                         <a:solidFill>
                           <a:schemeClr val="tx1"/>
                         </a:solidFill>
@@ -5821,7 +5834,7 @@
                       </a:endParaRPr>
                     </a:p>
                   </a:txBody>
-                  <a:tcPr marL="12700" marR="12700" marT="12700" marB="0" anchor="b">
+                  <a:tcPr marL="12700" marR="12700" marT="12700" marB="0" anchor="ctr">
                     <a:solidFill>
                       <a:schemeClr val="bg1"/>
                     </a:solidFill>
@@ -5841,11 +5854,11 @@
                     <a:p>
                       <a:r>
                         <a:rPr lang="en-US" dirty="0"/>
-                        <a:t>P5-Index2-CS1</a:t>
+                        <a:t>P5-Index2-TS1</a:t>
                       </a:r>
                     </a:p>
                   </a:txBody>
-                  <a:tcPr>
+                  <a:tcPr anchor="ctr">
                     <a:solidFill>
                       <a:schemeClr val="bg1"/>
                     </a:solidFill>
@@ -5858,7 +5871,7 @@
                     <a:p>
                       <a:pPr algn="l" fontAlgn="b"/>
                       <a:r>
-                        <a:rPr lang="en-US" sz="1200" b="0" i="0" u="none" strike="noStrike" dirty="0">
+                        <a:rPr lang="en-US" sz="1400" b="0" i="0" u="none" strike="noStrike" dirty="0">
                           <a:solidFill>
                             <a:srgbClr val="00B0F0"/>
                           </a:solidFill>
@@ -5870,7 +5883,7 @@
                         <a:t>AATGATACGGCGACCACCGAGATCTACAC</a:t>
                       </a:r>
                       <a:r>
-                        <a:rPr lang="en-US" sz="1200" b="0" i="0" u="none" strike="noStrike" dirty="0">
+                        <a:rPr lang="en-US" sz="1400" b="0" i="0" u="none" strike="noStrike" dirty="0">
                           <a:solidFill>
                             <a:srgbClr val="FF0000"/>
                           </a:solidFill>
@@ -5882,7 +5895,7 @@
                         <a:t>CTCTCTAT</a:t>
                       </a:r>
                       <a:r>
-                        <a:rPr lang="en-US" sz="1200" dirty="0">
+                        <a:rPr lang="en-US" sz="1400" dirty="0">
                           <a:solidFill>
                             <a:schemeClr val="tx1"/>
                           </a:solidFill>
@@ -5892,7 +5905,7 @@
                         </a:rPr>
                         <a:t>TCGTCGGCAGCGTC</a:t>
                       </a:r>
-                      <a:endParaRPr lang="en-US" sz="1200" b="0" i="0" u="none" strike="noStrike" dirty="0">
+                      <a:endParaRPr lang="en-US" sz="1400" b="0" i="0" u="none" strike="noStrike" dirty="0">
                         <a:solidFill>
                           <a:srgbClr val="000000"/>
                         </a:solidFill>
@@ -5903,7 +5916,7 @@
                       </a:endParaRPr>
                     </a:p>
                   </a:txBody>
-                  <a:tcPr marL="12700" marR="12700" marT="12700" marB="0" anchor="b">
+                  <a:tcPr marL="12700" marR="12700" marT="12700" marB="0" anchor="ctr">
                     <a:solidFill>
                       <a:schemeClr val="bg1"/>
                     </a:solidFill>
@@ -5923,11 +5936,11 @@
                     <a:p>
                       <a:r>
                         <a:rPr lang="en-US" dirty="0"/>
-                        <a:t>P5-Index3-CS1</a:t>
+                        <a:t>P5-Index3-TS1</a:t>
                       </a:r>
                     </a:p>
                   </a:txBody>
-                  <a:tcPr>
+                  <a:tcPr anchor="ctr">
                     <a:solidFill>
                       <a:schemeClr val="bg1"/>
                     </a:solidFill>
@@ -5940,7 +5953,7 @@
                     <a:p>
                       <a:pPr algn="l" fontAlgn="b"/>
                       <a:r>
-                        <a:rPr lang="en-US" sz="1200" b="0" i="0" u="none" strike="noStrike" dirty="0">
+                        <a:rPr lang="en-US" sz="1400" b="0" i="0" u="none" strike="noStrike" dirty="0">
                           <a:solidFill>
                             <a:srgbClr val="00B0F0"/>
                           </a:solidFill>
@@ -5952,7 +5965,7 @@
                         <a:t>AATGATACGGCGACCACCGAGATCTACAC</a:t>
                       </a:r>
                       <a:r>
-                        <a:rPr lang="en-US" sz="1200" b="0" i="0" u="none" strike="noStrike" dirty="0">
+                        <a:rPr lang="en-US" sz="1400" b="0" i="0" u="none" strike="noStrike" dirty="0">
                           <a:solidFill>
                             <a:srgbClr val="FF0000"/>
                           </a:solidFill>
@@ -5961,10 +5974,10 @@
                           <a:ea typeface="Monaco" charset="0"/>
                           <a:cs typeface="Monaco" charset="0"/>
                         </a:rPr>
-                        <a:t>TATCCTC</a:t>
+                        <a:t>TATCCTCT</a:t>
                       </a:r>
                       <a:r>
-                        <a:rPr lang="en-US" sz="1200" dirty="0">
+                        <a:rPr lang="en-US" sz="1400" dirty="0">
                           <a:solidFill>
                             <a:schemeClr val="tx1"/>
                           </a:solidFill>
@@ -5974,7 +5987,7 @@
                         </a:rPr>
                         <a:t>TCGTCGGCAGCGTC</a:t>
                       </a:r>
-                      <a:endParaRPr lang="en-US" sz="1200" b="0" i="0" u="none" strike="noStrike" dirty="0">
+                      <a:endParaRPr lang="en-US" sz="1400" b="0" i="0" u="none" strike="noStrike" dirty="0">
                         <a:solidFill>
                           <a:srgbClr val="000000"/>
                         </a:solidFill>
@@ -5985,7 +5998,7 @@
                       </a:endParaRPr>
                     </a:p>
                   </a:txBody>
-                  <a:tcPr marL="12700" marR="12700" marT="12700" marB="0" anchor="b">
+                  <a:tcPr marL="12700" marR="12700" marT="12700" marB="0" anchor="ctr">
                     <a:solidFill>
                       <a:schemeClr val="bg1"/>
                     </a:solidFill>
@@ -6005,11 +6018,11 @@
                     <a:p>
                       <a:r>
                         <a:rPr lang="en-US" dirty="0"/>
-                        <a:t>P5-Index4-CS1</a:t>
+                        <a:t>P5-Index4-TS1</a:t>
                       </a:r>
                     </a:p>
                   </a:txBody>
-                  <a:tcPr>
+                  <a:tcPr anchor="ctr">
                     <a:solidFill>
                       <a:schemeClr val="bg1"/>
                     </a:solidFill>
@@ -6022,7 +6035,7 @@
                     <a:p>
                       <a:pPr algn="l" fontAlgn="b"/>
                       <a:r>
-                        <a:rPr lang="en-US" sz="1200" b="0" i="0" u="none" strike="noStrike" dirty="0">
+                        <a:rPr lang="en-US" sz="1400" b="0" i="0" u="none" strike="noStrike" dirty="0">
                           <a:solidFill>
                             <a:srgbClr val="00B0F0"/>
                           </a:solidFill>
@@ -6034,7 +6047,7 @@
                         <a:t>AATGATACGGCGACCACCGAGATCTACAC</a:t>
                       </a:r>
                       <a:r>
-                        <a:rPr lang="en-US" sz="1200" b="0" i="0" u="none" strike="noStrike" dirty="0">
+                        <a:rPr lang="en-US" sz="1400" b="0" i="0" u="none" strike="noStrike" dirty="0">
                           <a:solidFill>
                             <a:srgbClr val="FF0000"/>
                           </a:solidFill>
@@ -6046,7 +6059,7 @@
                         <a:t>AGAGTAGA</a:t>
                       </a:r>
                       <a:r>
-                        <a:rPr lang="en-US" sz="1200" dirty="0">
+                        <a:rPr lang="en-US" sz="1400" dirty="0">
                           <a:solidFill>
                             <a:schemeClr val="tx1"/>
                           </a:solidFill>
@@ -6056,7 +6069,7 @@
                         </a:rPr>
                         <a:t>TCGTCGGCAGCGTC</a:t>
                       </a:r>
-                      <a:endParaRPr lang="en-US" sz="1200" b="0" i="0" u="none" strike="noStrike" dirty="0">
+                      <a:endParaRPr lang="en-US" sz="1400" b="0" i="0" u="none" strike="noStrike" dirty="0">
                         <a:solidFill>
                           <a:srgbClr val="000000"/>
                         </a:solidFill>
@@ -6067,7 +6080,7 @@
                       </a:endParaRPr>
                     </a:p>
                   </a:txBody>
-                  <a:tcPr marL="12700" marR="12700" marT="12700" marB="0" anchor="b">
+                  <a:tcPr marL="12700" marR="12700" marT="12700" marB="0" anchor="ctr">
                     <a:solidFill>
                       <a:schemeClr val="bg1"/>
                     </a:solidFill>
@@ -6092,14 +6105,14 @@
           <p:nvPr>
             <p:extLst>
               <p:ext uri="{D42A27DB-BD31-4B8C-83A1-F6EECF244321}">
-                <p14:modId xmlns:p14="http://schemas.microsoft.com/office/powerpoint/2010/main" val="1448271061"/>
+                <p14:modId xmlns:p14="http://schemas.microsoft.com/office/powerpoint/2010/main" val="66288973"/>
               </p:ext>
             </p:extLst>
           </p:nvPr>
         </p:nvGraphicFramePr>
         <p:xfrm>
-          <a:off x="1981200" y="3919617"/>
-          <a:ext cx="8229600" cy="2395459"/>
+          <a:off x="2015528" y="3919616"/>
+          <a:ext cx="8195272" cy="2395459"/>
         </p:xfrm>
         <a:graphic>
           <a:graphicData uri="http://schemas.openxmlformats.org/drawingml/2006/table">
@@ -6108,14 +6121,14 @@
                 <a:tableStyleId>{69C7853C-536D-4A76-A0AE-DD22124D55A5}</a:tableStyleId>
               </a:tblPr>
               <a:tblGrid>
-                <a:gridCol w="2168857">
+                <a:gridCol w="1817918">
                   <a:extLst>
                     <a:ext uri="{9D8B030D-6E8A-4147-A177-3AD203B41FA5}">
                       <a16:colId xmlns:a16="http://schemas.microsoft.com/office/drawing/2014/main" val="20000"/>
                     </a:ext>
                   </a:extLst>
                 </a:gridCol>
-                <a:gridCol w="6060743">
+                <a:gridCol w="6377354">
                   <a:extLst>
                     <a:ext uri="{9D8B030D-6E8A-4147-A177-3AD203B41FA5}">
                       <a16:colId xmlns:a16="http://schemas.microsoft.com/office/drawing/2014/main" val="20001"/>
@@ -6130,7 +6143,11 @@
                     <a:lstStyle/>
                     <a:p>
                       <a:r>
-                        <a:rPr lang="en-US" dirty="0"/>
+                        <a:rPr lang="en-US" dirty="0">
+                          <a:solidFill>
+                            <a:schemeClr val="tx1"/>
+                          </a:solidFill>
+                        </a:rPr>
                         <a:t>ID</a:t>
                       </a:r>
                     </a:p>
@@ -6146,9 +6163,13 @@
                     <a:bodyPr/>
                     <a:lstStyle/>
                     <a:p>
-                      <a:pPr algn="r"/>
+                      <a:pPr algn="l"/>
                       <a:r>
-                        <a:rPr lang="en-US" dirty="0"/>
+                        <a:rPr lang="en-US" dirty="0">
+                          <a:solidFill>
+                            <a:schemeClr val="tx1"/>
+                          </a:solidFill>
+                        </a:rPr>
                         <a:t>Primer</a:t>
                       </a:r>
                     </a:p>
@@ -6190,11 +6211,11 @@
                       </a:pPr>
                       <a:r>
                         <a:rPr lang="en-US" dirty="0"/>
-                        <a:t>P7-Index1-CS2</a:t>
+                        <a:t>P7-Index1-TS2</a:t>
                       </a:r>
                     </a:p>
                   </a:txBody>
-                  <a:tcPr>
+                  <a:tcPr anchor="ctr">
                     <a:solidFill>
                       <a:schemeClr val="bg1"/>
                     </a:solidFill>
@@ -6252,7 +6273,7 @@
                       </a:endParaRPr>
                     </a:p>
                   </a:txBody>
-                  <a:tcPr marL="12700" marR="12700" marT="12700" marB="0" anchor="b">
+                  <a:tcPr marL="12700" marR="12700" marT="12700" marB="0" anchor="ctr">
                     <a:solidFill>
                       <a:schemeClr val="bg1"/>
                     </a:solidFill>
@@ -6289,11 +6310,11 @@
                       </a:pPr>
                       <a:r>
                         <a:rPr lang="en-US" dirty="0"/>
-                        <a:t>P7-Index2-CS2</a:t>
+                        <a:t>P7-Index2-TS2</a:t>
                       </a:r>
                     </a:p>
                   </a:txBody>
-                  <a:tcPr>
+                  <a:tcPr anchor="ctr">
                     <a:solidFill>
                       <a:schemeClr val="bg1"/>
                     </a:solidFill>
@@ -6351,7 +6372,7 @@
                       </a:endParaRPr>
                     </a:p>
                   </a:txBody>
-                  <a:tcPr marL="12700" marR="12700" marT="12700" marB="0" anchor="b">
+                  <a:tcPr marL="12700" marR="12700" marT="12700" marB="0" anchor="ctr">
                     <a:solidFill>
                       <a:schemeClr val="bg1"/>
                     </a:solidFill>
@@ -6388,11 +6409,11 @@
                       </a:pPr>
                       <a:r>
                         <a:rPr lang="en-US" dirty="0"/>
-                        <a:t>P7-Index3-CS2</a:t>
+                        <a:t>P7-Index3-TS2</a:t>
                       </a:r>
                     </a:p>
                   </a:txBody>
-                  <a:tcPr>
+                  <a:tcPr anchor="ctr">
                     <a:solidFill>
                       <a:schemeClr val="bg1"/>
                     </a:solidFill>
@@ -6450,7 +6471,7 @@
                       </a:endParaRPr>
                     </a:p>
                   </a:txBody>
-                  <a:tcPr marL="12700" marR="12700" marT="12700" marB="0" anchor="b">
+                  <a:tcPr marL="12700" marR="12700" marT="12700" marB="0" anchor="ctr">
                     <a:solidFill>
                       <a:schemeClr val="bg1"/>
                     </a:solidFill>
@@ -6487,11 +6508,11 @@
                       </a:pPr>
                       <a:r>
                         <a:rPr lang="en-US" dirty="0"/>
-                        <a:t>P7-Index4-CS2</a:t>
+                        <a:t>P7-Index4-TS2</a:t>
                       </a:r>
                     </a:p>
                   </a:txBody>
-                  <a:tcPr>
+                  <a:tcPr anchor="ctr">
                     <a:solidFill>
                       <a:schemeClr val="bg1"/>
                     </a:solidFill>
@@ -6549,7 +6570,7 @@
                       </a:endParaRPr>
                     </a:p>
                   </a:txBody>
-                  <a:tcPr marL="12700" marR="12700" marT="12700" marB="0" anchor="b">
+                  <a:tcPr marL="12700" marR="12700" marT="12700" marB="0" anchor="ctr">
                     <a:solidFill>
                       <a:schemeClr val="bg1"/>
                     </a:solidFill>
@@ -6663,8 +6684,8 @@
         </p:nvSpPr>
         <p:spPr>
           <a:xfrm>
-            <a:off x="3160449" y="1311786"/>
-            <a:ext cx="8407893" cy="726479"/>
+            <a:off x="3160450" y="1311786"/>
+            <a:ext cx="5667028" cy="726479"/>
           </a:xfrm>
           <a:prstGeom prst="rect">
             <a:avLst/>
@@ -6717,6 +6738,10 @@
           </p:nvPr>
         </p:nvSpPr>
         <p:spPr>
+          <a:xfrm>
+            <a:off x="838200" y="365125"/>
+            <a:ext cx="10515600" cy="1325563"/>
+          </a:xfrm>
           <a:prstGeom prst="rect">
             <a:avLst/>
           </a:prstGeom>
@@ -6915,7 +6940,7 @@
         </p:nvSpPr>
         <p:spPr>
           <a:xfrm>
-            <a:off x="10857663" y="2305975"/>
+            <a:off x="9562220" y="2490921"/>
             <a:ext cx="678391" cy="369332"/>
           </a:xfrm>
           <a:prstGeom prst="rect">
@@ -6923,7 +6948,7 @@
           </a:prstGeom>
         </p:spPr>
         <p:txBody>
-          <a:bodyPr wrap="none">
+          <a:bodyPr wrap="square">
             <a:spAutoFit/>
           </a:bodyPr>
           <a:lstStyle/>
@@ -6932,7 +6957,7 @@
               <a:buNone/>
             </a:pPr>
             <a:r>
-              <a:rPr lang="en-US"/>
+              <a:rPr lang="en-US" dirty="0"/>
               <a:t>BAD!</a:t>
             </a:r>
             <a:endParaRPr lang="en" dirty="0"/>
@@ -6947,7 +6972,7 @@
         </p:nvSpPr>
         <p:spPr>
           <a:xfrm>
-            <a:off x="10857663" y="4951676"/>
+            <a:off x="9475658" y="5136342"/>
             <a:ext cx="764953" cy="369332"/>
           </a:xfrm>
           <a:prstGeom prst="rect">
@@ -6955,7 +6980,7 @@
           </a:prstGeom>
         </p:spPr>
         <p:txBody>
-          <a:bodyPr wrap="none">
+          <a:bodyPr wrap="square">
             <a:spAutoFit/>
           </a:bodyPr>
           <a:lstStyle/>
@@ -6974,7 +6999,9 @@
       <p:cxnSp>
         <p:nvCxnSpPr>
           <p:cNvPr id="5" name="Straight Arrow Connector 4"/>
-          <p:cNvCxnSpPr/>
+          <p:cNvCxnSpPr>
+            <a:cxnSpLocks/>
+          </p:cNvCxnSpPr>
           <p:nvPr/>
         </p:nvCxnSpPr>
         <p:spPr>
@@ -7007,7 +7034,9 @@
       <p:cxnSp>
         <p:nvCxnSpPr>
           <p:cNvPr id="15" name="Straight Arrow Connector 14"/>
-          <p:cNvCxnSpPr/>
+          <p:cNvCxnSpPr>
+            <a:cxnSpLocks/>
+          </p:cNvCxnSpPr>
           <p:nvPr/>
         </p:nvCxnSpPr>
         <p:spPr>
@@ -7040,7 +7069,9 @@
       <p:cxnSp>
         <p:nvCxnSpPr>
           <p:cNvPr id="16" name="Straight Arrow Connector 15"/>
-          <p:cNvCxnSpPr/>
+          <p:cNvCxnSpPr>
+            <a:cxnSpLocks/>
+          </p:cNvCxnSpPr>
           <p:nvPr/>
         </p:nvCxnSpPr>
         <p:spPr>
@@ -7073,7 +7104,9 @@
       <p:cxnSp>
         <p:nvCxnSpPr>
           <p:cNvPr id="17" name="Straight Arrow Connector 16"/>
-          <p:cNvCxnSpPr/>
+          <p:cNvCxnSpPr>
+            <a:cxnSpLocks/>
+          </p:cNvCxnSpPr>
           <p:nvPr/>
         </p:nvCxnSpPr>
         <p:spPr>
@@ -7650,7 +7683,7 @@
               <a:buNone/>
             </a:pPr>
             <a:r>
-              <a:rPr lang="en"/>
+              <a:rPr lang="en" dirty="0"/>
               <a:t>Critically important for imaging clusters </a:t>
             </a:r>
           </a:p>
@@ -9572,7 +9605,7 @@
         <p:spPr>
           <a:xfrm>
             <a:off x="3285220" y="3419688"/>
-            <a:ext cx="537749" cy="307777"/>
+            <a:ext cx="1194700" cy="307777"/>
           </a:xfrm>
           <a:prstGeom prst="rect">
             <a:avLst/>
@@ -9585,10 +9618,9 @@
           </a:bodyPr>
           <a:lstStyle/>
           <a:p>
-            <a:pPr algn="r"/>
             <a:r>
               <a:rPr lang="en-US" sz="1400" dirty="0"/>
-              <a:t>CS1</a:t>
+              <a:t>Seq Primer</a:t>
             </a:r>
           </a:p>
         </p:txBody>
@@ -9601,8 +9633,8 @@
         </p:nvSpPr>
         <p:spPr>
           <a:xfrm>
-            <a:off x="8271528" y="3402527"/>
-            <a:ext cx="547076" cy="307777"/>
+            <a:off x="7712081" y="3402527"/>
+            <a:ext cx="1202683" cy="307777"/>
           </a:xfrm>
           <a:prstGeom prst="rect">
             <a:avLst/>
@@ -9615,9 +9647,10 @@
           </a:bodyPr>
           <a:lstStyle/>
           <a:p>
+            <a:pPr algn="r"/>
             <a:r>
               <a:rPr lang="en-US" sz="1400" dirty="0"/>
-              <a:t>CS2</a:t>
+              <a:t>Seq primer</a:t>
             </a:r>
           </a:p>
         </p:txBody>
@@ -9689,7 +9722,7 @@
         <p:spPr>
           <a:xfrm>
             <a:off x="2674966" y="3416182"/>
-            <a:ext cx="524435" cy="307777"/>
+            <a:ext cx="708194" cy="307777"/>
           </a:xfrm>
           <a:prstGeom prst="rect">
             <a:avLst/>
@@ -10291,7 +10324,7 @@
         <p:spPr>
           <a:xfrm>
             <a:off x="1622529" y="1676654"/>
-            <a:ext cx="1069915" cy="307777"/>
+            <a:ext cx="1273071" cy="307777"/>
           </a:xfrm>
           <a:prstGeom prst="rect">
             <a:avLst/>
@@ -10321,7 +10354,7 @@
         <p:spPr>
           <a:xfrm>
             <a:off x="8014841" y="1671609"/>
-            <a:ext cx="1069915" cy="307777"/>
+            <a:ext cx="1434957" cy="307777"/>
           </a:xfrm>
           <a:prstGeom prst="rect">
             <a:avLst/>
@@ -11838,161 +11871,182 @@
           </a:p>
         </p:txBody>
       </p:sp>
-      <p:pic>
-        <p:nvPicPr>
-          <p:cNvPr id="107" name="Picture 106" descr="dbcPCR.png"/>
-          <p:cNvPicPr>
-            <a:picLocks noChangeAspect="1"/>
-          </p:cNvPicPr>
-          <p:nvPr/>
-        </p:nvPicPr>
-        <p:blipFill>
-          <a:blip r:embed="rId2">
+      <p:grpSp>
+        <p:nvGrpSpPr>
+          <p:cNvPr id="3" name="Group 2">
             <a:extLst>
-              <a:ext uri="{28A0092B-C50C-407E-A947-70E740481C1C}">
-                <a14:useLocalDpi xmlns:a14="http://schemas.microsoft.com/office/drawing/2010/main" val="0"/>
+              <a:ext uri="{FF2B5EF4-FFF2-40B4-BE49-F238E27FC236}">
+                <a16:creationId xmlns:a16="http://schemas.microsoft.com/office/drawing/2014/main" id="{8BD9A615-B41B-8245-8C75-ECFB1991B1A6}"/>
               </a:ext>
             </a:extLst>
-          </a:blip>
-          <a:stretch>
-            <a:fillRect/>
-          </a:stretch>
-        </p:blipFill>
-        <p:spPr>
+          </p:cNvPr>
+          <p:cNvGrpSpPr/>
+          <p:nvPr/>
+        </p:nvGrpSpPr>
+        <p:grpSpPr>
           <a:xfrm>
             <a:off x="2466975" y="1659248"/>
-            <a:ext cx="6155776" cy="4333412"/>
-          </a:xfrm>
-          <a:prstGeom prst="rect">
-            <a:avLst/>
-          </a:prstGeom>
-        </p:spPr>
-      </p:pic>
-      <p:sp>
-        <p:nvSpPr>
-          <p:cNvPr id="108" name="TextBox 107"/>
-          <p:cNvSpPr txBox="1"/>
-          <p:nvPr/>
-        </p:nvSpPr>
-        <p:spPr>
-          <a:xfrm>
-            <a:off x="2712371" y="6243232"/>
-            <a:ext cx="5910380" cy="322717"/>
-          </a:xfrm>
-          <a:prstGeom prst="rect">
-            <a:avLst/>
-          </a:prstGeom>
-          <a:solidFill>
-            <a:srgbClr val="0000FF">
-              <a:alpha val="25000"/>
-            </a:srgbClr>
-          </a:solidFill>
-          <a:ln>
+            <a:ext cx="7762080" cy="4906701"/>
+            <a:chOff x="2466975" y="1659248"/>
+            <a:chExt cx="7762080" cy="4906701"/>
+          </a:xfrm>
+        </p:grpSpPr>
+        <p:pic>
+          <p:nvPicPr>
+            <p:cNvPr id="107" name="Picture 106" descr="dbcPCR.png"/>
+            <p:cNvPicPr>
+              <a:picLocks noChangeAspect="1"/>
+            </p:cNvPicPr>
+            <p:nvPr/>
+          </p:nvPicPr>
+          <p:blipFill>
+            <a:blip r:embed="rId2">
+              <a:extLst>
+                <a:ext uri="{28A0092B-C50C-407E-A947-70E740481C1C}">
+                  <a14:useLocalDpi xmlns:a14="http://schemas.microsoft.com/office/drawing/2010/main" val="0"/>
+                </a:ext>
+              </a:extLst>
+            </a:blip>
+            <a:stretch>
+              <a:fillRect/>
+            </a:stretch>
+          </p:blipFill>
+          <p:spPr>
+            <a:xfrm>
+              <a:off x="2466975" y="1659248"/>
+              <a:ext cx="6155776" cy="4333412"/>
+            </a:xfrm>
+            <a:prstGeom prst="rect">
+              <a:avLst/>
+            </a:prstGeom>
+          </p:spPr>
+        </p:pic>
+        <p:sp>
+          <p:nvSpPr>
+            <p:cNvPr id="108" name="TextBox 107"/>
+            <p:cNvSpPr txBox="1"/>
+            <p:nvPr/>
+          </p:nvSpPr>
+          <p:spPr>
+            <a:xfrm>
+              <a:off x="2712371" y="6243232"/>
+              <a:ext cx="5910380" cy="322717"/>
+            </a:xfrm>
+            <a:prstGeom prst="rect">
+              <a:avLst/>
+            </a:prstGeom>
             <a:solidFill>
-              <a:srgbClr val="0000FF"/>
+              <a:srgbClr val="0000FF">
+                <a:alpha val="25000"/>
+              </a:srgbClr>
             </a:solidFill>
-          </a:ln>
-        </p:spPr>
-        <p:txBody>
-          <a:bodyPr wrap="square" rtlCol="0">
-            <a:spAutoFit/>
-          </a:bodyPr>
-          <a:lstStyle/>
-          <a:p>
-            <a:r>
-              <a:rPr lang="en-US" sz="1497" b="1" dirty="0"/>
-              <a:t>Barcodes and adapters are added in the second round of PCR</a:t>
-            </a:r>
-            <a:endParaRPr lang="en-US" sz="1225" dirty="0"/>
-          </a:p>
-        </p:txBody>
-      </p:sp>
-      <p:sp>
-        <p:nvSpPr>
-          <p:cNvPr id="109" name="TextBox 108"/>
-          <p:cNvSpPr txBox="1"/>
-          <p:nvPr/>
-        </p:nvSpPr>
-        <p:spPr>
-          <a:xfrm>
-            <a:off x="8821667" y="2612570"/>
-            <a:ext cx="1407388" cy="657872"/>
-          </a:xfrm>
-          <a:prstGeom prst="rect">
-            <a:avLst/>
-          </a:prstGeom>
-          <a:noFill/>
-        </p:spPr>
-        <p:txBody>
-          <a:bodyPr wrap="square" rtlCol="0">
-            <a:spAutoFit/>
-          </a:bodyPr>
-          <a:lstStyle/>
-          <a:p>
-            <a:r>
-              <a:rPr lang="en-US" sz="1225" b="1" dirty="0">
-                <a:solidFill>
-                  <a:srgbClr val="FF0000"/>
-                </a:solidFill>
-              </a:rPr>
-              <a:t>PCR-1</a:t>
-            </a:r>
-          </a:p>
-          <a:p>
-            <a:r>
-              <a:rPr lang="en-US" sz="1225" b="1" dirty="0">
-                <a:solidFill>
-                  <a:srgbClr val="FF0000"/>
-                </a:solidFill>
-              </a:rPr>
-              <a:t>Template with overhang</a:t>
-            </a:r>
-          </a:p>
-        </p:txBody>
-      </p:sp>
-      <p:sp>
-        <p:nvSpPr>
-          <p:cNvPr id="110" name="TextBox 109"/>
-          <p:cNvSpPr txBox="1"/>
-          <p:nvPr/>
-        </p:nvSpPr>
-        <p:spPr>
-          <a:xfrm>
-            <a:off x="8821668" y="4701372"/>
-            <a:ext cx="1303697" cy="657872"/>
-          </a:xfrm>
-          <a:prstGeom prst="rect">
-            <a:avLst/>
-          </a:prstGeom>
-          <a:noFill/>
-        </p:spPr>
-        <p:txBody>
-          <a:bodyPr wrap="square" rtlCol="0">
-            <a:spAutoFit/>
-          </a:bodyPr>
-          <a:lstStyle/>
-          <a:p>
-            <a:r>
-              <a:rPr lang="en-US" sz="1225" b="1" dirty="0">
-                <a:solidFill>
-                  <a:srgbClr val="FF0000"/>
-                </a:solidFill>
-              </a:rPr>
-              <a:t>PCR-2</a:t>
-            </a:r>
-          </a:p>
-          <a:p>
-            <a:r>
-              <a:rPr lang="en-US" sz="1225" b="1" dirty="0">
-                <a:solidFill>
-                  <a:srgbClr val="FF0000"/>
-                </a:solidFill>
-              </a:rPr>
-              <a:t>Add barcodes and adapters</a:t>
-            </a:r>
-          </a:p>
-        </p:txBody>
-      </p:sp>
+            <a:ln>
+              <a:solidFill>
+                <a:srgbClr val="0000FF"/>
+              </a:solidFill>
+            </a:ln>
+          </p:spPr>
+          <p:txBody>
+            <a:bodyPr wrap="square" rtlCol="0">
+              <a:spAutoFit/>
+            </a:bodyPr>
+            <a:lstStyle/>
+            <a:p>
+              <a:r>
+                <a:rPr lang="en-US" sz="1497" b="1" dirty="0"/>
+                <a:t>Barcodes and adapters are added in the second round of PCR</a:t>
+              </a:r>
+              <a:endParaRPr lang="en-US" sz="1225" dirty="0"/>
+            </a:p>
+          </p:txBody>
+        </p:sp>
+        <p:sp>
+          <p:nvSpPr>
+            <p:cNvPr id="109" name="TextBox 108"/>
+            <p:cNvSpPr txBox="1"/>
+            <p:nvPr/>
+          </p:nvSpPr>
+          <p:spPr>
+            <a:xfrm>
+              <a:off x="8821667" y="2612570"/>
+              <a:ext cx="1407388" cy="657872"/>
+            </a:xfrm>
+            <a:prstGeom prst="rect">
+              <a:avLst/>
+            </a:prstGeom>
+            <a:noFill/>
+          </p:spPr>
+          <p:txBody>
+            <a:bodyPr wrap="square" rtlCol="0">
+              <a:spAutoFit/>
+            </a:bodyPr>
+            <a:lstStyle/>
+            <a:p>
+              <a:r>
+                <a:rPr lang="en-US" sz="1225" b="1" dirty="0">
+                  <a:solidFill>
+                    <a:srgbClr val="FF0000"/>
+                  </a:solidFill>
+                </a:rPr>
+                <a:t>PCR-1</a:t>
+              </a:r>
+            </a:p>
+            <a:p>
+              <a:r>
+                <a:rPr lang="en-US" sz="1225" b="1" dirty="0">
+                  <a:solidFill>
+                    <a:srgbClr val="FF0000"/>
+                  </a:solidFill>
+                </a:rPr>
+                <a:t>Template with overhang</a:t>
+              </a:r>
+            </a:p>
+          </p:txBody>
+        </p:sp>
+        <p:sp>
+          <p:nvSpPr>
+            <p:cNvPr id="110" name="TextBox 109"/>
+            <p:cNvSpPr txBox="1"/>
+            <p:nvPr/>
+          </p:nvSpPr>
+          <p:spPr>
+            <a:xfrm>
+              <a:off x="8821668" y="4701372"/>
+              <a:ext cx="1303697" cy="657872"/>
+            </a:xfrm>
+            <a:prstGeom prst="rect">
+              <a:avLst/>
+            </a:prstGeom>
+            <a:noFill/>
+          </p:spPr>
+          <p:txBody>
+            <a:bodyPr wrap="square" rtlCol="0">
+              <a:spAutoFit/>
+            </a:bodyPr>
+            <a:lstStyle/>
+            <a:p>
+              <a:r>
+                <a:rPr lang="en-US" sz="1225" b="1" dirty="0">
+                  <a:solidFill>
+                    <a:srgbClr val="FF0000"/>
+                  </a:solidFill>
+                </a:rPr>
+                <a:t>PCR-2</a:t>
+              </a:r>
+            </a:p>
+            <a:p>
+              <a:r>
+                <a:rPr lang="en-US" sz="1225" b="1" dirty="0">
+                  <a:solidFill>
+                    <a:srgbClr val="FF0000"/>
+                  </a:solidFill>
+                </a:rPr>
+                <a:t>Add barcodes and adapters</a:t>
+              </a:r>
+            </a:p>
+          </p:txBody>
+        </p:sp>
+      </p:grpSp>
     </p:spTree>
     <p:extLst>
       <p:ext uri="{BB962C8B-B14F-4D97-AF65-F5344CB8AC3E}">
@@ -12132,7 +12186,12 @@
             <p:ph type="title"/>
           </p:nvPr>
         </p:nvSpPr>
-        <p:spPr/>
+        <p:spPr>
+          <a:xfrm>
+            <a:off x="838200" y="365125"/>
+            <a:ext cx="10515600" cy="1325563"/>
+          </a:xfrm>
+        </p:spPr>
         <p:txBody>
           <a:bodyPr/>
           <a:lstStyle/>
@@ -12144,1393 +12203,1414 @@
           </a:p>
         </p:txBody>
       </p:sp>
-      <p:sp>
-        <p:nvSpPr>
-          <p:cNvPr id="3" name="Title 1"/>
-          <p:cNvSpPr txBox="1">
-            <a:spLocks/>
-          </p:cNvSpPr>
+      <p:grpSp>
+        <p:nvGrpSpPr>
+          <p:cNvPr id="8" name="Group 7">
+            <a:extLst>
+              <a:ext uri="{FF2B5EF4-FFF2-40B4-BE49-F238E27FC236}">
+                <a16:creationId xmlns:a16="http://schemas.microsoft.com/office/drawing/2014/main" id="{DA08725B-790F-4141-B2BB-CE1FAB486072}"/>
+              </a:ext>
+            </a:extLst>
+          </p:cNvPr>
+          <p:cNvGrpSpPr/>
           <p:nvPr/>
-        </p:nvSpPr>
-        <p:spPr bwMode="auto">
+        </p:nvGrpSpPr>
+        <p:grpSpPr>
           <a:xfrm>
-            <a:off x="3360168" y="2076590"/>
-            <a:ext cx="6053787" cy="777682"/>
-          </a:xfrm>
-          <a:prstGeom prst="rect">
-            <a:avLst/>
-          </a:prstGeom>
-          <a:noFill/>
-          <a:ln>
+            <a:off x="1371600" y="2076590"/>
+            <a:ext cx="9530860" cy="4542866"/>
+            <a:chOff x="1371600" y="2076590"/>
+            <a:chExt cx="9530860" cy="4542866"/>
+          </a:xfrm>
+        </p:grpSpPr>
+        <p:sp>
+          <p:nvSpPr>
+            <p:cNvPr id="3" name="Title 1"/>
+            <p:cNvSpPr txBox="1">
+              <a:spLocks/>
+            </p:cNvSpPr>
+            <p:nvPr/>
+          </p:nvSpPr>
+          <p:spPr bwMode="auto">
+            <a:xfrm>
+              <a:off x="3360168" y="2076590"/>
+              <a:ext cx="6053787" cy="777682"/>
+            </a:xfrm>
+            <a:prstGeom prst="rect">
+              <a:avLst/>
+            </a:prstGeom>
             <a:noFill/>
-          </a:ln>
-          <a:extLst>
-            <a:ext uri="{FAA26D3D-D897-4be2-8F04-BA451C77F1D7}">
-              <ma14:placeholderFlag xmlns:ma14="http://schemas.microsoft.com/office/mac/drawingml/2011/main" xmlns="" val="1"/>
-            </a:ext>
-            <a:ext uri="{909E8E84-426E-40dd-AFC4-6F175D3DCCD1}">
-              <a14:hiddenFill xmlns="" xmlns:a14="http://schemas.microsoft.com/office/drawing/2010/main">
-                <a:solidFill>
-                  <a:srgbClr val="FFFFFF"/>
-                </a:solidFill>
-              </a14:hiddenFill>
-            </a:ext>
-            <a:ext uri="{91240B29-F687-4f45-9708-019B960494DF}">
-              <a14:hiddenLine xmlns="" xmlns:a14="http://schemas.microsoft.com/office/drawing/2010/main" w="9525">
-                <a:solidFill>
+            <a:ln>
+              <a:noFill/>
+            </a:ln>
+            <a:extLst>
+              <a:ext uri="{FAA26D3D-D897-4be2-8F04-BA451C77F1D7}">
+                <ma14:placeholderFlag xmlns="" xmlns:ma14="http://schemas.microsoft.com/office/mac/drawingml/2011/main" val="1"/>
+              </a:ext>
+              <a:ext uri="{909E8E84-426E-40dd-AFC4-6F175D3DCCD1}">
+                <a14:hiddenFill xmlns:a14="http://schemas.microsoft.com/office/drawing/2010/main" xmlns="">
+                  <a:solidFill>
+                    <a:srgbClr val="FFFFFF"/>
+                  </a:solidFill>
+                </a14:hiddenFill>
+              </a:ext>
+              <a:ext uri="{91240B29-F687-4f45-9708-019B960494DF}">
+                <a14:hiddenLine xmlns:a14="http://schemas.microsoft.com/office/drawing/2010/main" xmlns="" w="9525">
+                  <a:solidFill>
+                    <a:srgbClr val="000000"/>
+                  </a:solidFill>
+                  <a:round/>
+                  <a:headEnd/>
+                  <a:tailEnd/>
+                </a14:hiddenLine>
+              </a:ext>
+            </a:extLst>
+          </p:spPr>
+          <p:txBody>
+            <a:bodyPr vert="horz" wrap="square" lIns="0" tIns="0" rIns="0" bIns="0" numCol="1" anchor="ctr" anchorCtr="0" compatLnSpc="1">
+              <a:prstTxWarp prst="textNoShape">
+                <a:avLst/>
+              </a:prstTxWarp>
+              <a:noAutofit/>
+            </a:bodyPr>
+            <a:lstStyle>
+              <a:lvl1pPr algn="r" defTabSz="449263" rtl="0" eaLnBrk="0" fontAlgn="base" hangingPunct="0">
+                <a:lnSpc>
+                  <a:spcPct val="93000"/>
+                </a:lnSpc>
+                <a:spcBef>
+                  <a:spcPct val="0"/>
+                </a:spcBef>
+                <a:spcAft>
+                  <a:spcPct val="0"/>
+                </a:spcAft>
+                <a:buClr>
                   <a:srgbClr val="000000"/>
-                </a:solidFill>
-                <a:round/>
-                <a:headEnd/>
-                <a:tailEnd/>
-              </a14:hiddenLine>
-            </a:ext>
-          </a:extLst>
-        </p:spPr>
-        <p:txBody>
-          <a:bodyPr vert="horz" wrap="square" lIns="0" tIns="0" rIns="0" bIns="0" numCol="1" anchor="ctr" anchorCtr="0" compatLnSpc="1">
-            <a:prstTxWarp prst="textNoShape">
+                </a:buClr>
+                <a:buSzPct val="100000"/>
+                <a:buFont typeface="Times New Roman" charset="0"/>
+                <a:defRPr sz="4400" b="1" i="1">
+                  <a:solidFill>
+                    <a:srgbClr val="A66B1F"/>
+                  </a:solidFill>
+                  <a:latin typeface="+mj-lt"/>
+                  <a:ea typeface="ＭＳ Ｐゴシック" charset="0"/>
+                  <a:cs typeface="+mj-cs"/>
+                </a:defRPr>
+              </a:lvl1pPr>
+              <a:lvl2pPr algn="r" defTabSz="449263" rtl="0" eaLnBrk="0" fontAlgn="base" hangingPunct="0">
+                <a:lnSpc>
+                  <a:spcPct val="93000"/>
+                </a:lnSpc>
+                <a:spcBef>
+                  <a:spcPct val="0"/>
+                </a:spcBef>
+                <a:spcAft>
+                  <a:spcPct val="0"/>
+                </a:spcAft>
+                <a:buClr>
+                  <a:srgbClr val="000000"/>
+                </a:buClr>
+                <a:buSzPct val="100000"/>
+                <a:buFont typeface="Times New Roman" charset="0"/>
+                <a:defRPr sz="4400" b="1" i="1">
+                  <a:solidFill>
+                    <a:srgbClr val="A66B1F"/>
+                  </a:solidFill>
+                  <a:latin typeface="Arial" charset="0"/>
+                  <a:ea typeface="ＭＳ Ｐゴシック" charset="0"/>
+                  <a:cs typeface="Arial Unicode MS" charset="0"/>
+                </a:defRPr>
+              </a:lvl2pPr>
+              <a:lvl3pPr algn="r" defTabSz="449263" rtl="0" eaLnBrk="0" fontAlgn="base" hangingPunct="0">
+                <a:lnSpc>
+                  <a:spcPct val="93000"/>
+                </a:lnSpc>
+                <a:spcBef>
+                  <a:spcPct val="0"/>
+                </a:spcBef>
+                <a:spcAft>
+                  <a:spcPct val="0"/>
+                </a:spcAft>
+                <a:buClr>
+                  <a:srgbClr val="000000"/>
+                </a:buClr>
+                <a:buSzPct val="100000"/>
+                <a:buFont typeface="Times New Roman" charset="0"/>
+                <a:defRPr sz="4400" b="1" i="1">
+                  <a:solidFill>
+                    <a:srgbClr val="A66B1F"/>
+                  </a:solidFill>
+                  <a:latin typeface="Arial" charset="0"/>
+                  <a:ea typeface="ＭＳ Ｐゴシック" charset="0"/>
+                  <a:cs typeface="Arial Unicode MS" charset="0"/>
+                </a:defRPr>
+              </a:lvl3pPr>
+              <a:lvl4pPr algn="r" defTabSz="449263" rtl="0" eaLnBrk="0" fontAlgn="base" hangingPunct="0">
+                <a:lnSpc>
+                  <a:spcPct val="93000"/>
+                </a:lnSpc>
+                <a:spcBef>
+                  <a:spcPct val="0"/>
+                </a:spcBef>
+                <a:spcAft>
+                  <a:spcPct val="0"/>
+                </a:spcAft>
+                <a:buClr>
+                  <a:srgbClr val="000000"/>
+                </a:buClr>
+                <a:buSzPct val="100000"/>
+                <a:buFont typeface="Times New Roman" charset="0"/>
+                <a:defRPr sz="4400" b="1" i="1">
+                  <a:solidFill>
+                    <a:srgbClr val="A66B1F"/>
+                  </a:solidFill>
+                  <a:latin typeface="Arial" charset="0"/>
+                  <a:ea typeface="ＭＳ Ｐゴシック" charset="0"/>
+                  <a:cs typeface="Arial Unicode MS" charset="0"/>
+                </a:defRPr>
+              </a:lvl4pPr>
+              <a:lvl5pPr algn="r" defTabSz="449263" rtl="0" eaLnBrk="0" fontAlgn="base" hangingPunct="0">
+                <a:lnSpc>
+                  <a:spcPct val="93000"/>
+                </a:lnSpc>
+                <a:spcBef>
+                  <a:spcPct val="0"/>
+                </a:spcBef>
+                <a:spcAft>
+                  <a:spcPct val="0"/>
+                </a:spcAft>
+                <a:buClr>
+                  <a:srgbClr val="000000"/>
+                </a:buClr>
+                <a:buSzPct val="100000"/>
+                <a:buFont typeface="Times New Roman" charset="0"/>
+                <a:defRPr sz="4400" b="1" i="1">
+                  <a:solidFill>
+                    <a:srgbClr val="A66B1F"/>
+                  </a:solidFill>
+                  <a:latin typeface="Arial" charset="0"/>
+                  <a:ea typeface="ＭＳ Ｐゴシック" charset="0"/>
+                  <a:cs typeface="Arial Unicode MS" charset="0"/>
+                </a:defRPr>
+              </a:lvl5pPr>
+              <a:lvl6pPr marL="2514600" indent="-228600" algn="r" defTabSz="449263" rtl="0" fontAlgn="base" hangingPunct="0">
+                <a:lnSpc>
+                  <a:spcPct val="93000"/>
+                </a:lnSpc>
+                <a:spcBef>
+                  <a:spcPct val="0"/>
+                </a:spcBef>
+                <a:spcAft>
+                  <a:spcPct val="0"/>
+                </a:spcAft>
+                <a:buClr>
+                  <a:srgbClr val="000000"/>
+                </a:buClr>
+                <a:buSzPct val="100000"/>
+                <a:buFont typeface="Times New Roman" charset="0"/>
+                <a:defRPr sz="4400" b="1" i="1">
+                  <a:solidFill>
+                    <a:srgbClr val="A66B1F"/>
+                  </a:solidFill>
+                  <a:latin typeface="Arial" charset="0"/>
+                  <a:ea typeface="Arial Unicode MS" charset="0"/>
+                  <a:cs typeface="Arial Unicode MS" charset="0"/>
+                </a:defRPr>
+              </a:lvl6pPr>
+              <a:lvl7pPr marL="2971800" indent="-228600" algn="r" defTabSz="449263" rtl="0" fontAlgn="base" hangingPunct="0">
+                <a:lnSpc>
+                  <a:spcPct val="93000"/>
+                </a:lnSpc>
+                <a:spcBef>
+                  <a:spcPct val="0"/>
+                </a:spcBef>
+                <a:spcAft>
+                  <a:spcPct val="0"/>
+                </a:spcAft>
+                <a:buClr>
+                  <a:srgbClr val="000000"/>
+                </a:buClr>
+                <a:buSzPct val="100000"/>
+                <a:buFont typeface="Times New Roman" charset="0"/>
+                <a:defRPr sz="4400" b="1" i="1">
+                  <a:solidFill>
+                    <a:srgbClr val="A66B1F"/>
+                  </a:solidFill>
+                  <a:latin typeface="Arial" charset="0"/>
+                  <a:ea typeface="Arial Unicode MS" charset="0"/>
+                  <a:cs typeface="Arial Unicode MS" charset="0"/>
+                </a:defRPr>
+              </a:lvl7pPr>
+              <a:lvl8pPr marL="3429000" indent="-228600" algn="r" defTabSz="449263" rtl="0" fontAlgn="base" hangingPunct="0">
+                <a:lnSpc>
+                  <a:spcPct val="93000"/>
+                </a:lnSpc>
+                <a:spcBef>
+                  <a:spcPct val="0"/>
+                </a:spcBef>
+                <a:spcAft>
+                  <a:spcPct val="0"/>
+                </a:spcAft>
+                <a:buClr>
+                  <a:srgbClr val="000000"/>
+                </a:buClr>
+                <a:buSzPct val="100000"/>
+                <a:buFont typeface="Times New Roman" charset="0"/>
+                <a:defRPr sz="4400" b="1" i="1">
+                  <a:solidFill>
+                    <a:srgbClr val="A66B1F"/>
+                  </a:solidFill>
+                  <a:latin typeface="Arial" charset="0"/>
+                  <a:ea typeface="Arial Unicode MS" charset="0"/>
+                  <a:cs typeface="Arial Unicode MS" charset="0"/>
+                </a:defRPr>
+              </a:lvl8pPr>
+              <a:lvl9pPr marL="3886200" indent="-228600" algn="r" defTabSz="449263" rtl="0" fontAlgn="base" hangingPunct="0">
+                <a:lnSpc>
+                  <a:spcPct val="93000"/>
+                </a:lnSpc>
+                <a:spcBef>
+                  <a:spcPct val="0"/>
+                </a:spcBef>
+                <a:spcAft>
+                  <a:spcPct val="0"/>
+                </a:spcAft>
+                <a:buClr>
+                  <a:srgbClr val="000000"/>
+                </a:buClr>
+                <a:buSzPct val="100000"/>
+                <a:buFont typeface="Times New Roman" charset="0"/>
+                <a:defRPr sz="4400" b="1" i="1">
+                  <a:solidFill>
+                    <a:srgbClr val="A66B1F"/>
+                  </a:solidFill>
+                  <a:latin typeface="Arial" charset="0"/>
+                  <a:ea typeface="Arial Unicode MS" charset="0"/>
+                  <a:cs typeface="Arial Unicode MS" charset="0"/>
+                </a:defRPr>
+              </a:lvl9pPr>
+            </a:lstStyle>
+            <a:p>
+              <a:pPr algn="ctr"/>
+              <a:r>
+                <a:rPr lang="en-US" sz="2400" b="0" dirty="0">
+                  <a:solidFill>
+                    <a:schemeClr val="tx1"/>
+                  </a:solidFill>
+                </a:rPr>
+                <a:t>Dual barcoding allows for massively multiplexing of samples using only a relatively few primers</a:t>
+              </a:r>
+            </a:p>
+          </p:txBody>
+        </p:sp>
+        <p:sp>
+          <p:nvSpPr>
+            <p:cNvPr id="4" name="Rectangle 3"/>
+            <p:cNvSpPr/>
+            <p:nvPr/>
+          </p:nvSpPr>
+          <p:spPr>
+            <a:xfrm>
+              <a:off x="4090532" y="3632282"/>
+              <a:ext cx="1421093" cy="1851276"/>
+            </a:xfrm>
+            <a:prstGeom prst="rect">
               <a:avLst/>
-            </a:prstTxWarp>
-            <a:noAutofit/>
-          </a:bodyPr>
-          <a:lstStyle>
-            <a:lvl1pPr algn="r" defTabSz="449263" rtl="0" eaLnBrk="0" fontAlgn="base" hangingPunct="0">
-              <a:lnSpc>
-                <a:spcPct val="93000"/>
-              </a:lnSpc>
-              <a:spcBef>
-                <a:spcPct val="0"/>
-              </a:spcBef>
-              <a:spcAft>
-                <a:spcPct val="0"/>
-              </a:spcAft>
-              <a:buClr>
-                <a:srgbClr val="000000"/>
-              </a:buClr>
-              <a:buSzPct val="100000"/>
-              <a:buFont typeface="Times New Roman" charset="0"/>
-              <a:defRPr sz="4400" b="1" i="1">
-                <a:solidFill>
-                  <a:srgbClr val="A66B1F"/>
-                </a:solidFill>
-                <a:latin typeface="+mj-lt"/>
-                <a:ea typeface="ＭＳ Ｐゴシック" charset="0"/>
-                <a:cs typeface="+mj-cs"/>
-              </a:defRPr>
-            </a:lvl1pPr>
-            <a:lvl2pPr algn="r" defTabSz="449263" rtl="0" eaLnBrk="0" fontAlgn="base" hangingPunct="0">
-              <a:lnSpc>
-                <a:spcPct val="93000"/>
-              </a:lnSpc>
-              <a:spcBef>
-                <a:spcPct val="0"/>
-              </a:spcBef>
-              <a:spcAft>
-                <a:spcPct val="0"/>
-              </a:spcAft>
-              <a:buClr>
-                <a:srgbClr val="000000"/>
-              </a:buClr>
-              <a:buSzPct val="100000"/>
-              <a:buFont typeface="Times New Roman" charset="0"/>
-              <a:defRPr sz="4400" b="1" i="1">
-                <a:solidFill>
-                  <a:srgbClr val="A66B1F"/>
-                </a:solidFill>
-                <a:latin typeface="Arial" charset="0"/>
-                <a:ea typeface="ＭＳ Ｐゴシック" charset="0"/>
-                <a:cs typeface="Arial Unicode MS" charset="0"/>
-              </a:defRPr>
-            </a:lvl2pPr>
-            <a:lvl3pPr algn="r" defTabSz="449263" rtl="0" eaLnBrk="0" fontAlgn="base" hangingPunct="0">
-              <a:lnSpc>
-                <a:spcPct val="93000"/>
-              </a:lnSpc>
-              <a:spcBef>
-                <a:spcPct val="0"/>
-              </a:spcBef>
-              <a:spcAft>
-                <a:spcPct val="0"/>
-              </a:spcAft>
-              <a:buClr>
-                <a:srgbClr val="000000"/>
-              </a:buClr>
-              <a:buSzPct val="100000"/>
-              <a:buFont typeface="Times New Roman" charset="0"/>
-              <a:defRPr sz="4400" b="1" i="1">
-                <a:solidFill>
-                  <a:srgbClr val="A66B1F"/>
-                </a:solidFill>
-                <a:latin typeface="Arial" charset="0"/>
-                <a:ea typeface="ＭＳ Ｐゴシック" charset="0"/>
-                <a:cs typeface="Arial Unicode MS" charset="0"/>
-              </a:defRPr>
-            </a:lvl3pPr>
-            <a:lvl4pPr algn="r" defTabSz="449263" rtl="0" eaLnBrk="0" fontAlgn="base" hangingPunct="0">
-              <a:lnSpc>
-                <a:spcPct val="93000"/>
-              </a:lnSpc>
-              <a:spcBef>
-                <a:spcPct val="0"/>
-              </a:spcBef>
-              <a:spcAft>
-                <a:spcPct val="0"/>
-              </a:spcAft>
-              <a:buClr>
-                <a:srgbClr val="000000"/>
-              </a:buClr>
-              <a:buSzPct val="100000"/>
-              <a:buFont typeface="Times New Roman" charset="0"/>
-              <a:defRPr sz="4400" b="1" i="1">
-                <a:solidFill>
-                  <a:srgbClr val="A66B1F"/>
-                </a:solidFill>
-                <a:latin typeface="Arial" charset="0"/>
-                <a:ea typeface="ＭＳ Ｐゴシック" charset="0"/>
-                <a:cs typeface="Arial Unicode MS" charset="0"/>
-              </a:defRPr>
-            </a:lvl4pPr>
-            <a:lvl5pPr algn="r" defTabSz="449263" rtl="0" eaLnBrk="0" fontAlgn="base" hangingPunct="0">
-              <a:lnSpc>
-                <a:spcPct val="93000"/>
-              </a:lnSpc>
-              <a:spcBef>
-                <a:spcPct val="0"/>
-              </a:spcBef>
-              <a:spcAft>
-                <a:spcPct val="0"/>
-              </a:spcAft>
-              <a:buClr>
-                <a:srgbClr val="000000"/>
-              </a:buClr>
-              <a:buSzPct val="100000"/>
-              <a:buFont typeface="Times New Roman" charset="0"/>
-              <a:defRPr sz="4400" b="1" i="1">
-                <a:solidFill>
-                  <a:srgbClr val="A66B1F"/>
-                </a:solidFill>
-                <a:latin typeface="Arial" charset="0"/>
-                <a:ea typeface="ＭＳ Ｐゴシック" charset="0"/>
-                <a:cs typeface="Arial Unicode MS" charset="0"/>
-              </a:defRPr>
-            </a:lvl5pPr>
-            <a:lvl6pPr marL="2514600" indent="-228600" algn="r" defTabSz="449263" rtl="0" fontAlgn="base" hangingPunct="0">
-              <a:lnSpc>
-                <a:spcPct val="93000"/>
-              </a:lnSpc>
-              <a:spcBef>
-                <a:spcPct val="0"/>
-              </a:spcBef>
-              <a:spcAft>
-                <a:spcPct val="0"/>
-              </a:spcAft>
-              <a:buClr>
-                <a:srgbClr val="000000"/>
-              </a:buClr>
-              <a:buSzPct val="100000"/>
-              <a:buFont typeface="Times New Roman" charset="0"/>
-              <a:defRPr sz="4400" b="1" i="1">
-                <a:solidFill>
-                  <a:srgbClr val="A66B1F"/>
-                </a:solidFill>
-                <a:latin typeface="Arial" charset="0"/>
-                <a:ea typeface="Arial Unicode MS" charset="0"/>
-                <a:cs typeface="Arial Unicode MS" charset="0"/>
-              </a:defRPr>
-            </a:lvl6pPr>
-            <a:lvl7pPr marL="2971800" indent="-228600" algn="r" defTabSz="449263" rtl="0" fontAlgn="base" hangingPunct="0">
-              <a:lnSpc>
-                <a:spcPct val="93000"/>
-              </a:lnSpc>
-              <a:spcBef>
-                <a:spcPct val="0"/>
-              </a:spcBef>
-              <a:spcAft>
-                <a:spcPct val="0"/>
-              </a:spcAft>
-              <a:buClr>
-                <a:srgbClr val="000000"/>
-              </a:buClr>
-              <a:buSzPct val="100000"/>
-              <a:buFont typeface="Times New Roman" charset="0"/>
-              <a:defRPr sz="4400" b="1" i="1">
-                <a:solidFill>
-                  <a:srgbClr val="A66B1F"/>
-                </a:solidFill>
-                <a:latin typeface="Arial" charset="0"/>
-                <a:ea typeface="Arial Unicode MS" charset="0"/>
-                <a:cs typeface="Arial Unicode MS" charset="0"/>
-              </a:defRPr>
-            </a:lvl7pPr>
-            <a:lvl8pPr marL="3429000" indent="-228600" algn="r" defTabSz="449263" rtl="0" fontAlgn="base" hangingPunct="0">
-              <a:lnSpc>
-                <a:spcPct val="93000"/>
-              </a:lnSpc>
-              <a:spcBef>
-                <a:spcPct val="0"/>
-              </a:spcBef>
-              <a:spcAft>
-                <a:spcPct val="0"/>
-              </a:spcAft>
-              <a:buClr>
-                <a:srgbClr val="000000"/>
-              </a:buClr>
-              <a:buSzPct val="100000"/>
-              <a:buFont typeface="Times New Roman" charset="0"/>
-              <a:defRPr sz="4400" b="1" i="1">
-                <a:solidFill>
-                  <a:srgbClr val="A66B1F"/>
-                </a:solidFill>
-                <a:latin typeface="Arial" charset="0"/>
-                <a:ea typeface="Arial Unicode MS" charset="0"/>
-                <a:cs typeface="Arial Unicode MS" charset="0"/>
-              </a:defRPr>
-            </a:lvl8pPr>
-            <a:lvl9pPr marL="3886200" indent="-228600" algn="r" defTabSz="449263" rtl="0" fontAlgn="base" hangingPunct="0">
-              <a:lnSpc>
-                <a:spcPct val="93000"/>
-              </a:lnSpc>
-              <a:spcBef>
-                <a:spcPct val="0"/>
-              </a:spcBef>
-              <a:spcAft>
-                <a:spcPct val="0"/>
-              </a:spcAft>
-              <a:buClr>
-                <a:srgbClr val="000000"/>
-              </a:buClr>
-              <a:buSzPct val="100000"/>
-              <a:buFont typeface="Times New Roman" charset="0"/>
-              <a:defRPr sz="4400" b="1" i="1">
-                <a:solidFill>
-                  <a:srgbClr val="A66B1F"/>
-                </a:solidFill>
-                <a:latin typeface="Arial" charset="0"/>
-                <a:ea typeface="Arial Unicode MS" charset="0"/>
-                <a:cs typeface="Arial Unicode MS" charset="0"/>
-              </a:defRPr>
-            </a:lvl9pPr>
-          </a:lstStyle>
-          <a:p>
-            <a:pPr algn="ctr"/>
-            <a:r>
-              <a:rPr lang="en-US" sz="2400" b="0" dirty="0">
-                <a:solidFill>
-                  <a:schemeClr val="tx1"/>
-                </a:solidFill>
-              </a:rPr>
-              <a:t>Dual barcoding allows for massively multiplexing of samples using only a relatively few primers</a:t>
-            </a:r>
-          </a:p>
-        </p:txBody>
-      </p:sp>
-      <p:sp>
-        <p:nvSpPr>
-          <p:cNvPr id="4" name="Rectangle 3"/>
-          <p:cNvSpPr/>
-          <p:nvPr/>
-        </p:nvSpPr>
-        <p:spPr>
-          <a:xfrm>
-            <a:off x="4090532" y="3632282"/>
-            <a:ext cx="1421093" cy="1851276"/>
-          </a:xfrm>
-          <a:prstGeom prst="rect">
-            <a:avLst/>
-          </a:prstGeom>
-        </p:spPr>
-        <p:txBody>
-          <a:bodyPr wrap="square">
-            <a:spAutoFit/>
-          </a:bodyPr>
-          <a:lstStyle/>
-          <a:p>
-            <a:r>
-              <a:rPr lang="en-US" sz="1905" baseline="30000" dirty="0">
+            </a:prstGeom>
+          </p:spPr>
+          <p:txBody>
+            <a:bodyPr wrap="square">
+              <a:spAutoFit/>
+            </a:bodyPr>
+            <a:lstStyle/>
+            <a:p>
+              <a:r>
+                <a:rPr lang="en-US" sz="1905" baseline="30000" dirty="0">
+                  <a:latin typeface="Times New Roman"/>
+                  <a:cs typeface="Times New Roman"/>
+                </a:rPr>
+                <a:t>GTATCGTC</a:t>
+              </a:r>
+            </a:p>
+            <a:p>
+              <a:endParaRPr lang="en-US" sz="1905" baseline="30000" dirty="0">
                 <a:latin typeface="Times New Roman"/>
                 <a:cs typeface="Times New Roman"/>
-              </a:rPr>
-              <a:t>GTATCGTC</a:t>
-            </a:r>
-          </a:p>
-          <a:p>
-            <a:endParaRPr lang="en-US" sz="1905" baseline="30000" dirty="0">
-              <a:latin typeface="Times New Roman"/>
-              <a:cs typeface="Times New Roman"/>
-            </a:endParaRPr>
-          </a:p>
-          <a:p>
-            <a:r>
-              <a:rPr lang="en-US" sz="1905" baseline="30000" dirty="0">
+              </a:endParaRPr>
+            </a:p>
+            <a:p>
+              <a:r>
+                <a:rPr lang="en-US" sz="1905" baseline="30000" dirty="0">
+                  <a:latin typeface="Times New Roman"/>
+                  <a:cs typeface="Times New Roman"/>
+                </a:rPr>
+                <a:t>TGCTCGTA</a:t>
+              </a:r>
+            </a:p>
+            <a:p>
+              <a:endParaRPr lang="en-US" sz="1905" baseline="30000" dirty="0">
                 <a:latin typeface="Times New Roman"/>
                 <a:cs typeface="Times New Roman"/>
-              </a:rPr>
-              <a:t>TGCTCGTA</a:t>
-            </a:r>
-          </a:p>
-          <a:p>
-            <a:endParaRPr lang="en-US" sz="1905" baseline="30000" dirty="0">
-              <a:latin typeface="Times New Roman"/>
-              <a:cs typeface="Times New Roman"/>
-            </a:endParaRPr>
-          </a:p>
-          <a:p>
-            <a:r>
-              <a:rPr lang="en-US" sz="1905" baseline="30000" dirty="0">
+              </a:endParaRPr>
+            </a:p>
+            <a:p>
+              <a:r>
+                <a:rPr lang="en-US" sz="1905" baseline="30000" dirty="0">
+                  <a:latin typeface="Times New Roman"/>
+                  <a:cs typeface="Times New Roman"/>
+                </a:rPr>
+                <a:t>GTCGTCGT</a:t>
+              </a:r>
+            </a:p>
+            <a:p>
+              <a:endParaRPr lang="en-US" sz="1905" baseline="30000" dirty="0">
                 <a:latin typeface="Times New Roman"/>
                 <a:cs typeface="Times New Roman"/>
-              </a:rPr>
-              <a:t>GTCGTCGT</a:t>
-            </a:r>
-          </a:p>
-          <a:p>
-            <a:endParaRPr lang="en-US" sz="1905" baseline="30000" dirty="0">
-              <a:latin typeface="Times New Roman"/>
-              <a:cs typeface="Times New Roman"/>
-            </a:endParaRPr>
-          </a:p>
-          <a:p>
-            <a:r>
-              <a:rPr lang="en-US" sz="1905" baseline="30000" dirty="0">
+              </a:endParaRPr>
+            </a:p>
+            <a:p>
+              <a:r>
+                <a:rPr lang="en-US" sz="1905" baseline="30000" dirty="0">
+                  <a:latin typeface="Times New Roman"/>
+                  <a:cs typeface="Times New Roman"/>
+                </a:rPr>
+                <a:t>GTGCGTGT</a:t>
+              </a:r>
+            </a:p>
+            <a:p>
+              <a:endParaRPr lang="en-US" sz="1905" baseline="30000" dirty="0">
                 <a:latin typeface="Times New Roman"/>
                 <a:cs typeface="Times New Roman"/>
-              </a:rPr>
-              <a:t>GTGCGTGT</a:t>
-            </a:r>
-          </a:p>
-          <a:p>
-            <a:endParaRPr lang="en-US" sz="1905" baseline="30000" dirty="0">
-              <a:latin typeface="Times New Roman"/>
-              <a:cs typeface="Times New Roman"/>
-            </a:endParaRPr>
-          </a:p>
-          <a:p>
-            <a:r>
-              <a:rPr lang="en-US" sz="1905" baseline="30000" dirty="0">
+              </a:endParaRPr>
+            </a:p>
+            <a:p>
+              <a:r>
+                <a:rPr lang="en-US" sz="1905" baseline="30000" dirty="0">
+                  <a:latin typeface="Times New Roman"/>
+                  <a:cs typeface="Times New Roman"/>
+                </a:rPr>
+                <a:t>GCGTCGTG</a:t>
+              </a:r>
+            </a:p>
+          </p:txBody>
+        </p:sp>
+        <p:sp>
+          <p:nvSpPr>
+            <p:cNvPr id="5" name="TextBox 4"/>
+            <p:cNvSpPr txBox="1"/>
+            <p:nvPr/>
+          </p:nvSpPr>
+          <p:spPr>
+            <a:xfrm>
+              <a:off x="7442945" y="3625032"/>
+              <a:ext cx="1608246" cy="1851276"/>
+            </a:xfrm>
+            <a:prstGeom prst="rect">
+              <a:avLst/>
+            </a:prstGeom>
+            <a:noFill/>
+          </p:spPr>
+          <p:txBody>
+            <a:bodyPr wrap="square" rtlCol="0">
+              <a:spAutoFit/>
+            </a:bodyPr>
+            <a:lstStyle/>
+            <a:p>
+              <a:r>
+                <a:rPr lang="en-US" sz="1905" baseline="30000" dirty="0">
+                  <a:latin typeface="Times New Roman"/>
+                  <a:cs typeface="Times New Roman"/>
+                </a:rPr>
+                <a:t>GTCGTGTA</a:t>
+              </a:r>
+            </a:p>
+            <a:p>
+              <a:endParaRPr lang="en-US" sz="1905" baseline="30000" dirty="0">
                 <a:latin typeface="Times New Roman"/>
                 <a:cs typeface="Times New Roman"/>
-              </a:rPr>
-              <a:t>GCGTCGTG</a:t>
-            </a:r>
-          </a:p>
-        </p:txBody>
-      </p:sp>
-      <p:sp>
-        <p:nvSpPr>
-          <p:cNvPr id="5" name="TextBox 4"/>
-          <p:cNvSpPr txBox="1"/>
-          <p:nvPr/>
-        </p:nvSpPr>
-        <p:spPr>
-          <a:xfrm>
-            <a:off x="7442945" y="3625032"/>
-            <a:ext cx="1608246" cy="1851276"/>
-          </a:xfrm>
-          <a:prstGeom prst="rect">
-            <a:avLst/>
-          </a:prstGeom>
-          <a:noFill/>
-        </p:spPr>
-        <p:txBody>
-          <a:bodyPr wrap="square" rtlCol="0">
-            <a:spAutoFit/>
-          </a:bodyPr>
-          <a:lstStyle/>
-          <a:p>
-            <a:r>
-              <a:rPr lang="en-US" sz="1905" baseline="30000" dirty="0">
+              </a:endParaRPr>
+            </a:p>
+            <a:p>
+              <a:r>
+                <a:rPr lang="en-US" sz="1905" baseline="30000" dirty="0">
+                  <a:latin typeface="Times New Roman"/>
+                  <a:cs typeface="Times New Roman"/>
+                </a:rPr>
+                <a:t>GATGTAGC</a:t>
+              </a:r>
+            </a:p>
+            <a:p>
+              <a:endParaRPr lang="en-US" sz="1905" baseline="30000" dirty="0">
                 <a:latin typeface="Times New Roman"/>
                 <a:cs typeface="Times New Roman"/>
-              </a:rPr>
-              <a:t>GTCGTGTA</a:t>
-            </a:r>
-          </a:p>
-          <a:p>
-            <a:endParaRPr lang="en-US" sz="1905" baseline="30000" dirty="0">
-              <a:latin typeface="Times New Roman"/>
-              <a:cs typeface="Times New Roman"/>
-            </a:endParaRPr>
-          </a:p>
-          <a:p>
-            <a:r>
-              <a:rPr lang="en-US" sz="1905" baseline="30000" dirty="0">
+              </a:endParaRPr>
+            </a:p>
+            <a:p>
+              <a:r>
+                <a:rPr lang="en-US" sz="1905" baseline="30000" dirty="0">
+                  <a:latin typeface="Times New Roman"/>
+                  <a:cs typeface="Times New Roman"/>
+                </a:rPr>
+                <a:t>GAGTGATC</a:t>
+              </a:r>
+            </a:p>
+            <a:p>
+              <a:endParaRPr lang="en-US" sz="1905" baseline="30000" dirty="0">
                 <a:latin typeface="Times New Roman"/>
                 <a:cs typeface="Times New Roman"/>
-              </a:rPr>
-              <a:t>GATGTAGC</a:t>
-            </a:r>
-          </a:p>
-          <a:p>
-            <a:endParaRPr lang="en-US" sz="1905" baseline="30000" dirty="0">
-              <a:latin typeface="Times New Roman"/>
-              <a:cs typeface="Times New Roman"/>
-            </a:endParaRPr>
-          </a:p>
-          <a:p>
-            <a:r>
-              <a:rPr lang="en-US" sz="1905" baseline="30000" dirty="0">
+              </a:endParaRPr>
+            </a:p>
+            <a:p>
+              <a:r>
+                <a:rPr lang="en-US" sz="1905" baseline="30000" dirty="0">
+                  <a:latin typeface="Times New Roman"/>
+                  <a:cs typeface="Times New Roman"/>
+                </a:rPr>
+                <a:t>CGCTATCA</a:t>
+              </a:r>
+            </a:p>
+            <a:p>
+              <a:endParaRPr lang="en-US" sz="1905" baseline="30000" dirty="0">
                 <a:latin typeface="Times New Roman"/>
                 <a:cs typeface="Times New Roman"/>
-              </a:rPr>
-              <a:t>GAGTGATC</a:t>
-            </a:r>
-          </a:p>
-          <a:p>
-            <a:endParaRPr lang="en-US" sz="1905" baseline="30000" dirty="0">
-              <a:latin typeface="Times New Roman"/>
-              <a:cs typeface="Times New Roman"/>
-            </a:endParaRPr>
-          </a:p>
-          <a:p>
-            <a:r>
-              <a:rPr lang="en-US" sz="1905" baseline="30000" dirty="0">
+              </a:endParaRPr>
+            </a:p>
+            <a:p>
+              <a:r>
+                <a:rPr lang="en-US" sz="1905" baseline="30000">
+                  <a:latin typeface="Times New Roman"/>
+                  <a:cs typeface="Times New Roman"/>
+                </a:rPr>
+                <a:t>CGCTGTAG</a:t>
+              </a:r>
+              <a:endParaRPr lang="en-US" sz="1905" baseline="30000" dirty="0">
                 <a:latin typeface="Times New Roman"/>
                 <a:cs typeface="Times New Roman"/>
-              </a:rPr>
-              <a:t>CGCTATCA</a:t>
-            </a:r>
-          </a:p>
-          <a:p>
-            <a:endParaRPr lang="en-US" sz="1905" baseline="30000" dirty="0">
-              <a:latin typeface="Times New Roman"/>
-              <a:cs typeface="Times New Roman"/>
-            </a:endParaRPr>
-          </a:p>
-          <a:p>
-            <a:r>
-              <a:rPr lang="en-US" sz="1905" baseline="30000">
-                <a:latin typeface="Times New Roman"/>
-                <a:cs typeface="Times New Roman"/>
-              </a:rPr>
-              <a:t>CGCTGTAG</a:t>
-            </a:r>
-            <a:endParaRPr lang="en-US" sz="1905" baseline="30000" dirty="0">
-              <a:latin typeface="Times New Roman"/>
-              <a:cs typeface="Times New Roman"/>
-            </a:endParaRPr>
-          </a:p>
-        </p:txBody>
-      </p:sp>
-      <p:sp>
-        <p:nvSpPr>
-          <p:cNvPr id="6" name="TextBox 5"/>
-          <p:cNvSpPr txBox="1"/>
-          <p:nvPr/>
-        </p:nvSpPr>
-        <p:spPr>
-          <a:xfrm>
-            <a:off x="3675185" y="3105515"/>
-            <a:ext cx="5376005" cy="400110"/>
-          </a:xfrm>
-          <a:prstGeom prst="rect">
-            <a:avLst/>
-          </a:prstGeom>
-          <a:noFill/>
-        </p:spPr>
-        <p:txBody>
-          <a:bodyPr wrap="square" rtlCol="0">
-            <a:spAutoFit/>
-          </a:bodyPr>
-          <a:lstStyle/>
-          <a:p>
-            <a:pPr algn="ctr"/>
-            <a:r>
-              <a:rPr lang="en-US" sz="2000" dirty="0"/>
-              <a:t>Pairing of BC1 and BC2 uniquely identifies sample</a:t>
-            </a:r>
-          </a:p>
-        </p:txBody>
-      </p:sp>
-      <p:cxnSp>
-        <p:nvCxnSpPr>
-          <p:cNvPr id="9" name="Straight Connector 8"/>
-          <p:cNvCxnSpPr/>
-          <p:nvPr/>
-        </p:nvCxnSpPr>
-        <p:spPr>
-          <a:xfrm>
-            <a:off x="5295592" y="3664455"/>
-            <a:ext cx="1836281" cy="0"/>
-          </a:xfrm>
-          <a:prstGeom prst="line">
-            <a:avLst/>
-          </a:prstGeom>
-        </p:spPr>
-        <p:style>
-          <a:lnRef idx="2">
-            <a:schemeClr val="accent1"/>
-          </a:lnRef>
-          <a:fillRef idx="0">
-            <a:schemeClr val="accent1"/>
-          </a:fillRef>
-          <a:effectRef idx="1">
-            <a:schemeClr val="accent1"/>
-          </a:effectRef>
-          <a:fontRef idx="minor">
-            <a:schemeClr val="tx1"/>
-          </a:fontRef>
-        </p:style>
-      </p:cxnSp>
-      <p:cxnSp>
-        <p:nvCxnSpPr>
-          <p:cNvPr id="10" name="Straight Connector 9"/>
-          <p:cNvCxnSpPr/>
-          <p:nvPr/>
-        </p:nvCxnSpPr>
-        <p:spPr>
-          <a:xfrm>
-            <a:off x="5303267" y="4068213"/>
-            <a:ext cx="1836281" cy="0"/>
-          </a:xfrm>
-          <a:prstGeom prst="line">
-            <a:avLst/>
-          </a:prstGeom>
-        </p:spPr>
-        <p:style>
-          <a:lnRef idx="2">
-            <a:schemeClr val="accent1"/>
-          </a:lnRef>
-          <a:fillRef idx="0">
-            <a:schemeClr val="accent1"/>
-          </a:fillRef>
-          <a:effectRef idx="1">
-            <a:schemeClr val="accent1"/>
-          </a:effectRef>
-          <a:fontRef idx="minor">
-            <a:schemeClr val="tx1"/>
-          </a:fontRef>
-        </p:style>
-      </p:cxnSp>
-      <p:cxnSp>
-        <p:nvCxnSpPr>
-          <p:cNvPr id="11" name="Straight Connector 10"/>
-          <p:cNvCxnSpPr/>
-          <p:nvPr/>
-        </p:nvCxnSpPr>
-        <p:spPr>
-          <a:xfrm>
-            <a:off x="5291264" y="4440297"/>
-            <a:ext cx="1836281" cy="0"/>
-          </a:xfrm>
-          <a:prstGeom prst="line">
-            <a:avLst/>
-          </a:prstGeom>
-        </p:spPr>
-        <p:style>
-          <a:lnRef idx="2">
-            <a:schemeClr val="accent1"/>
-          </a:lnRef>
-          <a:fillRef idx="0">
-            <a:schemeClr val="accent1"/>
-          </a:fillRef>
-          <a:effectRef idx="1">
-            <a:schemeClr val="accent1"/>
-          </a:effectRef>
-          <a:fontRef idx="minor">
-            <a:schemeClr val="tx1"/>
-          </a:fontRef>
-        </p:style>
-      </p:cxnSp>
-      <p:cxnSp>
-        <p:nvCxnSpPr>
-          <p:cNvPr id="12" name="Straight Connector 11"/>
-          <p:cNvCxnSpPr/>
-          <p:nvPr/>
-        </p:nvCxnSpPr>
-        <p:spPr>
-          <a:xfrm>
-            <a:off x="5291264" y="4824383"/>
-            <a:ext cx="1836281" cy="0"/>
-          </a:xfrm>
-          <a:prstGeom prst="line">
-            <a:avLst/>
-          </a:prstGeom>
-        </p:spPr>
-        <p:style>
-          <a:lnRef idx="2">
-            <a:schemeClr val="accent1"/>
-          </a:lnRef>
-          <a:fillRef idx="0">
-            <a:schemeClr val="accent1"/>
-          </a:fillRef>
-          <a:effectRef idx="1">
-            <a:schemeClr val="accent1"/>
-          </a:effectRef>
-          <a:fontRef idx="minor">
-            <a:schemeClr val="tx1"/>
-          </a:fontRef>
-        </p:style>
-      </p:cxnSp>
-      <p:cxnSp>
-        <p:nvCxnSpPr>
-          <p:cNvPr id="13" name="Straight Connector 12"/>
-          <p:cNvCxnSpPr/>
-          <p:nvPr/>
-        </p:nvCxnSpPr>
-        <p:spPr>
-          <a:xfrm>
-            <a:off x="5291264" y="5208469"/>
-            <a:ext cx="1836281" cy="0"/>
-          </a:xfrm>
-          <a:prstGeom prst="line">
-            <a:avLst/>
-          </a:prstGeom>
-        </p:spPr>
-        <p:style>
-          <a:lnRef idx="2">
-            <a:schemeClr val="accent1"/>
-          </a:lnRef>
-          <a:fillRef idx="0">
-            <a:schemeClr val="accent1"/>
-          </a:fillRef>
-          <a:effectRef idx="1">
-            <a:schemeClr val="accent1"/>
-          </a:effectRef>
-          <a:fontRef idx="minor">
-            <a:schemeClr val="tx1"/>
-          </a:fontRef>
-        </p:style>
-      </p:cxnSp>
-      <p:cxnSp>
-        <p:nvCxnSpPr>
-          <p:cNvPr id="14" name="Straight Connector 13"/>
-          <p:cNvCxnSpPr/>
-          <p:nvPr/>
-        </p:nvCxnSpPr>
-        <p:spPr>
-          <a:xfrm>
-            <a:off x="5303266" y="3664455"/>
-            <a:ext cx="1828606" cy="403758"/>
-          </a:xfrm>
-          <a:prstGeom prst="line">
-            <a:avLst/>
-          </a:prstGeom>
-        </p:spPr>
-        <p:style>
-          <a:lnRef idx="2">
-            <a:schemeClr val="accent1"/>
-          </a:lnRef>
-          <a:fillRef idx="0">
-            <a:schemeClr val="accent1"/>
-          </a:fillRef>
-          <a:effectRef idx="1">
-            <a:schemeClr val="accent1"/>
-          </a:effectRef>
-          <a:fontRef idx="minor">
-            <a:schemeClr val="tx1"/>
-          </a:fontRef>
-        </p:style>
-      </p:cxnSp>
-      <p:cxnSp>
-        <p:nvCxnSpPr>
-          <p:cNvPr id="15" name="Straight Connector 14"/>
-          <p:cNvCxnSpPr/>
-          <p:nvPr/>
-        </p:nvCxnSpPr>
-        <p:spPr>
-          <a:xfrm>
-            <a:off x="5310941" y="4056211"/>
-            <a:ext cx="1828606" cy="403758"/>
-          </a:xfrm>
-          <a:prstGeom prst="line">
-            <a:avLst/>
-          </a:prstGeom>
-        </p:spPr>
-        <p:style>
-          <a:lnRef idx="2">
-            <a:schemeClr val="accent1"/>
-          </a:lnRef>
-          <a:fillRef idx="0">
-            <a:schemeClr val="accent1"/>
-          </a:fillRef>
-          <a:effectRef idx="1">
-            <a:schemeClr val="accent1"/>
-          </a:effectRef>
-          <a:fontRef idx="minor">
-            <a:schemeClr val="tx1"/>
-          </a:fontRef>
-        </p:style>
-      </p:cxnSp>
-      <p:cxnSp>
-        <p:nvCxnSpPr>
-          <p:cNvPr id="16" name="Straight Connector 15"/>
-          <p:cNvCxnSpPr/>
-          <p:nvPr/>
-        </p:nvCxnSpPr>
-        <p:spPr>
-          <a:xfrm>
-            <a:off x="5310941" y="4416292"/>
-            <a:ext cx="1828606" cy="403758"/>
-          </a:xfrm>
-          <a:prstGeom prst="line">
-            <a:avLst/>
-          </a:prstGeom>
-        </p:spPr>
-        <p:style>
-          <a:lnRef idx="2">
-            <a:schemeClr val="accent1"/>
-          </a:lnRef>
-          <a:fillRef idx="0">
-            <a:schemeClr val="accent1"/>
-          </a:fillRef>
-          <a:effectRef idx="1">
-            <a:schemeClr val="accent1"/>
-          </a:effectRef>
-          <a:fontRef idx="minor">
-            <a:schemeClr val="tx1"/>
-          </a:fontRef>
-        </p:style>
-      </p:cxnSp>
-      <p:cxnSp>
-        <p:nvCxnSpPr>
-          <p:cNvPr id="17" name="Straight Connector 16"/>
-          <p:cNvCxnSpPr/>
-          <p:nvPr/>
-        </p:nvCxnSpPr>
-        <p:spPr>
-          <a:xfrm>
-            <a:off x="5310941" y="4812381"/>
-            <a:ext cx="1828606" cy="403758"/>
-          </a:xfrm>
-          <a:prstGeom prst="line">
-            <a:avLst/>
-          </a:prstGeom>
-        </p:spPr>
-        <p:style>
-          <a:lnRef idx="2">
-            <a:schemeClr val="accent1"/>
-          </a:lnRef>
-          <a:fillRef idx="0">
-            <a:schemeClr val="accent1"/>
-          </a:fillRef>
-          <a:effectRef idx="1">
-            <a:schemeClr val="accent1"/>
-          </a:effectRef>
-          <a:fontRef idx="minor">
-            <a:schemeClr val="tx1"/>
-          </a:fontRef>
-        </p:style>
-      </p:cxnSp>
-      <p:cxnSp>
-        <p:nvCxnSpPr>
-          <p:cNvPr id="18" name="Straight Connector 17"/>
-          <p:cNvCxnSpPr/>
-          <p:nvPr/>
-        </p:nvCxnSpPr>
-        <p:spPr>
-          <a:xfrm>
-            <a:off x="5310940" y="3676459"/>
-            <a:ext cx="1816604" cy="751837"/>
-          </a:xfrm>
-          <a:prstGeom prst="line">
-            <a:avLst/>
-          </a:prstGeom>
-        </p:spPr>
-        <p:style>
-          <a:lnRef idx="2">
-            <a:schemeClr val="accent1"/>
-          </a:lnRef>
-          <a:fillRef idx="0">
-            <a:schemeClr val="accent1"/>
-          </a:fillRef>
-          <a:effectRef idx="1">
-            <a:schemeClr val="accent1"/>
-          </a:effectRef>
-          <a:fontRef idx="minor">
-            <a:schemeClr val="tx1"/>
-          </a:fontRef>
-        </p:style>
-      </p:cxnSp>
-      <p:cxnSp>
-        <p:nvCxnSpPr>
-          <p:cNvPr id="19" name="Straight Connector 18"/>
-          <p:cNvCxnSpPr/>
-          <p:nvPr/>
-        </p:nvCxnSpPr>
-        <p:spPr>
-          <a:xfrm>
-            <a:off x="5306614" y="4056212"/>
-            <a:ext cx="1816604" cy="751837"/>
-          </a:xfrm>
-          <a:prstGeom prst="line">
-            <a:avLst/>
-          </a:prstGeom>
-        </p:spPr>
-        <p:style>
-          <a:lnRef idx="2">
-            <a:schemeClr val="accent1"/>
-          </a:lnRef>
-          <a:fillRef idx="0">
-            <a:schemeClr val="accent1"/>
-          </a:fillRef>
-          <a:effectRef idx="1">
-            <a:schemeClr val="accent1"/>
-          </a:effectRef>
-          <a:fontRef idx="minor">
-            <a:schemeClr val="tx1"/>
-          </a:fontRef>
-        </p:style>
-      </p:cxnSp>
-      <p:cxnSp>
-        <p:nvCxnSpPr>
-          <p:cNvPr id="20" name="Straight Connector 19"/>
-          <p:cNvCxnSpPr/>
-          <p:nvPr/>
-        </p:nvCxnSpPr>
-        <p:spPr>
-          <a:xfrm>
-            <a:off x="5306614" y="4440298"/>
-            <a:ext cx="1816604" cy="751837"/>
-          </a:xfrm>
-          <a:prstGeom prst="line">
-            <a:avLst/>
-          </a:prstGeom>
-        </p:spPr>
-        <p:style>
-          <a:lnRef idx="2">
-            <a:schemeClr val="accent1"/>
-          </a:lnRef>
-          <a:fillRef idx="0">
-            <a:schemeClr val="accent1"/>
-          </a:fillRef>
-          <a:effectRef idx="1">
-            <a:schemeClr val="accent1"/>
-          </a:effectRef>
-          <a:fontRef idx="minor">
-            <a:schemeClr val="tx1"/>
-          </a:fontRef>
-        </p:style>
-      </p:cxnSp>
-      <p:cxnSp>
-        <p:nvCxnSpPr>
-          <p:cNvPr id="21" name="Straight Connector 20"/>
-          <p:cNvCxnSpPr/>
-          <p:nvPr/>
-        </p:nvCxnSpPr>
-        <p:spPr>
-          <a:xfrm flipV="1">
-            <a:off x="5291265" y="4824384"/>
-            <a:ext cx="1831953" cy="367751"/>
-          </a:xfrm>
-          <a:prstGeom prst="line">
-            <a:avLst/>
-          </a:prstGeom>
-        </p:spPr>
-        <p:style>
-          <a:lnRef idx="2">
-            <a:schemeClr val="accent1"/>
-          </a:lnRef>
-          <a:fillRef idx="0">
-            <a:schemeClr val="accent1"/>
-          </a:fillRef>
-          <a:effectRef idx="1">
-            <a:schemeClr val="accent1"/>
-          </a:effectRef>
-          <a:fontRef idx="minor">
-            <a:schemeClr val="tx1"/>
-          </a:fontRef>
-        </p:style>
-      </p:cxnSp>
-      <p:cxnSp>
-        <p:nvCxnSpPr>
-          <p:cNvPr id="22" name="Straight Connector 21"/>
-          <p:cNvCxnSpPr/>
-          <p:nvPr/>
-        </p:nvCxnSpPr>
-        <p:spPr>
-          <a:xfrm>
-            <a:off x="5310942" y="3676459"/>
-            <a:ext cx="1812277" cy="1135923"/>
-          </a:xfrm>
-          <a:prstGeom prst="line">
-            <a:avLst/>
-          </a:prstGeom>
-        </p:spPr>
-        <p:style>
-          <a:lnRef idx="2">
-            <a:schemeClr val="accent1"/>
-          </a:lnRef>
-          <a:fillRef idx="0">
-            <a:schemeClr val="accent1"/>
-          </a:fillRef>
-          <a:effectRef idx="1">
-            <a:schemeClr val="accent1"/>
-          </a:effectRef>
-          <a:fontRef idx="minor">
-            <a:schemeClr val="tx1"/>
-          </a:fontRef>
-        </p:style>
-      </p:cxnSp>
-      <p:cxnSp>
-        <p:nvCxnSpPr>
-          <p:cNvPr id="23" name="Straight Connector 22"/>
-          <p:cNvCxnSpPr/>
-          <p:nvPr/>
-        </p:nvCxnSpPr>
-        <p:spPr>
-          <a:xfrm>
-            <a:off x="5306614" y="4056211"/>
-            <a:ext cx="1812277" cy="1135923"/>
-          </a:xfrm>
-          <a:prstGeom prst="line">
-            <a:avLst/>
-          </a:prstGeom>
-        </p:spPr>
-        <p:style>
-          <a:lnRef idx="2">
-            <a:schemeClr val="accent1"/>
-          </a:lnRef>
-          <a:fillRef idx="0">
-            <a:schemeClr val="accent1"/>
-          </a:fillRef>
-          <a:effectRef idx="1">
-            <a:schemeClr val="accent1"/>
-          </a:effectRef>
-          <a:fontRef idx="minor">
-            <a:schemeClr val="tx1"/>
-          </a:fontRef>
-        </p:style>
-      </p:cxnSp>
-      <p:cxnSp>
-        <p:nvCxnSpPr>
-          <p:cNvPr id="24" name="Straight Connector 23"/>
-          <p:cNvCxnSpPr/>
-          <p:nvPr/>
-        </p:nvCxnSpPr>
-        <p:spPr>
-          <a:xfrm>
-            <a:off x="5291264" y="3676459"/>
-            <a:ext cx="1852607" cy="1539681"/>
-          </a:xfrm>
-          <a:prstGeom prst="line">
-            <a:avLst/>
-          </a:prstGeom>
-        </p:spPr>
-        <p:style>
-          <a:lnRef idx="2">
-            <a:schemeClr val="accent1"/>
-          </a:lnRef>
-          <a:fillRef idx="0">
-            <a:schemeClr val="accent1"/>
-          </a:fillRef>
-          <a:effectRef idx="1">
-            <a:schemeClr val="accent1"/>
-          </a:effectRef>
-          <a:fontRef idx="minor">
-            <a:schemeClr val="tx1"/>
-          </a:fontRef>
-        </p:style>
-      </p:cxnSp>
-      <p:cxnSp>
-        <p:nvCxnSpPr>
-          <p:cNvPr id="25" name="Straight Connector 24"/>
-          <p:cNvCxnSpPr/>
-          <p:nvPr/>
-        </p:nvCxnSpPr>
-        <p:spPr>
-          <a:xfrm flipV="1">
-            <a:off x="5322944" y="4447967"/>
-            <a:ext cx="1831953" cy="367751"/>
-          </a:xfrm>
-          <a:prstGeom prst="line">
-            <a:avLst/>
-          </a:prstGeom>
-        </p:spPr>
-        <p:style>
-          <a:lnRef idx="2">
-            <a:schemeClr val="accent1"/>
-          </a:lnRef>
-          <a:fillRef idx="0">
-            <a:schemeClr val="accent1"/>
-          </a:fillRef>
-          <a:effectRef idx="1">
-            <a:schemeClr val="accent1"/>
-          </a:effectRef>
-          <a:fontRef idx="minor">
-            <a:schemeClr val="tx1"/>
-          </a:fontRef>
-        </p:style>
-      </p:cxnSp>
-      <p:cxnSp>
-        <p:nvCxnSpPr>
-          <p:cNvPr id="26" name="Straight Connector 25"/>
-          <p:cNvCxnSpPr/>
-          <p:nvPr/>
-        </p:nvCxnSpPr>
-        <p:spPr>
-          <a:xfrm flipV="1">
-            <a:off x="5310942" y="4075883"/>
-            <a:ext cx="1831953" cy="367751"/>
-          </a:xfrm>
-          <a:prstGeom prst="line">
-            <a:avLst/>
-          </a:prstGeom>
-        </p:spPr>
-        <p:style>
-          <a:lnRef idx="2">
-            <a:schemeClr val="accent1"/>
-          </a:lnRef>
-          <a:fillRef idx="0">
-            <a:schemeClr val="accent1"/>
-          </a:fillRef>
-          <a:effectRef idx="1">
-            <a:schemeClr val="accent1"/>
-          </a:effectRef>
-          <a:fontRef idx="minor">
-            <a:schemeClr val="tx1"/>
-          </a:fontRef>
-        </p:style>
-      </p:cxnSp>
-      <p:cxnSp>
-        <p:nvCxnSpPr>
-          <p:cNvPr id="27" name="Straight Connector 26"/>
-          <p:cNvCxnSpPr/>
-          <p:nvPr/>
-        </p:nvCxnSpPr>
-        <p:spPr>
-          <a:xfrm flipV="1">
-            <a:off x="5310942" y="3679794"/>
-            <a:ext cx="1831953" cy="367751"/>
-          </a:xfrm>
-          <a:prstGeom prst="line">
-            <a:avLst/>
-          </a:prstGeom>
-        </p:spPr>
-        <p:style>
-          <a:lnRef idx="2">
-            <a:schemeClr val="accent1"/>
-          </a:lnRef>
-          <a:fillRef idx="0">
-            <a:schemeClr val="accent1"/>
-          </a:fillRef>
-          <a:effectRef idx="1">
-            <a:schemeClr val="accent1"/>
-          </a:effectRef>
-          <a:fontRef idx="minor">
-            <a:schemeClr val="tx1"/>
-          </a:fontRef>
-        </p:style>
-      </p:cxnSp>
-      <p:cxnSp>
-        <p:nvCxnSpPr>
-          <p:cNvPr id="28" name="Straight Connector 27"/>
-          <p:cNvCxnSpPr/>
-          <p:nvPr/>
-        </p:nvCxnSpPr>
-        <p:spPr>
-          <a:xfrm flipV="1">
-            <a:off x="5303266" y="4428294"/>
-            <a:ext cx="1827626" cy="775842"/>
-          </a:xfrm>
-          <a:prstGeom prst="line">
-            <a:avLst/>
-          </a:prstGeom>
-        </p:spPr>
-        <p:style>
-          <a:lnRef idx="2">
-            <a:schemeClr val="accent1"/>
-          </a:lnRef>
-          <a:fillRef idx="0">
-            <a:schemeClr val="accent1"/>
-          </a:fillRef>
-          <a:effectRef idx="1">
-            <a:schemeClr val="accent1"/>
-          </a:effectRef>
-          <a:fontRef idx="minor">
-            <a:schemeClr val="tx1"/>
-          </a:fontRef>
-        </p:style>
-      </p:cxnSp>
-      <p:cxnSp>
-        <p:nvCxnSpPr>
-          <p:cNvPr id="29" name="Straight Connector 28"/>
-          <p:cNvCxnSpPr/>
-          <p:nvPr/>
-        </p:nvCxnSpPr>
-        <p:spPr>
-          <a:xfrm flipV="1">
-            <a:off x="5310941" y="4051877"/>
-            <a:ext cx="1827626" cy="775842"/>
-          </a:xfrm>
-          <a:prstGeom prst="line">
-            <a:avLst/>
-          </a:prstGeom>
-        </p:spPr>
-        <p:style>
-          <a:lnRef idx="2">
-            <a:schemeClr val="accent1"/>
-          </a:lnRef>
-          <a:fillRef idx="0">
-            <a:schemeClr val="accent1"/>
-          </a:fillRef>
-          <a:effectRef idx="1">
-            <a:schemeClr val="accent1"/>
-          </a:effectRef>
-          <a:fontRef idx="minor">
-            <a:schemeClr val="tx1"/>
-          </a:fontRef>
-        </p:style>
-      </p:cxnSp>
-      <p:cxnSp>
-        <p:nvCxnSpPr>
-          <p:cNvPr id="30" name="Straight Connector 29"/>
-          <p:cNvCxnSpPr/>
-          <p:nvPr/>
-        </p:nvCxnSpPr>
-        <p:spPr>
-          <a:xfrm flipV="1">
-            <a:off x="5358949" y="3667791"/>
-            <a:ext cx="1827626" cy="775842"/>
-          </a:xfrm>
-          <a:prstGeom prst="line">
-            <a:avLst/>
-          </a:prstGeom>
-        </p:spPr>
-        <p:style>
-          <a:lnRef idx="2">
-            <a:schemeClr val="accent1"/>
-          </a:lnRef>
-          <a:fillRef idx="0">
-            <a:schemeClr val="accent1"/>
-          </a:fillRef>
-          <a:effectRef idx="1">
-            <a:schemeClr val="accent1"/>
-          </a:effectRef>
-          <a:fontRef idx="minor">
-            <a:schemeClr val="tx1"/>
-          </a:fontRef>
-        </p:style>
-      </p:cxnSp>
-      <p:cxnSp>
-        <p:nvCxnSpPr>
-          <p:cNvPr id="31" name="Straight Connector 30"/>
-          <p:cNvCxnSpPr/>
-          <p:nvPr/>
-        </p:nvCxnSpPr>
-        <p:spPr>
-          <a:xfrm flipV="1">
-            <a:off x="5306614" y="4056211"/>
-            <a:ext cx="1825259" cy="1135923"/>
-          </a:xfrm>
-          <a:prstGeom prst="line">
-            <a:avLst/>
-          </a:prstGeom>
-        </p:spPr>
-        <p:style>
-          <a:lnRef idx="2">
-            <a:schemeClr val="accent1"/>
-          </a:lnRef>
-          <a:fillRef idx="0">
-            <a:schemeClr val="accent1"/>
-          </a:fillRef>
-          <a:effectRef idx="1">
-            <a:schemeClr val="accent1"/>
-          </a:effectRef>
-          <a:fontRef idx="minor">
-            <a:schemeClr val="tx1"/>
-          </a:fontRef>
-        </p:style>
-      </p:cxnSp>
-      <p:cxnSp>
-        <p:nvCxnSpPr>
-          <p:cNvPr id="32" name="Straight Connector 31"/>
-          <p:cNvCxnSpPr/>
-          <p:nvPr/>
-        </p:nvCxnSpPr>
-        <p:spPr>
-          <a:xfrm flipV="1">
-            <a:off x="5314289" y="3691797"/>
-            <a:ext cx="1825259" cy="1135923"/>
-          </a:xfrm>
-          <a:prstGeom prst="line">
-            <a:avLst/>
-          </a:prstGeom>
-        </p:spPr>
-        <p:style>
-          <a:lnRef idx="2">
-            <a:schemeClr val="accent1"/>
-          </a:lnRef>
-          <a:fillRef idx="0">
-            <a:schemeClr val="accent1"/>
-          </a:fillRef>
-          <a:effectRef idx="1">
-            <a:schemeClr val="accent1"/>
-          </a:effectRef>
-          <a:fontRef idx="minor">
-            <a:schemeClr val="tx1"/>
-          </a:fontRef>
-        </p:style>
-      </p:cxnSp>
-      <p:cxnSp>
-        <p:nvCxnSpPr>
-          <p:cNvPr id="33" name="Straight Connector 32"/>
-          <p:cNvCxnSpPr/>
-          <p:nvPr/>
-        </p:nvCxnSpPr>
-        <p:spPr>
-          <a:xfrm flipV="1">
-            <a:off x="5322944" y="3664457"/>
-            <a:ext cx="1795947" cy="1527679"/>
-          </a:xfrm>
-          <a:prstGeom prst="line">
-            <a:avLst/>
-          </a:prstGeom>
-        </p:spPr>
-        <p:style>
-          <a:lnRef idx="2">
-            <a:schemeClr val="accent1"/>
-          </a:lnRef>
-          <a:fillRef idx="0">
-            <a:schemeClr val="accent1"/>
-          </a:fillRef>
-          <a:effectRef idx="1">
-            <a:schemeClr val="accent1"/>
-          </a:effectRef>
-          <a:fontRef idx="minor">
-            <a:schemeClr val="tx1"/>
-          </a:fontRef>
-        </p:style>
-      </p:cxnSp>
-      <p:sp>
-        <p:nvSpPr>
-          <p:cNvPr id="60" name="TextBox 59"/>
-          <p:cNvSpPr txBox="1"/>
-          <p:nvPr/>
-        </p:nvSpPr>
-        <p:spPr>
-          <a:xfrm>
-            <a:off x="2006479" y="5788459"/>
-            <a:ext cx="8895981" cy="830997"/>
-          </a:xfrm>
-          <a:prstGeom prst="rect">
-            <a:avLst/>
-          </a:prstGeom>
-          <a:solidFill>
-            <a:srgbClr val="0000FF">
-              <a:alpha val="25000"/>
-            </a:srgbClr>
-          </a:solidFill>
-          <a:ln>
+              </a:endParaRPr>
+            </a:p>
+          </p:txBody>
+        </p:sp>
+        <p:sp>
+          <p:nvSpPr>
+            <p:cNvPr id="6" name="TextBox 5"/>
+            <p:cNvSpPr txBox="1"/>
+            <p:nvPr/>
+          </p:nvSpPr>
+          <p:spPr>
+            <a:xfrm>
+              <a:off x="3675185" y="3105515"/>
+              <a:ext cx="5376005" cy="400110"/>
+            </a:xfrm>
+            <a:prstGeom prst="rect">
+              <a:avLst/>
+            </a:prstGeom>
+            <a:noFill/>
+          </p:spPr>
+          <p:txBody>
+            <a:bodyPr wrap="square" rtlCol="0">
+              <a:spAutoFit/>
+            </a:bodyPr>
+            <a:lstStyle/>
+            <a:p>
+              <a:pPr algn="ctr"/>
+              <a:r>
+                <a:rPr lang="en-US" sz="2000" dirty="0"/>
+                <a:t>Pairing of BC1 and BC2 uniquely identifies sample</a:t>
+              </a:r>
+            </a:p>
+          </p:txBody>
+        </p:sp>
+        <p:cxnSp>
+          <p:nvCxnSpPr>
+            <p:cNvPr id="9" name="Straight Connector 8"/>
+            <p:cNvCxnSpPr/>
+            <p:nvPr/>
+          </p:nvCxnSpPr>
+          <p:spPr>
+            <a:xfrm>
+              <a:off x="5295592" y="3664455"/>
+              <a:ext cx="1836281" cy="0"/>
+            </a:xfrm>
+            <a:prstGeom prst="line">
+              <a:avLst/>
+            </a:prstGeom>
+          </p:spPr>
+          <p:style>
+            <a:lnRef idx="2">
+              <a:schemeClr val="accent1"/>
+            </a:lnRef>
+            <a:fillRef idx="0">
+              <a:schemeClr val="accent1"/>
+            </a:fillRef>
+            <a:effectRef idx="1">
+              <a:schemeClr val="accent1"/>
+            </a:effectRef>
+            <a:fontRef idx="minor">
+              <a:schemeClr val="tx1"/>
+            </a:fontRef>
+          </p:style>
+        </p:cxnSp>
+        <p:cxnSp>
+          <p:nvCxnSpPr>
+            <p:cNvPr id="10" name="Straight Connector 9"/>
+            <p:cNvCxnSpPr/>
+            <p:nvPr/>
+          </p:nvCxnSpPr>
+          <p:spPr>
+            <a:xfrm>
+              <a:off x="5303267" y="4068213"/>
+              <a:ext cx="1836281" cy="0"/>
+            </a:xfrm>
+            <a:prstGeom prst="line">
+              <a:avLst/>
+            </a:prstGeom>
+          </p:spPr>
+          <p:style>
+            <a:lnRef idx="2">
+              <a:schemeClr val="accent1"/>
+            </a:lnRef>
+            <a:fillRef idx="0">
+              <a:schemeClr val="accent1"/>
+            </a:fillRef>
+            <a:effectRef idx="1">
+              <a:schemeClr val="accent1"/>
+            </a:effectRef>
+            <a:fontRef idx="minor">
+              <a:schemeClr val="tx1"/>
+            </a:fontRef>
+          </p:style>
+        </p:cxnSp>
+        <p:cxnSp>
+          <p:nvCxnSpPr>
+            <p:cNvPr id="11" name="Straight Connector 10"/>
+            <p:cNvCxnSpPr/>
+            <p:nvPr/>
+          </p:nvCxnSpPr>
+          <p:spPr>
+            <a:xfrm>
+              <a:off x="5291264" y="4440297"/>
+              <a:ext cx="1836281" cy="0"/>
+            </a:xfrm>
+            <a:prstGeom prst="line">
+              <a:avLst/>
+            </a:prstGeom>
+          </p:spPr>
+          <p:style>
+            <a:lnRef idx="2">
+              <a:schemeClr val="accent1"/>
+            </a:lnRef>
+            <a:fillRef idx="0">
+              <a:schemeClr val="accent1"/>
+            </a:fillRef>
+            <a:effectRef idx="1">
+              <a:schemeClr val="accent1"/>
+            </a:effectRef>
+            <a:fontRef idx="minor">
+              <a:schemeClr val="tx1"/>
+            </a:fontRef>
+          </p:style>
+        </p:cxnSp>
+        <p:cxnSp>
+          <p:nvCxnSpPr>
+            <p:cNvPr id="12" name="Straight Connector 11"/>
+            <p:cNvCxnSpPr/>
+            <p:nvPr/>
+          </p:nvCxnSpPr>
+          <p:spPr>
+            <a:xfrm>
+              <a:off x="5291264" y="4824383"/>
+              <a:ext cx="1836281" cy="0"/>
+            </a:xfrm>
+            <a:prstGeom prst="line">
+              <a:avLst/>
+            </a:prstGeom>
+          </p:spPr>
+          <p:style>
+            <a:lnRef idx="2">
+              <a:schemeClr val="accent1"/>
+            </a:lnRef>
+            <a:fillRef idx="0">
+              <a:schemeClr val="accent1"/>
+            </a:fillRef>
+            <a:effectRef idx="1">
+              <a:schemeClr val="accent1"/>
+            </a:effectRef>
+            <a:fontRef idx="minor">
+              <a:schemeClr val="tx1"/>
+            </a:fontRef>
+          </p:style>
+        </p:cxnSp>
+        <p:cxnSp>
+          <p:nvCxnSpPr>
+            <p:cNvPr id="13" name="Straight Connector 12"/>
+            <p:cNvCxnSpPr/>
+            <p:nvPr/>
+          </p:nvCxnSpPr>
+          <p:spPr>
+            <a:xfrm>
+              <a:off x="5291264" y="5208469"/>
+              <a:ext cx="1836281" cy="0"/>
+            </a:xfrm>
+            <a:prstGeom prst="line">
+              <a:avLst/>
+            </a:prstGeom>
+          </p:spPr>
+          <p:style>
+            <a:lnRef idx="2">
+              <a:schemeClr val="accent1"/>
+            </a:lnRef>
+            <a:fillRef idx="0">
+              <a:schemeClr val="accent1"/>
+            </a:fillRef>
+            <a:effectRef idx="1">
+              <a:schemeClr val="accent1"/>
+            </a:effectRef>
+            <a:fontRef idx="minor">
+              <a:schemeClr val="tx1"/>
+            </a:fontRef>
+          </p:style>
+        </p:cxnSp>
+        <p:cxnSp>
+          <p:nvCxnSpPr>
+            <p:cNvPr id="14" name="Straight Connector 13"/>
+            <p:cNvCxnSpPr/>
+            <p:nvPr/>
+          </p:nvCxnSpPr>
+          <p:spPr>
+            <a:xfrm>
+              <a:off x="5303266" y="3664455"/>
+              <a:ext cx="1828606" cy="403758"/>
+            </a:xfrm>
+            <a:prstGeom prst="line">
+              <a:avLst/>
+            </a:prstGeom>
+          </p:spPr>
+          <p:style>
+            <a:lnRef idx="2">
+              <a:schemeClr val="accent1"/>
+            </a:lnRef>
+            <a:fillRef idx="0">
+              <a:schemeClr val="accent1"/>
+            </a:fillRef>
+            <a:effectRef idx="1">
+              <a:schemeClr val="accent1"/>
+            </a:effectRef>
+            <a:fontRef idx="minor">
+              <a:schemeClr val="tx1"/>
+            </a:fontRef>
+          </p:style>
+        </p:cxnSp>
+        <p:cxnSp>
+          <p:nvCxnSpPr>
+            <p:cNvPr id="15" name="Straight Connector 14"/>
+            <p:cNvCxnSpPr/>
+            <p:nvPr/>
+          </p:nvCxnSpPr>
+          <p:spPr>
+            <a:xfrm>
+              <a:off x="5310941" y="4056211"/>
+              <a:ext cx="1828606" cy="403758"/>
+            </a:xfrm>
+            <a:prstGeom prst="line">
+              <a:avLst/>
+            </a:prstGeom>
+          </p:spPr>
+          <p:style>
+            <a:lnRef idx="2">
+              <a:schemeClr val="accent1"/>
+            </a:lnRef>
+            <a:fillRef idx="0">
+              <a:schemeClr val="accent1"/>
+            </a:fillRef>
+            <a:effectRef idx="1">
+              <a:schemeClr val="accent1"/>
+            </a:effectRef>
+            <a:fontRef idx="minor">
+              <a:schemeClr val="tx1"/>
+            </a:fontRef>
+          </p:style>
+        </p:cxnSp>
+        <p:cxnSp>
+          <p:nvCxnSpPr>
+            <p:cNvPr id="16" name="Straight Connector 15"/>
+            <p:cNvCxnSpPr/>
+            <p:nvPr/>
+          </p:nvCxnSpPr>
+          <p:spPr>
+            <a:xfrm>
+              <a:off x="5310941" y="4416292"/>
+              <a:ext cx="1828606" cy="403758"/>
+            </a:xfrm>
+            <a:prstGeom prst="line">
+              <a:avLst/>
+            </a:prstGeom>
+          </p:spPr>
+          <p:style>
+            <a:lnRef idx="2">
+              <a:schemeClr val="accent1"/>
+            </a:lnRef>
+            <a:fillRef idx="0">
+              <a:schemeClr val="accent1"/>
+            </a:fillRef>
+            <a:effectRef idx="1">
+              <a:schemeClr val="accent1"/>
+            </a:effectRef>
+            <a:fontRef idx="minor">
+              <a:schemeClr val="tx1"/>
+            </a:fontRef>
+          </p:style>
+        </p:cxnSp>
+        <p:cxnSp>
+          <p:nvCxnSpPr>
+            <p:cNvPr id="17" name="Straight Connector 16"/>
+            <p:cNvCxnSpPr/>
+            <p:nvPr/>
+          </p:nvCxnSpPr>
+          <p:spPr>
+            <a:xfrm>
+              <a:off x="5310941" y="4812381"/>
+              <a:ext cx="1828606" cy="403758"/>
+            </a:xfrm>
+            <a:prstGeom prst="line">
+              <a:avLst/>
+            </a:prstGeom>
+          </p:spPr>
+          <p:style>
+            <a:lnRef idx="2">
+              <a:schemeClr val="accent1"/>
+            </a:lnRef>
+            <a:fillRef idx="0">
+              <a:schemeClr val="accent1"/>
+            </a:fillRef>
+            <a:effectRef idx="1">
+              <a:schemeClr val="accent1"/>
+            </a:effectRef>
+            <a:fontRef idx="minor">
+              <a:schemeClr val="tx1"/>
+            </a:fontRef>
+          </p:style>
+        </p:cxnSp>
+        <p:cxnSp>
+          <p:nvCxnSpPr>
+            <p:cNvPr id="18" name="Straight Connector 17"/>
+            <p:cNvCxnSpPr/>
+            <p:nvPr/>
+          </p:nvCxnSpPr>
+          <p:spPr>
+            <a:xfrm>
+              <a:off x="5310940" y="3676459"/>
+              <a:ext cx="1816604" cy="751837"/>
+            </a:xfrm>
+            <a:prstGeom prst="line">
+              <a:avLst/>
+            </a:prstGeom>
+          </p:spPr>
+          <p:style>
+            <a:lnRef idx="2">
+              <a:schemeClr val="accent1"/>
+            </a:lnRef>
+            <a:fillRef idx="0">
+              <a:schemeClr val="accent1"/>
+            </a:fillRef>
+            <a:effectRef idx="1">
+              <a:schemeClr val="accent1"/>
+            </a:effectRef>
+            <a:fontRef idx="minor">
+              <a:schemeClr val="tx1"/>
+            </a:fontRef>
+          </p:style>
+        </p:cxnSp>
+        <p:cxnSp>
+          <p:nvCxnSpPr>
+            <p:cNvPr id="19" name="Straight Connector 18"/>
+            <p:cNvCxnSpPr/>
+            <p:nvPr/>
+          </p:nvCxnSpPr>
+          <p:spPr>
+            <a:xfrm>
+              <a:off x="5306614" y="4056212"/>
+              <a:ext cx="1816604" cy="751837"/>
+            </a:xfrm>
+            <a:prstGeom prst="line">
+              <a:avLst/>
+            </a:prstGeom>
+          </p:spPr>
+          <p:style>
+            <a:lnRef idx="2">
+              <a:schemeClr val="accent1"/>
+            </a:lnRef>
+            <a:fillRef idx="0">
+              <a:schemeClr val="accent1"/>
+            </a:fillRef>
+            <a:effectRef idx="1">
+              <a:schemeClr val="accent1"/>
+            </a:effectRef>
+            <a:fontRef idx="minor">
+              <a:schemeClr val="tx1"/>
+            </a:fontRef>
+          </p:style>
+        </p:cxnSp>
+        <p:cxnSp>
+          <p:nvCxnSpPr>
+            <p:cNvPr id="20" name="Straight Connector 19"/>
+            <p:cNvCxnSpPr/>
+            <p:nvPr/>
+          </p:nvCxnSpPr>
+          <p:spPr>
+            <a:xfrm>
+              <a:off x="5306614" y="4440298"/>
+              <a:ext cx="1816604" cy="751837"/>
+            </a:xfrm>
+            <a:prstGeom prst="line">
+              <a:avLst/>
+            </a:prstGeom>
+          </p:spPr>
+          <p:style>
+            <a:lnRef idx="2">
+              <a:schemeClr val="accent1"/>
+            </a:lnRef>
+            <a:fillRef idx="0">
+              <a:schemeClr val="accent1"/>
+            </a:fillRef>
+            <a:effectRef idx="1">
+              <a:schemeClr val="accent1"/>
+            </a:effectRef>
+            <a:fontRef idx="minor">
+              <a:schemeClr val="tx1"/>
+            </a:fontRef>
+          </p:style>
+        </p:cxnSp>
+        <p:cxnSp>
+          <p:nvCxnSpPr>
+            <p:cNvPr id="21" name="Straight Connector 20"/>
+            <p:cNvCxnSpPr/>
+            <p:nvPr/>
+          </p:nvCxnSpPr>
+          <p:spPr>
+            <a:xfrm flipV="1">
+              <a:off x="5291265" y="4824384"/>
+              <a:ext cx="1831953" cy="367751"/>
+            </a:xfrm>
+            <a:prstGeom prst="line">
+              <a:avLst/>
+            </a:prstGeom>
+          </p:spPr>
+          <p:style>
+            <a:lnRef idx="2">
+              <a:schemeClr val="accent1"/>
+            </a:lnRef>
+            <a:fillRef idx="0">
+              <a:schemeClr val="accent1"/>
+            </a:fillRef>
+            <a:effectRef idx="1">
+              <a:schemeClr val="accent1"/>
+            </a:effectRef>
+            <a:fontRef idx="minor">
+              <a:schemeClr val="tx1"/>
+            </a:fontRef>
+          </p:style>
+        </p:cxnSp>
+        <p:cxnSp>
+          <p:nvCxnSpPr>
+            <p:cNvPr id="22" name="Straight Connector 21"/>
+            <p:cNvCxnSpPr/>
+            <p:nvPr/>
+          </p:nvCxnSpPr>
+          <p:spPr>
+            <a:xfrm>
+              <a:off x="5310942" y="3676459"/>
+              <a:ext cx="1812277" cy="1135923"/>
+            </a:xfrm>
+            <a:prstGeom prst="line">
+              <a:avLst/>
+            </a:prstGeom>
+          </p:spPr>
+          <p:style>
+            <a:lnRef idx="2">
+              <a:schemeClr val="accent1"/>
+            </a:lnRef>
+            <a:fillRef idx="0">
+              <a:schemeClr val="accent1"/>
+            </a:fillRef>
+            <a:effectRef idx="1">
+              <a:schemeClr val="accent1"/>
+            </a:effectRef>
+            <a:fontRef idx="minor">
+              <a:schemeClr val="tx1"/>
+            </a:fontRef>
+          </p:style>
+        </p:cxnSp>
+        <p:cxnSp>
+          <p:nvCxnSpPr>
+            <p:cNvPr id="23" name="Straight Connector 22"/>
+            <p:cNvCxnSpPr/>
+            <p:nvPr/>
+          </p:nvCxnSpPr>
+          <p:spPr>
+            <a:xfrm>
+              <a:off x="5306614" y="4056211"/>
+              <a:ext cx="1812277" cy="1135923"/>
+            </a:xfrm>
+            <a:prstGeom prst="line">
+              <a:avLst/>
+            </a:prstGeom>
+          </p:spPr>
+          <p:style>
+            <a:lnRef idx="2">
+              <a:schemeClr val="accent1"/>
+            </a:lnRef>
+            <a:fillRef idx="0">
+              <a:schemeClr val="accent1"/>
+            </a:fillRef>
+            <a:effectRef idx="1">
+              <a:schemeClr val="accent1"/>
+            </a:effectRef>
+            <a:fontRef idx="minor">
+              <a:schemeClr val="tx1"/>
+            </a:fontRef>
+          </p:style>
+        </p:cxnSp>
+        <p:cxnSp>
+          <p:nvCxnSpPr>
+            <p:cNvPr id="24" name="Straight Connector 23"/>
+            <p:cNvCxnSpPr/>
+            <p:nvPr/>
+          </p:nvCxnSpPr>
+          <p:spPr>
+            <a:xfrm>
+              <a:off x="5291264" y="3676459"/>
+              <a:ext cx="1852607" cy="1539681"/>
+            </a:xfrm>
+            <a:prstGeom prst="line">
+              <a:avLst/>
+            </a:prstGeom>
+          </p:spPr>
+          <p:style>
+            <a:lnRef idx="2">
+              <a:schemeClr val="accent1"/>
+            </a:lnRef>
+            <a:fillRef idx="0">
+              <a:schemeClr val="accent1"/>
+            </a:fillRef>
+            <a:effectRef idx="1">
+              <a:schemeClr val="accent1"/>
+            </a:effectRef>
+            <a:fontRef idx="minor">
+              <a:schemeClr val="tx1"/>
+            </a:fontRef>
+          </p:style>
+        </p:cxnSp>
+        <p:cxnSp>
+          <p:nvCxnSpPr>
+            <p:cNvPr id="25" name="Straight Connector 24"/>
+            <p:cNvCxnSpPr/>
+            <p:nvPr/>
+          </p:nvCxnSpPr>
+          <p:spPr>
+            <a:xfrm flipV="1">
+              <a:off x="5322944" y="4447967"/>
+              <a:ext cx="1831953" cy="367751"/>
+            </a:xfrm>
+            <a:prstGeom prst="line">
+              <a:avLst/>
+            </a:prstGeom>
+          </p:spPr>
+          <p:style>
+            <a:lnRef idx="2">
+              <a:schemeClr val="accent1"/>
+            </a:lnRef>
+            <a:fillRef idx="0">
+              <a:schemeClr val="accent1"/>
+            </a:fillRef>
+            <a:effectRef idx="1">
+              <a:schemeClr val="accent1"/>
+            </a:effectRef>
+            <a:fontRef idx="minor">
+              <a:schemeClr val="tx1"/>
+            </a:fontRef>
+          </p:style>
+        </p:cxnSp>
+        <p:cxnSp>
+          <p:nvCxnSpPr>
+            <p:cNvPr id="26" name="Straight Connector 25"/>
+            <p:cNvCxnSpPr/>
+            <p:nvPr/>
+          </p:nvCxnSpPr>
+          <p:spPr>
+            <a:xfrm flipV="1">
+              <a:off x="5310942" y="4075883"/>
+              <a:ext cx="1831953" cy="367751"/>
+            </a:xfrm>
+            <a:prstGeom prst="line">
+              <a:avLst/>
+            </a:prstGeom>
+          </p:spPr>
+          <p:style>
+            <a:lnRef idx="2">
+              <a:schemeClr val="accent1"/>
+            </a:lnRef>
+            <a:fillRef idx="0">
+              <a:schemeClr val="accent1"/>
+            </a:fillRef>
+            <a:effectRef idx="1">
+              <a:schemeClr val="accent1"/>
+            </a:effectRef>
+            <a:fontRef idx="minor">
+              <a:schemeClr val="tx1"/>
+            </a:fontRef>
+          </p:style>
+        </p:cxnSp>
+        <p:cxnSp>
+          <p:nvCxnSpPr>
+            <p:cNvPr id="27" name="Straight Connector 26"/>
+            <p:cNvCxnSpPr/>
+            <p:nvPr/>
+          </p:nvCxnSpPr>
+          <p:spPr>
+            <a:xfrm flipV="1">
+              <a:off x="5310942" y="3679794"/>
+              <a:ext cx="1831953" cy="367751"/>
+            </a:xfrm>
+            <a:prstGeom prst="line">
+              <a:avLst/>
+            </a:prstGeom>
+          </p:spPr>
+          <p:style>
+            <a:lnRef idx="2">
+              <a:schemeClr val="accent1"/>
+            </a:lnRef>
+            <a:fillRef idx="0">
+              <a:schemeClr val="accent1"/>
+            </a:fillRef>
+            <a:effectRef idx="1">
+              <a:schemeClr val="accent1"/>
+            </a:effectRef>
+            <a:fontRef idx="minor">
+              <a:schemeClr val="tx1"/>
+            </a:fontRef>
+          </p:style>
+        </p:cxnSp>
+        <p:cxnSp>
+          <p:nvCxnSpPr>
+            <p:cNvPr id="28" name="Straight Connector 27"/>
+            <p:cNvCxnSpPr/>
+            <p:nvPr/>
+          </p:nvCxnSpPr>
+          <p:spPr>
+            <a:xfrm flipV="1">
+              <a:off x="5303266" y="4428294"/>
+              <a:ext cx="1827626" cy="775842"/>
+            </a:xfrm>
+            <a:prstGeom prst="line">
+              <a:avLst/>
+            </a:prstGeom>
+          </p:spPr>
+          <p:style>
+            <a:lnRef idx="2">
+              <a:schemeClr val="accent1"/>
+            </a:lnRef>
+            <a:fillRef idx="0">
+              <a:schemeClr val="accent1"/>
+            </a:fillRef>
+            <a:effectRef idx="1">
+              <a:schemeClr val="accent1"/>
+            </a:effectRef>
+            <a:fontRef idx="minor">
+              <a:schemeClr val="tx1"/>
+            </a:fontRef>
+          </p:style>
+        </p:cxnSp>
+        <p:cxnSp>
+          <p:nvCxnSpPr>
+            <p:cNvPr id="29" name="Straight Connector 28"/>
+            <p:cNvCxnSpPr/>
+            <p:nvPr/>
+          </p:nvCxnSpPr>
+          <p:spPr>
+            <a:xfrm flipV="1">
+              <a:off x="5310941" y="4051877"/>
+              <a:ext cx="1827626" cy="775842"/>
+            </a:xfrm>
+            <a:prstGeom prst="line">
+              <a:avLst/>
+            </a:prstGeom>
+          </p:spPr>
+          <p:style>
+            <a:lnRef idx="2">
+              <a:schemeClr val="accent1"/>
+            </a:lnRef>
+            <a:fillRef idx="0">
+              <a:schemeClr val="accent1"/>
+            </a:fillRef>
+            <a:effectRef idx="1">
+              <a:schemeClr val="accent1"/>
+            </a:effectRef>
+            <a:fontRef idx="minor">
+              <a:schemeClr val="tx1"/>
+            </a:fontRef>
+          </p:style>
+        </p:cxnSp>
+        <p:cxnSp>
+          <p:nvCxnSpPr>
+            <p:cNvPr id="30" name="Straight Connector 29"/>
+            <p:cNvCxnSpPr/>
+            <p:nvPr/>
+          </p:nvCxnSpPr>
+          <p:spPr>
+            <a:xfrm flipV="1">
+              <a:off x="5358949" y="3667791"/>
+              <a:ext cx="1827626" cy="775842"/>
+            </a:xfrm>
+            <a:prstGeom prst="line">
+              <a:avLst/>
+            </a:prstGeom>
+          </p:spPr>
+          <p:style>
+            <a:lnRef idx="2">
+              <a:schemeClr val="accent1"/>
+            </a:lnRef>
+            <a:fillRef idx="0">
+              <a:schemeClr val="accent1"/>
+            </a:fillRef>
+            <a:effectRef idx="1">
+              <a:schemeClr val="accent1"/>
+            </a:effectRef>
+            <a:fontRef idx="minor">
+              <a:schemeClr val="tx1"/>
+            </a:fontRef>
+          </p:style>
+        </p:cxnSp>
+        <p:cxnSp>
+          <p:nvCxnSpPr>
+            <p:cNvPr id="31" name="Straight Connector 30"/>
+            <p:cNvCxnSpPr/>
+            <p:nvPr/>
+          </p:nvCxnSpPr>
+          <p:spPr>
+            <a:xfrm flipV="1">
+              <a:off x="5306614" y="4056211"/>
+              <a:ext cx="1825259" cy="1135923"/>
+            </a:xfrm>
+            <a:prstGeom prst="line">
+              <a:avLst/>
+            </a:prstGeom>
+          </p:spPr>
+          <p:style>
+            <a:lnRef idx="2">
+              <a:schemeClr val="accent1"/>
+            </a:lnRef>
+            <a:fillRef idx="0">
+              <a:schemeClr val="accent1"/>
+            </a:fillRef>
+            <a:effectRef idx="1">
+              <a:schemeClr val="accent1"/>
+            </a:effectRef>
+            <a:fontRef idx="minor">
+              <a:schemeClr val="tx1"/>
+            </a:fontRef>
+          </p:style>
+        </p:cxnSp>
+        <p:cxnSp>
+          <p:nvCxnSpPr>
+            <p:cNvPr id="32" name="Straight Connector 31"/>
+            <p:cNvCxnSpPr/>
+            <p:nvPr/>
+          </p:nvCxnSpPr>
+          <p:spPr>
+            <a:xfrm flipV="1">
+              <a:off x="5314289" y="3691797"/>
+              <a:ext cx="1825259" cy="1135923"/>
+            </a:xfrm>
+            <a:prstGeom prst="line">
+              <a:avLst/>
+            </a:prstGeom>
+          </p:spPr>
+          <p:style>
+            <a:lnRef idx="2">
+              <a:schemeClr val="accent1"/>
+            </a:lnRef>
+            <a:fillRef idx="0">
+              <a:schemeClr val="accent1"/>
+            </a:fillRef>
+            <a:effectRef idx="1">
+              <a:schemeClr val="accent1"/>
+            </a:effectRef>
+            <a:fontRef idx="minor">
+              <a:schemeClr val="tx1"/>
+            </a:fontRef>
+          </p:style>
+        </p:cxnSp>
+        <p:cxnSp>
+          <p:nvCxnSpPr>
+            <p:cNvPr id="33" name="Straight Connector 32"/>
+            <p:cNvCxnSpPr/>
+            <p:nvPr/>
+          </p:nvCxnSpPr>
+          <p:spPr>
+            <a:xfrm flipV="1">
+              <a:off x="5322944" y="3664457"/>
+              <a:ext cx="1795947" cy="1527679"/>
+            </a:xfrm>
+            <a:prstGeom prst="line">
+              <a:avLst/>
+            </a:prstGeom>
+          </p:spPr>
+          <p:style>
+            <a:lnRef idx="2">
+              <a:schemeClr val="accent1"/>
+            </a:lnRef>
+            <a:fillRef idx="0">
+              <a:schemeClr val="accent1"/>
+            </a:fillRef>
+            <a:effectRef idx="1">
+              <a:schemeClr val="accent1"/>
+            </a:effectRef>
+            <a:fontRef idx="minor">
+              <a:schemeClr val="tx1"/>
+            </a:fontRef>
+          </p:style>
+        </p:cxnSp>
+        <p:sp>
+          <p:nvSpPr>
+            <p:cNvPr id="60" name="TextBox 59"/>
+            <p:cNvSpPr txBox="1"/>
+            <p:nvPr/>
+          </p:nvSpPr>
+          <p:spPr>
+            <a:xfrm>
+              <a:off x="2006479" y="5788459"/>
+              <a:ext cx="8895981" cy="830997"/>
+            </a:xfrm>
+            <a:prstGeom prst="rect">
+              <a:avLst/>
+            </a:prstGeom>
             <a:solidFill>
-              <a:srgbClr val="0000FF"/>
+              <a:srgbClr val="0000FF">
+                <a:alpha val="25000"/>
+              </a:srgbClr>
             </a:solidFill>
-          </a:ln>
-        </p:spPr>
-        <p:txBody>
-          <a:bodyPr wrap="square" rtlCol="0">
-            <a:spAutoFit/>
-          </a:bodyPr>
-          <a:lstStyle/>
-          <a:p>
-            <a:pPr algn="ctr"/>
-            <a:r>
-              <a:rPr lang="en-US" sz="2400" b="1" dirty="0"/>
-              <a:t>5</a:t>
-            </a:r>
-            <a:r>
-              <a:rPr lang="en-US" sz="2400" dirty="0"/>
-              <a:t> </a:t>
-            </a:r>
-            <a:r>
-              <a:rPr lang="en-US" sz="2400" b="1" dirty="0"/>
-              <a:t>Pairs</a:t>
-            </a:r>
-            <a:r>
-              <a:rPr lang="en-US" sz="2400" dirty="0"/>
-              <a:t> of Barcodes allows for multiplexing of </a:t>
-            </a:r>
-            <a:r>
-              <a:rPr lang="en-US" sz="2400" b="1" dirty="0"/>
-              <a:t>25</a:t>
-            </a:r>
-            <a:r>
-              <a:rPr lang="en-US" sz="2400" dirty="0"/>
-              <a:t> </a:t>
-            </a:r>
-            <a:r>
-              <a:rPr lang="en-US" sz="2400" b="1" dirty="0"/>
-              <a:t>samples</a:t>
-            </a:r>
-            <a:r>
-              <a:rPr lang="en-US" sz="2400" dirty="0"/>
-              <a:t>.</a:t>
-            </a:r>
-          </a:p>
-          <a:p>
-            <a:pPr algn="ctr"/>
-            <a:r>
-              <a:rPr lang="en-US" sz="2400" b="1" dirty="0"/>
-              <a:t>32</a:t>
-            </a:r>
-            <a:r>
-              <a:rPr lang="en-US" sz="2400" dirty="0"/>
-              <a:t> </a:t>
-            </a:r>
-            <a:r>
-              <a:rPr lang="en-US" sz="2400" b="1" dirty="0"/>
-              <a:t>Pairs</a:t>
-            </a:r>
-            <a:r>
-              <a:rPr lang="en-US" sz="2400" dirty="0"/>
-              <a:t> can multiplex </a:t>
-            </a:r>
-            <a:r>
-              <a:rPr lang="en-US" sz="2400" b="1" dirty="0"/>
-              <a:t>1024</a:t>
-            </a:r>
-            <a:r>
-              <a:rPr lang="en-US" sz="2400" dirty="0"/>
-              <a:t> </a:t>
-            </a:r>
-            <a:r>
-              <a:rPr lang="en-US" sz="2400" b="1" dirty="0"/>
-              <a:t>samples</a:t>
-            </a:r>
-            <a:r>
-              <a:rPr lang="en-US" sz="2400" dirty="0"/>
-              <a:t> in the same sequencing reaction</a:t>
-            </a:r>
-          </a:p>
-        </p:txBody>
-      </p:sp>
-      <p:sp>
-        <p:nvSpPr>
-          <p:cNvPr id="7" name="TextBox 6"/>
-          <p:cNvSpPr txBox="1"/>
-          <p:nvPr/>
-        </p:nvSpPr>
-        <p:spPr>
-          <a:xfrm>
-            <a:off x="1371600" y="3792386"/>
-            <a:ext cx="2556905" cy="707886"/>
-          </a:xfrm>
-          <a:prstGeom prst="rect">
-            <a:avLst/>
-          </a:prstGeom>
-          <a:noFill/>
-        </p:spPr>
-        <p:txBody>
-          <a:bodyPr wrap="square" rtlCol="0">
-            <a:spAutoFit/>
-          </a:bodyPr>
-          <a:lstStyle/>
-          <a:p>
-            <a:pPr algn="r"/>
-            <a:r>
-              <a:rPr lang="en-US" sz="2000" dirty="0"/>
-              <a:t>8bp [Error-Correcting]</a:t>
-            </a:r>
-          </a:p>
-          <a:p>
-            <a:pPr algn="r"/>
-            <a:r>
-              <a:rPr lang="en-US" sz="2000" dirty="0"/>
-              <a:t> Barcodes</a:t>
-            </a:r>
-          </a:p>
-        </p:txBody>
-      </p:sp>
+            <a:ln>
+              <a:solidFill>
+                <a:srgbClr val="0000FF"/>
+              </a:solidFill>
+            </a:ln>
+          </p:spPr>
+          <p:txBody>
+            <a:bodyPr wrap="square" rtlCol="0">
+              <a:spAutoFit/>
+            </a:bodyPr>
+            <a:lstStyle/>
+            <a:p>
+              <a:pPr algn="ctr"/>
+              <a:r>
+                <a:rPr lang="en-US" sz="2400" b="1" dirty="0"/>
+                <a:t>5</a:t>
+              </a:r>
+              <a:r>
+                <a:rPr lang="en-US" sz="2400" dirty="0"/>
+                <a:t> </a:t>
+              </a:r>
+              <a:r>
+                <a:rPr lang="en-US" sz="2400" b="1" dirty="0"/>
+                <a:t>Pairs</a:t>
+              </a:r>
+              <a:r>
+                <a:rPr lang="en-US" sz="2400" dirty="0"/>
+                <a:t> of Barcodes allows for multiplexing of </a:t>
+              </a:r>
+              <a:r>
+                <a:rPr lang="en-US" sz="2400" b="1" dirty="0"/>
+                <a:t>25</a:t>
+              </a:r>
+              <a:r>
+                <a:rPr lang="en-US" sz="2400" dirty="0"/>
+                <a:t> </a:t>
+              </a:r>
+              <a:r>
+                <a:rPr lang="en-US" sz="2400" b="1" dirty="0"/>
+                <a:t>samples</a:t>
+              </a:r>
+              <a:r>
+                <a:rPr lang="en-US" sz="2400" dirty="0"/>
+                <a:t>.</a:t>
+              </a:r>
+            </a:p>
+            <a:p>
+              <a:pPr algn="ctr"/>
+              <a:r>
+                <a:rPr lang="en-US" sz="2400" b="1" dirty="0"/>
+                <a:t>32</a:t>
+              </a:r>
+              <a:r>
+                <a:rPr lang="en-US" sz="2400" dirty="0"/>
+                <a:t> </a:t>
+              </a:r>
+              <a:r>
+                <a:rPr lang="en-US" sz="2400" b="1" dirty="0"/>
+                <a:t>Pairs</a:t>
+              </a:r>
+              <a:r>
+                <a:rPr lang="en-US" sz="2400" dirty="0"/>
+                <a:t> can multiplex </a:t>
+              </a:r>
+              <a:r>
+                <a:rPr lang="en-US" sz="2400" b="1" dirty="0"/>
+                <a:t>1024</a:t>
+              </a:r>
+              <a:r>
+                <a:rPr lang="en-US" sz="2400" dirty="0"/>
+                <a:t> </a:t>
+              </a:r>
+              <a:r>
+                <a:rPr lang="en-US" sz="2400" b="1" dirty="0"/>
+                <a:t>samples</a:t>
+              </a:r>
+              <a:r>
+                <a:rPr lang="en-US" sz="2400" dirty="0"/>
+                <a:t> in the same sequencing reaction</a:t>
+              </a:r>
+            </a:p>
+          </p:txBody>
+        </p:sp>
+        <p:sp>
+          <p:nvSpPr>
+            <p:cNvPr id="7" name="TextBox 6"/>
+            <p:cNvSpPr txBox="1"/>
+            <p:nvPr/>
+          </p:nvSpPr>
+          <p:spPr>
+            <a:xfrm>
+              <a:off x="1371600" y="3792386"/>
+              <a:ext cx="2556905" cy="707886"/>
+            </a:xfrm>
+            <a:prstGeom prst="rect">
+              <a:avLst/>
+            </a:prstGeom>
+            <a:noFill/>
+          </p:spPr>
+          <p:txBody>
+            <a:bodyPr wrap="square" rtlCol="0">
+              <a:spAutoFit/>
+            </a:bodyPr>
+            <a:lstStyle/>
+            <a:p>
+              <a:pPr algn="r"/>
+              <a:r>
+                <a:rPr lang="en-US" sz="2000" dirty="0"/>
+                <a:t>8bp [Error-Correcting]</a:t>
+              </a:r>
+            </a:p>
+            <a:p>
+              <a:pPr algn="r"/>
+              <a:r>
+                <a:rPr lang="en-US" sz="2000" dirty="0"/>
+                <a:t> Barcodes</a:t>
+              </a:r>
+            </a:p>
+          </p:txBody>
+        </p:sp>
+      </p:grpSp>
     </p:spTree>
     <p:extLst>
       <p:ext uri="{BB962C8B-B14F-4D97-AF65-F5344CB8AC3E}">
@@ -13772,7 +13852,9 @@
       <p:cxnSp>
         <p:nvCxnSpPr>
           <p:cNvPr id="9" name="Straight Arrow Connector 8"/>
-          <p:cNvCxnSpPr/>
+          <p:cNvCxnSpPr>
+            <a:cxnSpLocks/>
+          </p:cNvCxnSpPr>
           <p:nvPr/>
         </p:nvCxnSpPr>
         <p:spPr>
@@ -13876,7 +13958,9 @@
       <p:cxnSp>
         <p:nvCxnSpPr>
           <p:cNvPr id="14" name="Straight Connector 13"/>
-          <p:cNvCxnSpPr/>
+          <p:cNvCxnSpPr>
+            <a:cxnSpLocks/>
+          </p:cNvCxnSpPr>
           <p:nvPr/>
         </p:nvCxnSpPr>
         <p:spPr bwMode="auto">
@@ -13937,14 +14021,14 @@
           </a:ln>
           <a:extLst>
             <a:ext uri="{909E8E84-426E-40dd-AFC4-6F175D3DCCD1}">
-              <a14:hiddenFill xmlns="" xmlns:a14="http://schemas.microsoft.com/office/drawing/2010/main">
+              <a14:hiddenFill xmlns:a14="http://schemas.microsoft.com/office/drawing/2010/main" xmlns="">
                 <a:solidFill>
                   <a:srgbClr val="FFFFFF"/>
                 </a:solidFill>
               </a14:hiddenFill>
             </a:ext>
             <a:ext uri="{91240B29-F687-4f45-9708-019B960494DF}">
-              <a14:hiddenLine xmlns="" xmlns:a14="http://schemas.microsoft.com/office/drawing/2010/main" w="9525">
+              <a14:hiddenLine xmlns:a14="http://schemas.microsoft.com/office/drawing/2010/main" xmlns="" w="9525">
                 <a:solidFill>
                   <a:srgbClr val="000000"/>
                 </a:solidFill>
@@ -13964,8 +14048,8 @@
         </p:nvSpPr>
         <p:spPr>
           <a:xfrm>
-            <a:off x="7213838" y="5104831"/>
-            <a:ext cx="3100910" cy="646331"/>
+            <a:off x="6619290" y="5143477"/>
+            <a:ext cx="3638401" cy="646331"/>
           </a:xfrm>
           <a:prstGeom prst="rect">
             <a:avLst/>
@@ -14088,8 +14172,8 @@
         </p:nvSpPr>
         <p:spPr>
           <a:xfrm>
-            <a:off x="6406783" y="2016206"/>
-            <a:ext cx="2896200" cy="338554"/>
+            <a:off x="6031646" y="2016206"/>
+            <a:ext cx="4003309" cy="338554"/>
           </a:xfrm>
           <a:prstGeom prst="rect">
             <a:avLst/>
@@ -14160,8 +14244,8 @@
         </p:nvSpPr>
         <p:spPr>
           <a:xfrm>
-            <a:off x="3474312" y="5873616"/>
-            <a:ext cx="2143140" cy="369332"/>
+            <a:off x="3012831" y="5476973"/>
+            <a:ext cx="2482864" cy="369332"/>
           </a:xfrm>
           <a:prstGeom prst="rect">
             <a:avLst/>
@@ -14372,15 +14456,645 @@
           </a:p>
         </p:txBody>
       </p:sp>
-      <p:sp>
-        <p:nvSpPr>
-          <p:cNvPr id="5" name="Right Arrow 4"/>
+      <p:grpSp>
+        <p:nvGrpSpPr>
+          <p:cNvPr id="10" name="Group 9">
+            <a:extLst>
+              <a:ext uri="{FF2B5EF4-FFF2-40B4-BE49-F238E27FC236}">
+                <a16:creationId xmlns:a16="http://schemas.microsoft.com/office/drawing/2014/main" id="{9CB410B2-D2A8-3440-9A89-2497F9145E00}"/>
+              </a:ext>
+            </a:extLst>
+          </p:cNvPr>
+          <p:cNvGrpSpPr/>
+          <p:nvPr/>
+        </p:nvGrpSpPr>
+        <p:grpSpPr>
+          <a:xfrm>
+            <a:off x="2461846" y="3784927"/>
+            <a:ext cx="2483030" cy="1757108"/>
+            <a:chOff x="2461846" y="3784927"/>
+            <a:chExt cx="2483030" cy="1757108"/>
+          </a:xfrm>
+        </p:grpSpPr>
+        <p:sp>
+          <p:nvSpPr>
+            <p:cNvPr id="5" name="Right Arrow 4"/>
+            <p:cNvSpPr/>
+            <p:nvPr/>
+          </p:nvSpPr>
+          <p:spPr>
+            <a:xfrm>
+              <a:off x="3780673" y="4159793"/>
+              <a:ext cx="685800" cy="137160"/>
+            </a:xfrm>
+            <a:prstGeom prst="rightArrow">
+              <a:avLst/>
+            </a:prstGeom>
+            <a:solidFill>
+              <a:schemeClr val="tx2"/>
+            </a:solidFill>
+            <a:ln>
+              <a:solidFill>
+                <a:schemeClr val="tx2"/>
+              </a:solidFill>
+            </a:ln>
+            <a:effectLst/>
+          </p:spPr>
+          <p:style>
+            <a:lnRef idx="1">
+              <a:schemeClr val="accent1"/>
+            </a:lnRef>
+            <a:fillRef idx="3">
+              <a:schemeClr val="accent1"/>
+            </a:fillRef>
+            <a:effectRef idx="2">
+              <a:schemeClr val="accent1"/>
+            </a:effectRef>
+            <a:fontRef idx="minor">
+              <a:schemeClr val="lt1"/>
+            </a:fontRef>
+          </p:style>
+          <p:txBody>
+            <a:bodyPr rtlCol="0" anchor="ctr"/>
+            <a:lstStyle/>
+            <a:p>
+              <a:pPr algn="ctr"/>
+              <a:endParaRPr lang="en-US" sz="1350"/>
+            </a:p>
+          </p:txBody>
+        </p:sp>
+        <p:sp>
+          <p:nvSpPr>
+            <p:cNvPr id="6" name="Right Arrow 5"/>
+            <p:cNvSpPr/>
+            <p:nvPr/>
+          </p:nvSpPr>
+          <p:spPr>
+            <a:xfrm>
+              <a:off x="3881522" y="4461058"/>
+              <a:ext cx="685800" cy="137160"/>
+            </a:xfrm>
+            <a:prstGeom prst="rightArrow">
+              <a:avLst/>
+            </a:prstGeom>
+            <a:solidFill>
+              <a:schemeClr val="tx2"/>
+            </a:solidFill>
+            <a:ln>
+              <a:solidFill>
+                <a:schemeClr val="tx2"/>
+              </a:solidFill>
+            </a:ln>
+            <a:effectLst/>
+          </p:spPr>
+          <p:style>
+            <a:lnRef idx="1">
+              <a:schemeClr val="accent1"/>
+            </a:lnRef>
+            <a:fillRef idx="3">
+              <a:schemeClr val="accent1"/>
+            </a:fillRef>
+            <a:effectRef idx="2">
+              <a:schemeClr val="accent1"/>
+            </a:effectRef>
+            <a:fontRef idx="minor">
+              <a:schemeClr val="lt1"/>
+            </a:fontRef>
+          </p:style>
+          <p:txBody>
+            <a:bodyPr rtlCol="0" anchor="ctr"/>
+            <a:lstStyle/>
+            <a:p>
+              <a:pPr algn="ctr"/>
+              <a:endParaRPr lang="en-US" sz="1350"/>
+            </a:p>
+          </p:txBody>
+        </p:sp>
+        <p:sp>
+          <p:nvSpPr>
+            <p:cNvPr id="7" name="Right Arrow 6"/>
+            <p:cNvSpPr/>
+            <p:nvPr/>
+          </p:nvSpPr>
+          <p:spPr>
+            <a:xfrm>
+              <a:off x="3990752" y="4742880"/>
+              <a:ext cx="685800" cy="137160"/>
+            </a:xfrm>
+            <a:prstGeom prst="rightArrow">
+              <a:avLst/>
+            </a:prstGeom>
+            <a:solidFill>
+              <a:schemeClr val="tx2"/>
+            </a:solidFill>
+            <a:ln>
+              <a:solidFill>
+                <a:schemeClr val="tx2"/>
+              </a:solidFill>
+            </a:ln>
+            <a:effectLst/>
+          </p:spPr>
+          <p:style>
+            <a:lnRef idx="1">
+              <a:schemeClr val="accent1"/>
+            </a:lnRef>
+            <a:fillRef idx="3">
+              <a:schemeClr val="accent1"/>
+            </a:fillRef>
+            <a:effectRef idx="2">
+              <a:schemeClr val="accent1"/>
+            </a:effectRef>
+            <a:fontRef idx="minor">
+              <a:schemeClr val="lt1"/>
+            </a:fontRef>
+          </p:style>
+          <p:txBody>
+            <a:bodyPr rtlCol="0" anchor="ctr"/>
+            <a:lstStyle/>
+            <a:p>
+              <a:pPr algn="ctr"/>
+              <a:endParaRPr lang="en-US" sz="1350"/>
+            </a:p>
+          </p:txBody>
+        </p:sp>
+        <p:sp>
+          <p:nvSpPr>
+            <p:cNvPr id="8" name="Right Arrow 7"/>
+            <p:cNvSpPr/>
+            <p:nvPr/>
+          </p:nvSpPr>
+          <p:spPr>
+            <a:xfrm>
+              <a:off x="4108279" y="5037917"/>
+              <a:ext cx="685800" cy="137160"/>
+            </a:xfrm>
+            <a:prstGeom prst="rightArrow">
+              <a:avLst/>
+            </a:prstGeom>
+            <a:solidFill>
+              <a:schemeClr val="tx2"/>
+            </a:solidFill>
+            <a:ln>
+              <a:solidFill>
+                <a:schemeClr val="tx2"/>
+              </a:solidFill>
+            </a:ln>
+            <a:effectLst/>
+          </p:spPr>
+          <p:style>
+            <a:lnRef idx="1">
+              <a:schemeClr val="accent1"/>
+            </a:lnRef>
+            <a:fillRef idx="3">
+              <a:schemeClr val="accent1"/>
+            </a:fillRef>
+            <a:effectRef idx="2">
+              <a:schemeClr val="accent1"/>
+            </a:effectRef>
+            <a:fontRef idx="minor">
+              <a:schemeClr val="lt1"/>
+            </a:fontRef>
+          </p:style>
+          <p:txBody>
+            <a:bodyPr rtlCol="0" anchor="ctr"/>
+            <a:lstStyle/>
+            <a:p>
+              <a:pPr algn="ctr"/>
+              <a:endParaRPr lang="en-US" sz="1350"/>
+            </a:p>
+          </p:txBody>
+        </p:sp>
+        <p:sp>
+          <p:nvSpPr>
+            <p:cNvPr id="13" name="Rectangle 12"/>
+            <p:cNvSpPr/>
+            <p:nvPr/>
+          </p:nvSpPr>
+          <p:spPr>
+            <a:xfrm>
+              <a:off x="2815115" y="4194515"/>
+              <a:ext cx="685800" cy="68580"/>
+            </a:xfrm>
+            <a:prstGeom prst="rect">
+              <a:avLst/>
+            </a:prstGeom>
+            <a:solidFill>
+              <a:schemeClr val="accent6"/>
+            </a:solidFill>
+            <a:ln>
+              <a:solidFill>
+                <a:schemeClr val="accent6"/>
+              </a:solidFill>
+            </a:ln>
+            <a:effectLst/>
+          </p:spPr>
+          <p:style>
+            <a:lnRef idx="1">
+              <a:schemeClr val="accent1"/>
+            </a:lnRef>
+            <a:fillRef idx="3">
+              <a:schemeClr val="accent1"/>
+            </a:fillRef>
+            <a:effectRef idx="2">
+              <a:schemeClr val="accent1"/>
+            </a:effectRef>
+            <a:fontRef idx="minor">
+              <a:schemeClr val="lt1"/>
+            </a:fontRef>
+          </p:style>
+          <p:txBody>
+            <a:bodyPr rtlCol="0" anchor="ctr"/>
+            <a:lstStyle/>
+            <a:p>
+              <a:pPr algn="ctr"/>
+              <a:endParaRPr lang="en-US" sz="1350"/>
+            </a:p>
+          </p:txBody>
+        </p:sp>
+        <p:sp>
+          <p:nvSpPr>
+            <p:cNvPr id="14" name="Rectangle 13"/>
+            <p:cNvSpPr/>
+            <p:nvPr/>
+          </p:nvSpPr>
+          <p:spPr>
+            <a:xfrm>
+              <a:off x="2803864" y="4493714"/>
+              <a:ext cx="685800" cy="68580"/>
+            </a:xfrm>
+            <a:prstGeom prst="rect">
+              <a:avLst/>
+            </a:prstGeom>
+            <a:solidFill>
+              <a:schemeClr val="accent6"/>
+            </a:solidFill>
+            <a:ln>
+              <a:solidFill>
+                <a:schemeClr val="accent6"/>
+              </a:solidFill>
+            </a:ln>
+            <a:effectLst/>
+          </p:spPr>
+          <p:style>
+            <a:lnRef idx="1">
+              <a:schemeClr val="accent1"/>
+            </a:lnRef>
+            <a:fillRef idx="3">
+              <a:schemeClr val="accent1"/>
+            </a:fillRef>
+            <a:effectRef idx="2">
+              <a:schemeClr val="accent1"/>
+            </a:effectRef>
+            <a:fontRef idx="minor">
+              <a:schemeClr val="lt1"/>
+            </a:fontRef>
+          </p:style>
+          <p:txBody>
+            <a:bodyPr rtlCol="0" anchor="ctr"/>
+            <a:lstStyle/>
+            <a:p>
+              <a:pPr algn="ctr"/>
+              <a:endParaRPr lang="en-US" sz="1350"/>
+            </a:p>
+          </p:txBody>
+        </p:sp>
+        <p:sp>
+          <p:nvSpPr>
+            <p:cNvPr id="15" name="Rectangle 14"/>
+            <p:cNvSpPr/>
+            <p:nvPr/>
+          </p:nvSpPr>
+          <p:spPr>
+            <a:xfrm>
+              <a:off x="2799113" y="4770095"/>
+              <a:ext cx="685800" cy="68580"/>
+            </a:xfrm>
+            <a:prstGeom prst="rect">
+              <a:avLst/>
+            </a:prstGeom>
+            <a:solidFill>
+              <a:schemeClr val="accent6"/>
+            </a:solidFill>
+            <a:ln>
+              <a:solidFill>
+                <a:schemeClr val="accent6"/>
+              </a:solidFill>
+            </a:ln>
+            <a:effectLst/>
+          </p:spPr>
+          <p:style>
+            <a:lnRef idx="1">
+              <a:schemeClr val="accent1"/>
+            </a:lnRef>
+            <a:fillRef idx="3">
+              <a:schemeClr val="accent1"/>
+            </a:fillRef>
+            <a:effectRef idx="2">
+              <a:schemeClr val="accent1"/>
+            </a:effectRef>
+            <a:fontRef idx="minor">
+              <a:schemeClr val="lt1"/>
+            </a:fontRef>
+          </p:style>
+          <p:txBody>
+            <a:bodyPr rtlCol="0" anchor="ctr"/>
+            <a:lstStyle/>
+            <a:p>
+              <a:pPr algn="ctr"/>
+              <a:endParaRPr lang="en-US" sz="1350"/>
+            </a:p>
+          </p:txBody>
+        </p:sp>
+        <p:sp>
+          <p:nvSpPr>
+            <p:cNvPr id="16" name="Rectangle 15"/>
+            <p:cNvSpPr/>
+            <p:nvPr/>
+          </p:nvSpPr>
+          <p:spPr>
+            <a:xfrm>
+              <a:off x="2797184" y="5070573"/>
+              <a:ext cx="685800" cy="68580"/>
+            </a:xfrm>
+            <a:prstGeom prst="rect">
+              <a:avLst/>
+            </a:prstGeom>
+            <a:solidFill>
+              <a:schemeClr val="accent6"/>
+            </a:solidFill>
+            <a:ln>
+              <a:solidFill>
+                <a:schemeClr val="accent6"/>
+              </a:solidFill>
+            </a:ln>
+            <a:effectLst/>
+          </p:spPr>
+          <p:style>
+            <a:lnRef idx="1">
+              <a:schemeClr val="accent1"/>
+            </a:lnRef>
+            <a:fillRef idx="3">
+              <a:schemeClr val="accent1"/>
+            </a:fillRef>
+            <a:effectRef idx="2">
+              <a:schemeClr val="accent1"/>
+            </a:effectRef>
+            <a:fontRef idx="minor">
+              <a:schemeClr val="lt1"/>
+            </a:fontRef>
+          </p:style>
+          <p:txBody>
+            <a:bodyPr rtlCol="0" anchor="ctr"/>
+            <a:lstStyle/>
+            <a:p>
+              <a:pPr algn="ctr"/>
+              <a:endParaRPr lang="en-US" sz="1350"/>
+            </a:p>
+          </p:txBody>
+        </p:sp>
+        <p:sp>
+          <p:nvSpPr>
+            <p:cNvPr id="17" name="TextBox 16"/>
+            <p:cNvSpPr txBox="1"/>
+            <p:nvPr/>
+          </p:nvSpPr>
+          <p:spPr>
+            <a:xfrm>
+              <a:off x="3471419" y="4372996"/>
+              <a:ext cx="685800" cy="300082"/>
+            </a:xfrm>
+            <a:prstGeom prst="rect">
+              <a:avLst/>
+            </a:prstGeom>
+            <a:noFill/>
+          </p:spPr>
+          <p:txBody>
+            <a:bodyPr wrap="square" rtlCol="0">
+              <a:spAutoFit/>
+            </a:bodyPr>
+            <a:lstStyle/>
+            <a:p>
+              <a:r>
+                <a:rPr lang="en-US" sz="1350" dirty="0"/>
+                <a:t>T</a:t>
+              </a:r>
+              <a:r>
+                <a:rPr lang="en-US" sz="1350" dirty="0">
+                  <a:solidFill>
+                    <a:srgbClr val="0070C0"/>
+                  </a:solidFill>
+                </a:rPr>
+                <a:t>CA</a:t>
+              </a:r>
+            </a:p>
+          </p:txBody>
+        </p:sp>
+        <p:sp>
+          <p:nvSpPr>
+            <p:cNvPr id="18" name="TextBox 17"/>
+            <p:cNvSpPr txBox="1"/>
+            <p:nvPr/>
+          </p:nvSpPr>
+          <p:spPr>
+            <a:xfrm>
+              <a:off x="3447578" y="4655712"/>
+              <a:ext cx="811596" cy="300082"/>
+            </a:xfrm>
+            <a:prstGeom prst="rect">
+              <a:avLst/>
+            </a:prstGeom>
+            <a:noFill/>
+          </p:spPr>
+          <p:txBody>
+            <a:bodyPr wrap="square" rtlCol="0">
+              <a:spAutoFit/>
+            </a:bodyPr>
+            <a:lstStyle/>
+            <a:p>
+              <a:r>
+                <a:rPr lang="en-US" sz="1350" dirty="0"/>
+                <a:t>GT</a:t>
+              </a:r>
+              <a:r>
+                <a:rPr lang="en-US" sz="1350" dirty="0">
+                  <a:solidFill>
+                    <a:srgbClr val="0070C0"/>
+                  </a:solidFill>
+                </a:rPr>
+                <a:t>CA</a:t>
+              </a:r>
+            </a:p>
+          </p:txBody>
+        </p:sp>
+        <p:sp>
+          <p:nvSpPr>
+            <p:cNvPr id="19" name="TextBox 18"/>
+            <p:cNvSpPr txBox="1"/>
+            <p:nvPr/>
+          </p:nvSpPr>
+          <p:spPr>
+            <a:xfrm>
+              <a:off x="3438739" y="4949854"/>
+              <a:ext cx="1002639" cy="300082"/>
+            </a:xfrm>
+            <a:prstGeom prst="rect">
+              <a:avLst/>
+            </a:prstGeom>
+            <a:noFill/>
+          </p:spPr>
+          <p:txBody>
+            <a:bodyPr wrap="square" rtlCol="0">
+              <a:spAutoFit/>
+            </a:bodyPr>
+            <a:lstStyle/>
+            <a:p>
+              <a:r>
+                <a:rPr lang="en-US" sz="1350" dirty="0"/>
+                <a:t>AGT</a:t>
+              </a:r>
+              <a:r>
+                <a:rPr lang="en-US" sz="1350" dirty="0">
+                  <a:solidFill>
+                    <a:srgbClr val="0070C0"/>
+                  </a:solidFill>
+                </a:rPr>
+                <a:t>CA</a:t>
+              </a:r>
+            </a:p>
+          </p:txBody>
+        </p:sp>
+        <p:sp>
+          <p:nvSpPr>
+            <p:cNvPr id="27" name="TextBox 26"/>
+            <p:cNvSpPr txBox="1"/>
+            <p:nvPr/>
+          </p:nvSpPr>
+          <p:spPr>
+            <a:xfrm>
+              <a:off x="2729387" y="3784927"/>
+              <a:ext cx="1801052" cy="300082"/>
+            </a:xfrm>
+            <a:prstGeom prst="rect">
+              <a:avLst/>
+            </a:prstGeom>
+            <a:noFill/>
+          </p:spPr>
+          <p:txBody>
+            <a:bodyPr wrap="square" rtlCol="0">
+              <a:spAutoFit/>
+            </a:bodyPr>
+            <a:lstStyle/>
+            <a:p>
+              <a:r>
+                <a:rPr lang="en-US" sz="1350"/>
+                <a:t>Phase shifting primer</a:t>
+              </a:r>
+              <a:endParaRPr lang="en-US" sz="1350" dirty="0"/>
+            </a:p>
+          </p:txBody>
+        </p:sp>
+        <p:sp>
+          <p:nvSpPr>
+            <p:cNvPr id="29" name="TextBox 28"/>
+            <p:cNvSpPr txBox="1"/>
+            <p:nvPr/>
+          </p:nvSpPr>
+          <p:spPr>
+            <a:xfrm>
+              <a:off x="4132616" y="5224882"/>
+              <a:ext cx="812260" cy="300082"/>
+            </a:xfrm>
+            <a:prstGeom prst="rect">
+              <a:avLst/>
+            </a:prstGeom>
+            <a:noFill/>
+          </p:spPr>
+          <p:txBody>
+            <a:bodyPr wrap="square" rtlCol="0">
+              <a:spAutoFit/>
+            </a:bodyPr>
+            <a:lstStyle/>
+            <a:p>
+              <a:r>
+                <a:rPr lang="en-US" sz="1350"/>
+                <a:t>TS</a:t>
+              </a:r>
+              <a:endParaRPr lang="en-US" sz="1350" dirty="0"/>
+            </a:p>
+          </p:txBody>
+        </p:sp>
+        <p:sp>
+          <p:nvSpPr>
+            <p:cNvPr id="31" name="TextBox 30"/>
+            <p:cNvSpPr txBox="1"/>
+            <p:nvPr/>
+          </p:nvSpPr>
+          <p:spPr>
+            <a:xfrm>
+              <a:off x="2461846" y="5241953"/>
+              <a:ext cx="1608080" cy="300082"/>
+            </a:xfrm>
+            <a:prstGeom prst="rect">
+              <a:avLst/>
+            </a:prstGeom>
+            <a:noFill/>
+          </p:spPr>
+          <p:txBody>
+            <a:bodyPr wrap="square" rtlCol="0">
+              <a:spAutoFit/>
+            </a:bodyPr>
+            <a:lstStyle/>
+            <a:p>
+              <a:r>
+                <a:rPr lang="en-US" sz="1350" dirty="0"/>
+                <a:t>Illumina primer</a:t>
+              </a:r>
+            </a:p>
+          </p:txBody>
+        </p:sp>
+        <p:sp>
+          <p:nvSpPr>
+            <p:cNvPr id="33" name="TextBox 32"/>
+            <p:cNvSpPr txBox="1"/>
+            <p:nvPr/>
+          </p:nvSpPr>
+          <p:spPr>
+            <a:xfrm>
+              <a:off x="3455409" y="4096465"/>
+              <a:ext cx="614517" cy="300082"/>
+            </a:xfrm>
+            <a:prstGeom prst="rect">
+              <a:avLst/>
+            </a:prstGeom>
+            <a:noFill/>
+          </p:spPr>
+          <p:txBody>
+            <a:bodyPr wrap="square" rtlCol="0">
+              <a:spAutoFit/>
+            </a:bodyPr>
+            <a:lstStyle/>
+            <a:p>
+              <a:r>
+                <a:rPr lang="en-US" sz="1350" dirty="0">
+                  <a:solidFill>
+                    <a:srgbClr val="0070C0"/>
+                  </a:solidFill>
+                </a:rPr>
+                <a:t>CA</a:t>
+              </a:r>
+            </a:p>
+          </p:txBody>
+        </p:sp>
+      </p:grpSp>
+      <p:sp>
+        <p:nvSpPr>
+          <p:cNvPr id="34" name="Right Arrow 33"/>
           <p:cNvSpPr/>
           <p:nvPr/>
         </p:nvSpPr>
         <p:spPr>
           <a:xfrm>
-            <a:off x="3780673" y="4159793"/>
+            <a:off x="6721676" y="4186442"/>
             <a:ext cx="685800" cy="137160"/>
           </a:xfrm>
           <a:prstGeom prst="rightArrow">
@@ -14421,13 +15135,13 @@
       </p:sp>
       <p:sp>
         <p:nvSpPr>
-          <p:cNvPr id="6" name="Right Arrow 5"/>
+          <p:cNvPr id="35" name="Right Arrow 34"/>
           <p:cNvSpPr/>
           <p:nvPr/>
         </p:nvSpPr>
         <p:spPr>
           <a:xfrm>
-            <a:off x="3881522" y="4461058"/>
+            <a:off x="6879676" y="4487707"/>
             <a:ext cx="685800" cy="137160"/>
           </a:xfrm>
           <a:prstGeom prst="rightArrow">
@@ -14468,13 +15182,13 @@
       </p:sp>
       <p:sp>
         <p:nvSpPr>
-          <p:cNvPr id="7" name="Right Arrow 6"/>
+          <p:cNvPr id="36" name="Right Arrow 35"/>
           <p:cNvSpPr/>
           <p:nvPr/>
         </p:nvSpPr>
         <p:spPr>
           <a:xfrm>
-            <a:off x="3990752" y="4742880"/>
+            <a:off x="6988906" y="4769529"/>
             <a:ext cx="685800" cy="137160"/>
           </a:xfrm>
           <a:prstGeom prst="rightArrow">
@@ -14515,13 +15229,13 @@
       </p:sp>
       <p:sp>
         <p:nvSpPr>
-          <p:cNvPr id="8" name="Right Arrow 7"/>
+          <p:cNvPr id="37" name="Right Arrow 36"/>
           <p:cNvSpPr/>
           <p:nvPr/>
         </p:nvSpPr>
         <p:spPr>
           <a:xfrm>
-            <a:off x="4108279" y="5037917"/>
+            <a:off x="7092145" y="5064566"/>
             <a:ext cx="685800" cy="137160"/>
           </a:xfrm>
           <a:prstGeom prst="rightArrow">
@@ -14562,13 +15276,13 @@
       </p:sp>
       <p:sp>
         <p:nvSpPr>
-          <p:cNvPr id="13" name="Rectangle 12"/>
+          <p:cNvPr id="38" name="Rectangle 37"/>
           <p:cNvSpPr/>
           <p:nvPr/>
         </p:nvSpPr>
         <p:spPr>
           <a:xfrm>
-            <a:off x="2815115" y="4194515"/>
+            <a:off x="5756118" y="4221164"/>
             <a:ext cx="685800" cy="68580"/>
           </a:xfrm>
           <a:prstGeom prst="rect">
@@ -14609,13 +15323,13 @@
       </p:sp>
       <p:sp>
         <p:nvSpPr>
-          <p:cNvPr id="14" name="Rectangle 13"/>
+          <p:cNvPr id="39" name="Rectangle 38"/>
           <p:cNvSpPr/>
           <p:nvPr/>
         </p:nvSpPr>
         <p:spPr>
           <a:xfrm>
-            <a:off x="2803864" y="4493714"/>
+            <a:off x="5759154" y="4520363"/>
             <a:ext cx="685800" cy="68580"/>
           </a:xfrm>
           <a:prstGeom prst="rect">
@@ -14656,13 +15370,13 @@
       </p:sp>
       <p:sp>
         <p:nvSpPr>
-          <p:cNvPr id="15" name="Rectangle 14"/>
+          <p:cNvPr id="40" name="Rectangle 39"/>
           <p:cNvSpPr/>
           <p:nvPr/>
         </p:nvSpPr>
         <p:spPr>
           <a:xfrm>
-            <a:off x="2799113" y="4770095"/>
+            <a:off x="5754403" y="4796744"/>
             <a:ext cx="685800" cy="68580"/>
           </a:xfrm>
           <a:prstGeom prst="rect">
@@ -14703,13 +15417,13 @@
       </p:sp>
       <p:sp>
         <p:nvSpPr>
-          <p:cNvPr id="16" name="Rectangle 15"/>
+          <p:cNvPr id="41" name="Rectangle 40"/>
           <p:cNvSpPr/>
           <p:nvPr/>
         </p:nvSpPr>
         <p:spPr>
           <a:xfrm>
-            <a:off x="2797184" y="5070573"/>
+            <a:off x="5752474" y="5097222"/>
             <a:ext cx="685800" cy="68580"/>
           </a:xfrm>
           <a:prstGeom prst="rect">
@@ -14750,14 +15464,14 @@
       </p:sp>
       <p:sp>
         <p:nvSpPr>
-          <p:cNvPr id="17" name="TextBox 16"/>
+          <p:cNvPr id="42" name="TextBox 41"/>
           <p:cNvSpPr txBox="1"/>
           <p:nvPr/>
         </p:nvSpPr>
         <p:spPr>
           <a:xfrm>
-            <a:off x="3471419" y="4372996"/>
-            <a:ext cx="505045" cy="300082"/>
+            <a:off x="6404587" y="4399645"/>
+            <a:ext cx="511345" cy="300082"/>
           </a:xfrm>
           <a:prstGeom prst="rect">
             <a:avLst/>
@@ -14772,7 +15486,49 @@
           <a:p>
             <a:r>
               <a:rPr lang="en-US" sz="1350" dirty="0"/>
-              <a:t>T</a:t>
+              <a:t>N</a:t>
+            </a:r>
+            <a:r>
+              <a:rPr lang="en-US" sz="1350">
+                <a:solidFill>
+                  <a:srgbClr val="0070C0"/>
+                </a:solidFill>
+              </a:rPr>
+              <a:t>CA</a:t>
+            </a:r>
+            <a:endParaRPr lang="en-US" sz="1350" dirty="0">
+              <a:solidFill>
+                <a:srgbClr val="0070C0"/>
+              </a:solidFill>
+            </a:endParaRPr>
+          </a:p>
+        </p:txBody>
+      </p:sp>
+      <p:sp>
+        <p:nvSpPr>
+          <p:cNvPr id="43" name="TextBox 42"/>
+          <p:cNvSpPr txBox="1"/>
+          <p:nvPr/>
+        </p:nvSpPr>
+        <p:spPr>
+          <a:xfrm>
+            <a:off x="6402868" y="4682361"/>
+            <a:ext cx="622349" cy="300082"/>
+          </a:xfrm>
+          <a:prstGeom prst="rect">
+            <a:avLst/>
+          </a:prstGeom>
+          <a:noFill/>
+        </p:spPr>
+        <p:txBody>
+          <a:bodyPr wrap="square" rtlCol="0">
+            <a:spAutoFit/>
+          </a:bodyPr>
+          <a:lstStyle/>
+          <a:p>
+            <a:r>
+              <a:rPr lang="en-US" sz="1350" dirty="0"/>
+              <a:t>NN</a:t>
             </a:r>
             <a:r>
               <a:rPr lang="en-US" sz="1350" dirty="0">
@@ -14787,14 +15543,14 @@
       </p:sp>
       <p:sp>
         <p:nvSpPr>
-          <p:cNvPr id="18" name="TextBox 17"/>
+          <p:cNvPr id="44" name="TextBox 43"/>
           <p:cNvSpPr txBox="1"/>
           <p:nvPr/>
         </p:nvSpPr>
         <p:spPr>
           <a:xfrm>
-            <a:off x="3447578" y="4655712"/>
-            <a:ext cx="622349" cy="300082"/>
+            <a:off x="6394030" y="4976503"/>
+            <a:ext cx="812260" cy="300082"/>
           </a:xfrm>
           <a:prstGeom prst="rect">
             <a:avLst/>
@@ -14809,7 +15565,7 @@
           <a:p>
             <a:r>
               <a:rPr lang="en-US" sz="1350" dirty="0"/>
-              <a:t>GT</a:t>
+              <a:t>NNN</a:t>
             </a:r>
             <a:r>
               <a:rPr lang="en-US" sz="1350" dirty="0">
@@ -14824,14 +15580,14 @@
       </p:sp>
       <p:sp>
         <p:nvSpPr>
-          <p:cNvPr id="19" name="TextBox 18"/>
+          <p:cNvPr id="45" name="TextBox 44"/>
           <p:cNvSpPr txBox="1"/>
           <p:nvPr/>
         </p:nvSpPr>
         <p:spPr>
           <a:xfrm>
-            <a:off x="3438740" y="4949854"/>
-            <a:ext cx="812260" cy="300082"/>
+            <a:off x="5665239" y="3784927"/>
+            <a:ext cx="4018935" cy="300082"/>
           </a:xfrm>
           <a:prstGeom prst="rect">
             <a:avLst/>
@@ -14846,8 +15602,97 @@
           <a:p>
             <a:r>
               <a:rPr lang="en-US" sz="1350" dirty="0"/>
-              <a:t>AGT</a:t>
-            </a:r>
+              <a:t>Phase shifting </a:t>
+            </a:r>
+            <a:r>
+              <a:rPr lang="en-US" sz="1350"/>
+              <a:t>primers with PCR duplicate detection</a:t>
+            </a:r>
+            <a:endParaRPr lang="en-US" sz="1350" dirty="0"/>
+          </a:p>
+        </p:txBody>
+      </p:sp>
+      <p:sp>
+        <p:nvSpPr>
+          <p:cNvPr id="46" name="TextBox 45"/>
+          <p:cNvSpPr txBox="1"/>
+          <p:nvPr/>
+        </p:nvSpPr>
+        <p:spPr>
+          <a:xfrm>
+            <a:off x="7206290" y="5267042"/>
+            <a:ext cx="812260" cy="300082"/>
+          </a:xfrm>
+          <a:prstGeom prst="rect">
+            <a:avLst/>
+          </a:prstGeom>
+          <a:noFill/>
+        </p:spPr>
+        <p:txBody>
+          <a:bodyPr wrap="square" rtlCol="0">
+            <a:spAutoFit/>
+          </a:bodyPr>
+          <a:lstStyle/>
+          <a:p>
+            <a:r>
+              <a:rPr lang="en-US" sz="1350"/>
+              <a:t>TS</a:t>
+            </a:r>
+            <a:endParaRPr lang="en-US" sz="1350" dirty="0"/>
+          </a:p>
+        </p:txBody>
+      </p:sp>
+      <p:sp>
+        <p:nvSpPr>
+          <p:cNvPr id="47" name="TextBox 46"/>
+          <p:cNvSpPr txBox="1"/>
+          <p:nvPr/>
+        </p:nvSpPr>
+        <p:spPr>
+          <a:xfrm>
+            <a:off x="5867942" y="5268602"/>
+            <a:ext cx="812260" cy="300082"/>
+          </a:xfrm>
+          <a:prstGeom prst="rect">
+            <a:avLst/>
+          </a:prstGeom>
+          <a:noFill/>
+        </p:spPr>
+        <p:txBody>
+          <a:bodyPr wrap="square" rtlCol="0">
+            <a:spAutoFit/>
+          </a:bodyPr>
+          <a:lstStyle/>
+          <a:p>
+            <a:r>
+              <a:rPr lang="en-US" sz="1350" dirty="0"/>
+              <a:t>CS</a:t>
+            </a:r>
+          </a:p>
+        </p:txBody>
+      </p:sp>
+      <p:sp>
+        <p:nvSpPr>
+          <p:cNvPr id="48" name="TextBox 47"/>
+          <p:cNvSpPr txBox="1"/>
+          <p:nvPr/>
+        </p:nvSpPr>
+        <p:spPr>
+          <a:xfrm>
+            <a:off x="6396413" y="4123114"/>
+            <a:ext cx="444172" cy="300082"/>
+          </a:xfrm>
+          <a:prstGeom prst="rect">
+            <a:avLst/>
+          </a:prstGeom>
+          <a:noFill/>
+        </p:spPr>
+        <p:txBody>
+          <a:bodyPr wrap="square" rtlCol="0">
+            <a:spAutoFit/>
+          </a:bodyPr>
+          <a:lstStyle/>
+          <a:p>
             <a:r>
               <a:rPr lang="en-US" sz="1350" dirty="0">
                 <a:solidFill>
@@ -14861,14 +15706,14 @@
       </p:sp>
       <p:sp>
         <p:nvSpPr>
-          <p:cNvPr id="27" name="TextBox 26"/>
+          <p:cNvPr id="4" name="TextBox 3"/>
           <p:cNvSpPr txBox="1"/>
           <p:nvPr/>
         </p:nvSpPr>
         <p:spPr>
           <a:xfrm>
-            <a:off x="2729387" y="3784927"/>
-            <a:ext cx="1801052" cy="300082"/>
+            <a:off x="6394030" y="5763113"/>
+            <a:ext cx="2330246" cy="715581"/>
           </a:xfrm>
           <a:prstGeom prst="rect">
             <a:avLst/>
@@ -14882,756 +15727,8 @@
           <a:lstStyle/>
           <a:p>
             <a:r>
-              <a:rPr lang="en-US" sz="1350"/>
-              <a:t>Phase shifting primer</a:t>
-            </a:r>
-            <a:endParaRPr lang="en-US" sz="1350" dirty="0"/>
-          </a:p>
-        </p:txBody>
-      </p:sp>
-      <p:sp>
-        <p:nvSpPr>
-          <p:cNvPr id="29" name="TextBox 28"/>
-          <p:cNvSpPr txBox="1"/>
-          <p:nvPr/>
-        </p:nvSpPr>
-        <p:spPr>
-          <a:xfrm>
-            <a:off x="4132616" y="5224882"/>
-            <a:ext cx="812260" cy="300082"/>
-          </a:xfrm>
-          <a:prstGeom prst="rect">
-            <a:avLst/>
-          </a:prstGeom>
-          <a:noFill/>
-        </p:spPr>
-        <p:txBody>
-          <a:bodyPr wrap="square" rtlCol="0">
-            <a:spAutoFit/>
-          </a:bodyPr>
-          <a:lstStyle/>
-          <a:p>
-            <a:r>
-              <a:rPr lang="en-US" sz="1350"/>
-              <a:t>TS</a:t>
-            </a:r>
-            <a:endParaRPr lang="en-US" sz="1350" dirty="0"/>
-          </a:p>
-        </p:txBody>
-      </p:sp>
-      <p:sp>
-        <p:nvSpPr>
-          <p:cNvPr id="31" name="TextBox 30"/>
-          <p:cNvSpPr txBox="1"/>
-          <p:nvPr/>
-        </p:nvSpPr>
-        <p:spPr>
-          <a:xfrm>
-            <a:off x="2912652" y="5241953"/>
-            <a:ext cx="812260" cy="300082"/>
-          </a:xfrm>
-          <a:prstGeom prst="rect">
-            <a:avLst/>
-          </a:prstGeom>
-          <a:noFill/>
-        </p:spPr>
-        <p:txBody>
-          <a:bodyPr wrap="square" rtlCol="0">
-            <a:spAutoFit/>
-          </a:bodyPr>
-          <a:lstStyle/>
-          <a:p>
-            <a:r>
               <a:rPr lang="en-US" sz="1350" dirty="0"/>
-              <a:t>CS</a:t>
-            </a:r>
-          </a:p>
-        </p:txBody>
-      </p:sp>
-      <p:sp>
-        <p:nvSpPr>
-          <p:cNvPr id="33" name="TextBox 32"/>
-          <p:cNvSpPr txBox="1"/>
-          <p:nvPr/>
-        </p:nvSpPr>
-        <p:spPr>
-          <a:xfrm>
-            <a:off x="3455410" y="4096465"/>
-            <a:ext cx="444172" cy="300082"/>
-          </a:xfrm>
-          <a:prstGeom prst="rect">
-            <a:avLst/>
-          </a:prstGeom>
-          <a:noFill/>
-        </p:spPr>
-        <p:txBody>
-          <a:bodyPr wrap="square" rtlCol="0">
-            <a:spAutoFit/>
-          </a:bodyPr>
-          <a:lstStyle/>
-          <a:p>
-            <a:r>
-              <a:rPr lang="en-US" sz="1350" dirty="0">
-                <a:solidFill>
-                  <a:srgbClr val="0070C0"/>
-                </a:solidFill>
-              </a:rPr>
-              <a:t>CA</a:t>
-            </a:r>
-          </a:p>
-        </p:txBody>
-      </p:sp>
-      <p:sp>
-        <p:nvSpPr>
-          <p:cNvPr id="34" name="Right Arrow 33"/>
-          <p:cNvSpPr/>
-          <p:nvPr/>
-        </p:nvSpPr>
-        <p:spPr>
-          <a:xfrm>
-            <a:off x="6721676" y="4186442"/>
-            <a:ext cx="685800" cy="137160"/>
-          </a:xfrm>
-          <a:prstGeom prst="rightArrow">
-            <a:avLst/>
-          </a:prstGeom>
-          <a:solidFill>
-            <a:schemeClr val="tx2"/>
-          </a:solidFill>
-          <a:ln>
-            <a:solidFill>
-              <a:schemeClr val="tx2"/>
-            </a:solidFill>
-          </a:ln>
-          <a:effectLst/>
-        </p:spPr>
-        <p:style>
-          <a:lnRef idx="1">
-            <a:schemeClr val="accent1"/>
-          </a:lnRef>
-          <a:fillRef idx="3">
-            <a:schemeClr val="accent1"/>
-          </a:fillRef>
-          <a:effectRef idx="2">
-            <a:schemeClr val="accent1"/>
-          </a:effectRef>
-          <a:fontRef idx="minor">
-            <a:schemeClr val="lt1"/>
-          </a:fontRef>
-        </p:style>
-        <p:txBody>
-          <a:bodyPr rtlCol="0" anchor="ctr"/>
-          <a:lstStyle/>
-          <a:p>
-            <a:pPr algn="ctr"/>
-            <a:endParaRPr lang="en-US" sz="1350"/>
-          </a:p>
-        </p:txBody>
-      </p:sp>
-      <p:sp>
-        <p:nvSpPr>
-          <p:cNvPr id="35" name="Right Arrow 34"/>
-          <p:cNvSpPr/>
-          <p:nvPr/>
-        </p:nvSpPr>
-        <p:spPr>
-          <a:xfrm>
-            <a:off x="6879676" y="4487707"/>
-            <a:ext cx="685800" cy="137160"/>
-          </a:xfrm>
-          <a:prstGeom prst="rightArrow">
-            <a:avLst/>
-          </a:prstGeom>
-          <a:solidFill>
-            <a:schemeClr val="tx2"/>
-          </a:solidFill>
-          <a:ln>
-            <a:solidFill>
-              <a:schemeClr val="tx2"/>
-            </a:solidFill>
-          </a:ln>
-          <a:effectLst/>
-        </p:spPr>
-        <p:style>
-          <a:lnRef idx="1">
-            <a:schemeClr val="accent1"/>
-          </a:lnRef>
-          <a:fillRef idx="3">
-            <a:schemeClr val="accent1"/>
-          </a:fillRef>
-          <a:effectRef idx="2">
-            <a:schemeClr val="accent1"/>
-          </a:effectRef>
-          <a:fontRef idx="minor">
-            <a:schemeClr val="lt1"/>
-          </a:fontRef>
-        </p:style>
-        <p:txBody>
-          <a:bodyPr rtlCol="0" anchor="ctr"/>
-          <a:lstStyle/>
-          <a:p>
-            <a:pPr algn="ctr"/>
-            <a:endParaRPr lang="en-US" sz="1350"/>
-          </a:p>
-        </p:txBody>
-      </p:sp>
-      <p:sp>
-        <p:nvSpPr>
-          <p:cNvPr id="36" name="Right Arrow 35"/>
-          <p:cNvSpPr/>
-          <p:nvPr/>
-        </p:nvSpPr>
-        <p:spPr>
-          <a:xfrm>
-            <a:off x="6988906" y="4769529"/>
-            <a:ext cx="685800" cy="137160"/>
-          </a:xfrm>
-          <a:prstGeom prst="rightArrow">
-            <a:avLst/>
-          </a:prstGeom>
-          <a:solidFill>
-            <a:schemeClr val="tx2"/>
-          </a:solidFill>
-          <a:ln>
-            <a:solidFill>
-              <a:schemeClr val="tx2"/>
-            </a:solidFill>
-          </a:ln>
-          <a:effectLst/>
-        </p:spPr>
-        <p:style>
-          <a:lnRef idx="1">
-            <a:schemeClr val="accent1"/>
-          </a:lnRef>
-          <a:fillRef idx="3">
-            <a:schemeClr val="accent1"/>
-          </a:fillRef>
-          <a:effectRef idx="2">
-            <a:schemeClr val="accent1"/>
-          </a:effectRef>
-          <a:fontRef idx="minor">
-            <a:schemeClr val="lt1"/>
-          </a:fontRef>
-        </p:style>
-        <p:txBody>
-          <a:bodyPr rtlCol="0" anchor="ctr"/>
-          <a:lstStyle/>
-          <a:p>
-            <a:pPr algn="ctr"/>
-            <a:endParaRPr lang="en-US" sz="1350"/>
-          </a:p>
-        </p:txBody>
-      </p:sp>
-      <p:sp>
-        <p:nvSpPr>
-          <p:cNvPr id="37" name="Right Arrow 36"/>
-          <p:cNvSpPr/>
-          <p:nvPr/>
-        </p:nvSpPr>
-        <p:spPr>
-          <a:xfrm>
-            <a:off x="7092145" y="5064566"/>
-            <a:ext cx="685800" cy="137160"/>
-          </a:xfrm>
-          <a:prstGeom prst="rightArrow">
-            <a:avLst/>
-          </a:prstGeom>
-          <a:solidFill>
-            <a:schemeClr val="tx2"/>
-          </a:solidFill>
-          <a:ln>
-            <a:solidFill>
-              <a:schemeClr val="tx2"/>
-            </a:solidFill>
-          </a:ln>
-          <a:effectLst/>
-        </p:spPr>
-        <p:style>
-          <a:lnRef idx="1">
-            <a:schemeClr val="accent1"/>
-          </a:lnRef>
-          <a:fillRef idx="3">
-            <a:schemeClr val="accent1"/>
-          </a:fillRef>
-          <a:effectRef idx="2">
-            <a:schemeClr val="accent1"/>
-          </a:effectRef>
-          <a:fontRef idx="minor">
-            <a:schemeClr val="lt1"/>
-          </a:fontRef>
-        </p:style>
-        <p:txBody>
-          <a:bodyPr rtlCol="0" anchor="ctr"/>
-          <a:lstStyle/>
-          <a:p>
-            <a:pPr algn="ctr"/>
-            <a:endParaRPr lang="en-US" sz="1350"/>
-          </a:p>
-        </p:txBody>
-      </p:sp>
-      <p:sp>
-        <p:nvSpPr>
-          <p:cNvPr id="38" name="Rectangle 37"/>
-          <p:cNvSpPr/>
-          <p:nvPr/>
-        </p:nvSpPr>
-        <p:spPr>
-          <a:xfrm>
-            <a:off x="5756118" y="4221164"/>
-            <a:ext cx="685800" cy="68580"/>
-          </a:xfrm>
-          <a:prstGeom prst="rect">
-            <a:avLst/>
-          </a:prstGeom>
-          <a:solidFill>
-            <a:schemeClr val="accent6"/>
-          </a:solidFill>
-          <a:ln>
-            <a:solidFill>
-              <a:schemeClr val="accent6"/>
-            </a:solidFill>
-          </a:ln>
-          <a:effectLst/>
-        </p:spPr>
-        <p:style>
-          <a:lnRef idx="1">
-            <a:schemeClr val="accent1"/>
-          </a:lnRef>
-          <a:fillRef idx="3">
-            <a:schemeClr val="accent1"/>
-          </a:fillRef>
-          <a:effectRef idx="2">
-            <a:schemeClr val="accent1"/>
-          </a:effectRef>
-          <a:fontRef idx="minor">
-            <a:schemeClr val="lt1"/>
-          </a:fontRef>
-        </p:style>
-        <p:txBody>
-          <a:bodyPr rtlCol="0" anchor="ctr"/>
-          <a:lstStyle/>
-          <a:p>
-            <a:pPr algn="ctr"/>
-            <a:endParaRPr lang="en-US" sz="1350"/>
-          </a:p>
-        </p:txBody>
-      </p:sp>
-      <p:sp>
-        <p:nvSpPr>
-          <p:cNvPr id="39" name="Rectangle 38"/>
-          <p:cNvSpPr/>
-          <p:nvPr/>
-        </p:nvSpPr>
-        <p:spPr>
-          <a:xfrm>
-            <a:off x="5759154" y="4520363"/>
-            <a:ext cx="685800" cy="68580"/>
-          </a:xfrm>
-          <a:prstGeom prst="rect">
-            <a:avLst/>
-          </a:prstGeom>
-          <a:solidFill>
-            <a:schemeClr val="accent6"/>
-          </a:solidFill>
-          <a:ln>
-            <a:solidFill>
-              <a:schemeClr val="accent6"/>
-            </a:solidFill>
-          </a:ln>
-          <a:effectLst/>
-        </p:spPr>
-        <p:style>
-          <a:lnRef idx="1">
-            <a:schemeClr val="accent1"/>
-          </a:lnRef>
-          <a:fillRef idx="3">
-            <a:schemeClr val="accent1"/>
-          </a:fillRef>
-          <a:effectRef idx="2">
-            <a:schemeClr val="accent1"/>
-          </a:effectRef>
-          <a:fontRef idx="minor">
-            <a:schemeClr val="lt1"/>
-          </a:fontRef>
-        </p:style>
-        <p:txBody>
-          <a:bodyPr rtlCol="0" anchor="ctr"/>
-          <a:lstStyle/>
-          <a:p>
-            <a:pPr algn="ctr"/>
-            <a:endParaRPr lang="en-US" sz="1350"/>
-          </a:p>
-        </p:txBody>
-      </p:sp>
-      <p:sp>
-        <p:nvSpPr>
-          <p:cNvPr id="40" name="Rectangle 39"/>
-          <p:cNvSpPr/>
-          <p:nvPr/>
-        </p:nvSpPr>
-        <p:spPr>
-          <a:xfrm>
-            <a:off x="5754403" y="4796744"/>
-            <a:ext cx="685800" cy="68580"/>
-          </a:xfrm>
-          <a:prstGeom prst="rect">
-            <a:avLst/>
-          </a:prstGeom>
-          <a:solidFill>
-            <a:schemeClr val="accent6"/>
-          </a:solidFill>
-          <a:ln>
-            <a:solidFill>
-              <a:schemeClr val="accent6"/>
-            </a:solidFill>
-          </a:ln>
-          <a:effectLst/>
-        </p:spPr>
-        <p:style>
-          <a:lnRef idx="1">
-            <a:schemeClr val="accent1"/>
-          </a:lnRef>
-          <a:fillRef idx="3">
-            <a:schemeClr val="accent1"/>
-          </a:fillRef>
-          <a:effectRef idx="2">
-            <a:schemeClr val="accent1"/>
-          </a:effectRef>
-          <a:fontRef idx="minor">
-            <a:schemeClr val="lt1"/>
-          </a:fontRef>
-        </p:style>
-        <p:txBody>
-          <a:bodyPr rtlCol="0" anchor="ctr"/>
-          <a:lstStyle/>
-          <a:p>
-            <a:pPr algn="ctr"/>
-            <a:endParaRPr lang="en-US" sz="1350"/>
-          </a:p>
-        </p:txBody>
-      </p:sp>
-      <p:sp>
-        <p:nvSpPr>
-          <p:cNvPr id="41" name="Rectangle 40"/>
-          <p:cNvSpPr/>
-          <p:nvPr/>
-        </p:nvSpPr>
-        <p:spPr>
-          <a:xfrm>
-            <a:off x="5752474" y="5097222"/>
-            <a:ext cx="685800" cy="68580"/>
-          </a:xfrm>
-          <a:prstGeom prst="rect">
-            <a:avLst/>
-          </a:prstGeom>
-          <a:solidFill>
-            <a:schemeClr val="accent6"/>
-          </a:solidFill>
-          <a:ln>
-            <a:solidFill>
-              <a:schemeClr val="accent6"/>
-            </a:solidFill>
-          </a:ln>
-          <a:effectLst/>
-        </p:spPr>
-        <p:style>
-          <a:lnRef idx="1">
-            <a:schemeClr val="accent1"/>
-          </a:lnRef>
-          <a:fillRef idx="3">
-            <a:schemeClr val="accent1"/>
-          </a:fillRef>
-          <a:effectRef idx="2">
-            <a:schemeClr val="accent1"/>
-          </a:effectRef>
-          <a:fontRef idx="minor">
-            <a:schemeClr val="lt1"/>
-          </a:fontRef>
-        </p:style>
-        <p:txBody>
-          <a:bodyPr rtlCol="0" anchor="ctr"/>
-          <a:lstStyle/>
-          <a:p>
-            <a:pPr algn="ctr"/>
-            <a:endParaRPr lang="en-US" sz="1350"/>
-          </a:p>
-        </p:txBody>
-      </p:sp>
-      <p:sp>
-        <p:nvSpPr>
-          <p:cNvPr id="42" name="TextBox 41"/>
-          <p:cNvSpPr txBox="1"/>
-          <p:nvPr/>
-        </p:nvSpPr>
-        <p:spPr>
-          <a:xfrm>
-            <a:off x="6404587" y="4399645"/>
-            <a:ext cx="511345" cy="300082"/>
-          </a:xfrm>
-          <a:prstGeom prst="rect">
-            <a:avLst/>
-          </a:prstGeom>
-          <a:noFill/>
-        </p:spPr>
-        <p:txBody>
-          <a:bodyPr wrap="square" rtlCol="0">
-            <a:spAutoFit/>
-          </a:bodyPr>
-          <a:lstStyle/>
-          <a:p>
-            <a:r>
-              <a:rPr lang="en-US" sz="1350" dirty="0"/>
-              <a:t>N</a:t>
-            </a:r>
-            <a:r>
-              <a:rPr lang="en-US" sz="1350">
-                <a:solidFill>
-                  <a:srgbClr val="0070C0"/>
-                </a:solidFill>
-              </a:rPr>
-              <a:t>CA</a:t>
-            </a:r>
-            <a:endParaRPr lang="en-US" sz="1350" dirty="0">
-              <a:solidFill>
-                <a:srgbClr val="0070C0"/>
-              </a:solidFill>
-            </a:endParaRPr>
-          </a:p>
-        </p:txBody>
-      </p:sp>
-      <p:sp>
-        <p:nvSpPr>
-          <p:cNvPr id="43" name="TextBox 42"/>
-          <p:cNvSpPr txBox="1"/>
-          <p:nvPr/>
-        </p:nvSpPr>
-        <p:spPr>
-          <a:xfrm>
-            <a:off x="6402868" y="4682361"/>
-            <a:ext cx="622349" cy="300082"/>
-          </a:xfrm>
-          <a:prstGeom prst="rect">
-            <a:avLst/>
-          </a:prstGeom>
-          <a:noFill/>
-        </p:spPr>
-        <p:txBody>
-          <a:bodyPr wrap="square" rtlCol="0">
-            <a:spAutoFit/>
-          </a:bodyPr>
-          <a:lstStyle/>
-          <a:p>
-            <a:r>
-              <a:rPr lang="en-US" sz="1350" dirty="0"/>
-              <a:t>NN</a:t>
-            </a:r>
-            <a:r>
-              <a:rPr lang="en-US" sz="1350" dirty="0">
-                <a:solidFill>
-                  <a:srgbClr val="0070C0"/>
-                </a:solidFill>
-              </a:rPr>
-              <a:t>CA</a:t>
-            </a:r>
-          </a:p>
-        </p:txBody>
-      </p:sp>
-      <p:sp>
-        <p:nvSpPr>
-          <p:cNvPr id="44" name="TextBox 43"/>
-          <p:cNvSpPr txBox="1"/>
-          <p:nvPr/>
-        </p:nvSpPr>
-        <p:spPr>
-          <a:xfrm>
-            <a:off x="6394030" y="4976503"/>
-            <a:ext cx="812260" cy="300082"/>
-          </a:xfrm>
-          <a:prstGeom prst="rect">
-            <a:avLst/>
-          </a:prstGeom>
-          <a:noFill/>
-        </p:spPr>
-        <p:txBody>
-          <a:bodyPr wrap="square" rtlCol="0">
-            <a:spAutoFit/>
-          </a:bodyPr>
-          <a:lstStyle/>
-          <a:p>
-            <a:r>
-              <a:rPr lang="en-US" sz="1350" dirty="0"/>
-              <a:t>NNN</a:t>
-            </a:r>
-            <a:r>
-              <a:rPr lang="en-US" sz="1350" dirty="0">
-                <a:solidFill>
-                  <a:srgbClr val="0070C0"/>
-                </a:solidFill>
-              </a:rPr>
-              <a:t>CA</a:t>
-            </a:r>
-          </a:p>
-        </p:txBody>
-      </p:sp>
-      <p:sp>
-        <p:nvSpPr>
-          <p:cNvPr id="45" name="TextBox 44"/>
-          <p:cNvSpPr txBox="1"/>
-          <p:nvPr/>
-        </p:nvSpPr>
-        <p:spPr>
-          <a:xfrm>
-            <a:off x="5665239" y="3784927"/>
-            <a:ext cx="4018935" cy="300082"/>
-          </a:xfrm>
-          <a:prstGeom prst="rect">
-            <a:avLst/>
-          </a:prstGeom>
-          <a:noFill/>
-        </p:spPr>
-        <p:txBody>
-          <a:bodyPr wrap="square" rtlCol="0">
-            <a:spAutoFit/>
-          </a:bodyPr>
-          <a:lstStyle/>
-          <a:p>
-            <a:r>
-              <a:rPr lang="en-US" sz="1350" dirty="0"/>
-              <a:t>Phase shifting </a:t>
-            </a:r>
-            <a:r>
-              <a:rPr lang="en-US" sz="1350"/>
-              <a:t>primers with PCR duplicate detection</a:t>
-            </a:r>
-            <a:endParaRPr lang="en-US" sz="1350" dirty="0"/>
-          </a:p>
-        </p:txBody>
-      </p:sp>
-      <p:sp>
-        <p:nvSpPr>
-          <p:cNvPr id="46" name="TextBox 45"/>
-          <p:cNvSpPr txBox="1"/>
-          <p:nvPr/>
-        </p:nvSpPr>
-        <p:spPr>
-          <a:xfrm>
-            <a:off x="7206290" y="5267042"/>
-            <a:ext cx="812260" cy="300082"/>
-          </a:xfrm>
-          <a:prstGeom prst="rect">
-            <a:avLst/>
-          </a:prstGeom>
-          <a:noFill/>
-        </p:spPr>
-        <p:txBody>
-          <a:bodyPr wrap="square" rtlCol="0">
-            <a:spAutoFit/>
-          </a:bodyPr>
-          <a:lstStyle/>
-          <a:p>
-            <a:r>
-              <a:rPr lang="en-US" sz="1350"/>
-              <a:t>TS</a:t>
-            </a:r>
-            <a:endParaRPr lang="en-US" sz="1350" dirty="0"/>
-          </a:p>
-        </p:txBody>
-      </p:sp>
-      <p:sp>
-        <p:nvSpPr>
-          <p:cNvPr id="47" name="TextBox 46"/>
-          <p:cNvSpPr txBox="1"/>
-          <p:nvPr/>
-        </p:nvSpPr>
-        <p:spPr>
-          <a:xfrm>
-            <a:off x="5867942" y="5268602"/>
-            <a:ext cx="812260" cy="300082"/>
-          </a:xfrm>
-          <a:prstGeom prst="rect">
-            <a:avLst/>
-          </a:prstGeom>
-          <a:noFill/>
-        </p:spPr>
-        <p:txBody>
-          <a:bodyPr wrap="square" rtlCol="0">
-            <a:spAutoFit/>
-          </a:bodyPr>
-          <a:lstStyle/>
-          <a:p>
-            <a:r>
-              <a:rPr lang="en-US" sz="1350" dirty="0"/>
-              <a:t>CS</a:t>
-            </a:r>
-          </a:p>
-        </p:txBody>
-      </p:sp>
-      <p:sp>
-        <p:nvSpPr>
-          <p:cNvPr id="48" name="TextBox 47"/>
-          <p:cNvSpPr txBox="1"/>
-          <p:nvPr/>
-        </p:nvSpPr>
-        <p:spPr>
-          <a:xfrm>
-            <a:off x="6396413" y="4123114"/>
-            <a:ext cx="444172" cy="300082"/>
-          </a:xfrm>
-          <a:prstGeom prst="rect">
-            <a:avLst/>
-          </a:prstGeom>
-          <a:noFill/>
-        </p:spPr>
-        <p:txBody>
-          <a:bodyPr wrap="square" rtlCol="0">
-            <a:spAutoFit/>
-          </a:bodyPr>
-          <a:lstStyle/>
-          <a:p>
-            <a:r>
-              <a:rPr lang="en-US" sz="1350" dirty="0">
-                <a:solidFill>
-                  <a:srgbClr val="0070C0"/>
-                </a:solidFill>
-              </a:rPr>
-              <a:t>CA</a:t>
-            </a:r>
-          </a:p>
-        </p:txBody>
-      </p:sp>
-      <p:sp>
-        <p:nvSpPr>
-          <p:cNvPr id="4" name="TextBox 3"/>
-          <p:cNvSpPr txBox="1"/>
-          <p:nvPr/>
-        </p:nvSpPr>
-        <p:spPr>
-          <a:xfrm>
-            <a:off x="6394030" y="5763113"/>
-            <a:ext cx="2330246" cy="715581"/>
-          </a:xfrm>
-          <a:prstGeom prst="rect">
-            <a:avLst/>
-          </a:prstGeom>
-          <a:noFill/>
-        </p:spPr>
-        <p:txBody>
-          <a:bodyPr wrap="square" rtlCol="0">
-            <a:spAutoFit/>
-          </a:bodyPr>
-          <a:lstStyle/>
-          <a:p>
-            <a:r>
-              <a:rPr lang="en-US" sz="1350" dirty="0"/>
-              <a:t>Ns, resolve </a:t>
-            </a:r>
-            <a:r>
-              <a:rPr lang="en-US" sz="1350"/>
-              <a:t>to be </a:t>
-            </a:r>
-            <a:r>
-              <a:rPr lang="en-US" sz="1350" dirty="0"/>
-              <a:t>PCR duplicate keys and should only ever appear once</a:t>
+              <a:t>Ns, resolve to be PCR duplicate keys and should only ever appear once</a:t>
             </a:r>
           </a:p>
         </p:txBody>

--- a/dbcAmplicons/dbcAmplicons_Amplicons.pptx
+++ b/dbcAmplicons/dbcAmplicons_Amplicons.pptx
@@ -6684,8 +6684,8 @@
         </p:nvSpPr>
         <p:spPr>
           <a:xfrm>
-            <a:off x="3160450" y="1311786"/>
-            <a:ext cx="5667028" cy="726479"/>
+            <a:off x="3160449" y="1311786"/>
+            <a:ext cx="7005391" cy="726479"/>
           </a:xfrm>
           <a:prstGeom prst="rect">
             <a:avLst/>
@@ -6761,7 +6761,13 @@
       </p:sp>
       <p:grpSp>
         <p:nvGrpSpPr>
-          <p:cNvPr id="2" name="Group 1"/>
+          <p:cNvPr id="11" name="Group 10">
+            <a:extLst>
+              <a:ext uri="{FF2B5EF4-FFF2-40B4-BE49-F238E27FC236}">
+                <a16:creationId xmlns:a16="http://schemas.microsoft.com/office/drawing/2014/main" id="{30BA5CA9-7A6E-8546-B9AE-9E8DBA3C72A7}"/>
+              </a:ext>
+            </a:extLst>
+          </p:cNvPr>
           <p:cNvGrpSpPr/>
           <p:nvPr/>
         </p:nvGrpSpPr>
@@ -6769,8 +6775,8 @@
           <a:xfrm>
             <a:off x="1185153" y="1766494"/>
             <a:ext cx="8089627" cy="4897314"/>
-            <a:chOff x="176525" y="2105950"/>
-            <a:chExt cx="3718314" cy="3791050"/>
+            <a:chOff x="1185153" y="1766494"/>
+            <a:chExt cx="8089627" cy="4897314"/>
           </a:xfrm>
         </p:grpSpPr>
         <p:grpSp>
@@ -6781,8 +6787,8 @@
           </p:nvGrpSpPr>
           <p:grpSpPr>
             <a:xfrm>
-              <a:off x="176525" y="2105950"/>
-              <a:ext cx="3718314" cy="1844000"/>
+              <a:off x="1185153" y="1766494"/>
+              <a:ext cx="8089627" cy="2382097"/>
               <a:chOff x="176525" y="1248700"/>
               <a:chExt cx="3718314" cy="1844000"/>
             </a:xfrm>
@@ -6860,8 +6866,8 @@
           </p:nvGrpSpPr>
           <p:grpSpPr>
             <a:xfrm>
-              <a:off x="176525" y="4053000"/>
-              <a:ext cx="3718314" cy="1844000"/>
+              <a:off x="1185153" y="4281711"/>
+              <a:ext cx="8089627" cy="2382097"/>
               <a:chOff x="100325" y="3092700"/>
               <a:chExt cx="3718314" cy="1844000"/>
             </a:xfrm>
@@ -6940,8 +6946,8 @@
         </p:nvSpPr>
         <p:spPr>
           <a:xfrm>
-            <a:off x="9562220" y="2490921"/>
-            <a:ext cx="678391" cy="369332"/>
+            <a:off x="9274780" y="2490921"/>
+            <a:ext cx="1193928" cy="369332"/>
           </a:xfrm>
           <a:prstGeom prst="rect">
             <a:avLst/>
@@ -6972,8 +6978,8 @@
         </p:nvSpPr>
         <p:spPr>
           <a:xfrm>
-            <a:off x="9475658" y="5136342"/>
-            <a:ext cx="764953" cy="369332"/>
+            <a:off x="9274780" y="5136342"/>
+            <a:ext cx="1193928" cy="369332"/>
           </a:xfrm>
           <a:prstGeom prst="rect">
             <a:avLst/>
@@ -7111,7 +7117,7 @@
         </p:nvCxnSpPr>
         <p:spPr>
           <a:xfrm flipH="1">
-            <a:off x="5229967" y="2610434"/>
+            <a:off x="5229968" y="2610434"/>
             <a:ext cx="417757" cy="65153"/>
           </a:xfrm>
           <a:prstGeom prst="straightConnector1">
@@ -7144,8 +7150,8 @@
         </p:nvSpPr>
         <p:spPr>
           <a:xfrm>
-            <a:off x="5438845" y="2171385"/>
-            <a:ext cx="1662723" cy="369332"/>
+            <a:off x="5647723" y="2009650"/>
+            <a:ext cx="2406431" cy="369332"/>
           </a:xfrm>
           <a:prstGeom prst="rect">
             <a:avLst/>
@@ -7159,7 +7165,7 @@
           <a:lstStyle/>
           <a:p>
             <a:r>
-              <a:rPr lang="en-US"/>
+              <a:rPr lang="en-US" dirty="0"/>
               <a:t>Unused primer</a:t>
             </a:r>
           </a:p>
@@ -7173,8 +7179,8 @@
         </p:nvSpPr>
         <p:spPr>
           <a:xfrm>
-            <a:off x="6620485" y="4490011"/>
-            <a:ext cx="1271587" cy="646331"/>
+            <a:off x="6663144" y="4516957"/>
+            <a:ext cx="1571893" cy="646331"/>
           </a:xfrm>
           <a:prstGeom prst="rect">
             <a:avLst/>
@@ -7189,11 +7195,7 @@
           <a:p>
             <a:r>
               <a:rPr lang="en-US" dirty="0"/>
-              <a:t>Template </a:t>
-            </a:r>
-            <a:r>
-              <a:rPr lang="en-US"/>
-              <a:t>of interest</a:t>
+              <a:t>Template of interest</a:t>
             </a:r>
           </a:p>
         </p:txBody>
@@ -12218,9 +12220,9 @@
         <p:grpSpPr>
           <a:xfrm>
             <a:off x="1371600" y="2076590"/>
-            <a:ext cx="9530860" cy="4542866"/>
+            <a:ext cx="9530861" cy="4542866"/>
             <a:chOff x="1371600" y="2076590"/>
-            <a:chExt cx="9530860" cy="4542866"/>
+            <a:chExt cx="9530861" cy="4542866"/>
           </a:xfrm>
         </p:grpSpPr>
         <p:sp>
@@ -12245,17 +12247,17 @@
             </a:ln>
             <a:extLst>
               <a:ext uri="{FAA26D3D-D897-4be2-8F04-BA451C77F1D7}">
-                <ma14:placeholderFlag xmlns="" xmlns:ma14="http://schemas.microsoft.com/office/mac/drawingml/2011/main" val="1"/>
+                <ma14:placeholderFlag xmlns:ma14="http://schemas.microsoft.com/office/mac/drawingml/2011/main" xmlns="" val="1"/>
               </a:ext>
               <a:ext uri="{909E8E84-426E-40dd-AFC4-6F175D3DCCD1}">
-                <a14:hiddenFill xmlns:a14="http://schemas.microsoft.com/office/drawing/2010/main" xmlns="">
+                <a14:hiddenFill xmlns="" xmlns:a14="http://schemas.microsoft.com/office/drawing/2010/main">
                   <a:solidFill>
                     <a:srgbClr val="FFFFFF"/>
                   </a:solidFill>
                 </a14:hiddenFill>
               </a:ext>
               <a:ext uri="{91240B29-F687-4f45-9708-019B960494DF}">
-                <a14:hiddenLine xmlns:a14="http://schemas.microsoft.com/office/drawing/2010/main" xmlns="" w="9525">
+                <a14:hiddenLine xmlns="" xmlns:a14="http://schemas.microsoft.com/office/drawing/2010/main" w="9525">
                   <a:solidFill>
                     <a:srgbClr val="000000"/>
                   </a:solidFill>
@@ -12699,8 +12701,8 @@
           </p:nvSpPr>
           <p:spPr>
             <a:xfrm>
-              <a:off x="3675185" y="3105515"/>
-              <a:ext cx="5376005" cy="400110"/>
+              <a:off x="2864277" y="3126575"/>
+              <a:ext cx="6816969" cy="400110"/>
             </a:xfrm>
             <a:prstGeom prst="rect">
               <a:avLst/>
@@ -13479,8 +13481,8 @@
           </p:nvSpPr>
           <p:spPr>
             <a:xfrm>
-              <a:off x="2006479" y="5788459"/>
-              <a:ext cx="8895981" cy="830997"/>
+              <a:off x="1524001" y="5788459"/>
+              <a:ext cx="9378460" cy="830997"/>
             </a:xfrm>
             <a:prstGeom prst="rect">
               <a:avLst/>
@@ -14021,14 +14023,14 @@
           </a:ln>
           <a:extLst>
             <a:ext uri="{909E8E84-426E-40dd-AFC4-6F175D3DCCD1}">
-              <a14:hiddenFill xmlns:a14="http://schemas.microsoft.com/office/drawing/2010/main" xmlns="">
+              <a14:hiddenFill xmlns="" xmlns:a14="http://schemas.microsoft.com/office/drawing/2010/main">
                 <a:solidFill>
                   <a:srgbClr val="FFFFFF"/>
                 </a:solidFill>
               </a14:hiddenFill>
             </a:ext>
             <a:ext uri="{91240B29-F687-4f45-9708-019B960494DF}">
-              <a14:hiddenLine xmlns:a14="http://schemas.microsoft.com/office/drawing/2010/main" xmlns="" w="9525">
+              <a14:hiddenLine xmlns="" xmlns:a14="http://schemas.microsoft.com/office/drawing/2010/main" w="9525">
                 <a:solidFill>
                   <a:srgbClr val="000000"/>
                 </a:solidFill>
